--- a/基础PPT/JavaSE进阶第三版/第6章：Java IO基础.pptx
+++ b/基础PPT/JavaSE进阶第三版/第6章：Java IO基础.pptx
@@ -26,36 +26,37 @@
     <p:sldId id="758" r:id="rId19"/>
     <p:sldId id="720" r:id="rId20"/>
     <p:sldId id="721" r:id="rId21"/>
-    <p:sldId id="722" r:id="rId22"/>
-    <p:sldId id="723" r:id="rId23"/>
+    <p:sldId id="723" r:id="rId22"/>
+    <p:sldId id="793" r:id="rId23"/>
     <p:sldId id="719" r:id="rId24"/>
     <p:sldId id="759" r:id="rId25"/>
     <p:sldId id="724" r:id="rId26"/>
     <p:sldId id="725" r:id="rId27"/>
     <p:sldId id="700" r:id="rId28"/>
     <p:sldId id="728" r:id="rId29"/>
-    <p:sldId id="726" r:id="rId30"/>
-    <p:sldId id="698" r:id="rId31"/>
-    <p:sldId id="760" r:id="rId32"/>
-    <p:sldId id="727" r:id="rId33"/>
-    <p:sldId id="729" r:id="rId34"/>
-    <p:sldId id="685" r:id="rId35"/>
-    <p:sldId id="762" r:id="rId36"/>
-    <p:sldId id="730" r:id="rId37"/>
-    <p:sldId id="731" r:id="rId38"/>
-    <p:sldId id="701" r:id="rId39"/>
-    <p:sldId id="735" r:id="rId40"/>
-    <p:sldId id="733" r:id="rId41"/>
-    <p:sldId id="736" r:id="rId42"/>
-    <p:sldId id="686" r:id="rId43"/>
-    <p:sldId id="737" r:id="rId44"/>
-    <p:sldId id="738" r:id="rId45"/>
-    <p:sldId id="739" r:id="rId46"/>
-    <p:sldId id="740" r:id="rId47"/>
-    <p:sldId id="741" r:id="rId48"/>
-    <p:sldId id="695" r:id="rId49"/>
-    <p:sldId id="742" r:id="rId50"/>
-    <p:sldId id="662" r:id="rId51"/>
+    <p:sldId id="794" r:id="rId30"/>
+    <p:sldId id="726" r:id="rId31"/>
+    <p:sldId id="698" r:id="rId32"/>
+    <p:sldId id="760" r:id="rId33"/>
+    <p:sldId id="727" r:id="rId34"/>
+    <p:sldId id="729" r:id="rId35"/>
+    <p:sldId id="685" r:id="rId36"/>
+    <p:sldId id="762" r:id="rId37"/>
+    <p:sldId id="730" r:id="rId38"/>
+    <p:sldId id="731" r:id="rId39"/>
+    <p:sldId id="701" r:id="rId40"/>
+    <p:sldId id="735" r:id="rId41"/>
+    <p:sldId id="733" r:id="rId42"/>
+    <p:sldId id="736" r:id="rId43"/>
+    <p:sldId id="686" r:id="rId44"/>
+    <p:sldId id="737" r:id="rId45"/>
+    <p:sldId id="738" r:id="rId46"/>
+    <p:sldId id="739" r:id="rId47"/>
+    <p:sldId id="740" r:id="rId48"/>
+    <p:sldId id="741" r:id="rId49"/>
+    <p:sldId id="695" r:id="rId50"/>
+    <p:sldId id="742" r:id="rId51"/>
+    <p:sldId id="662" r:id="rId52"/>
   </p:sldIdLst>
   <p:sldSz cx="12192000" cy="6858000"/>
   <p:notesSz cx="6858000" cy="9144000"/>
@@ -7845,7 +7846,26 @@
                 <a:cs typeface="+mn-ea"/>
                 <a:sym typeface="+mn-ea"/>
               </a:rPr>
-              <a:t>读取外部数据（磁盘、光盘等存储设备的数据）到程序（内存）中</a:t>
+              <a:t>读取外部数据（磁盘、光盘等存储设备的数据）</a:t>
+            </a:r>
+            <a:r>
+              <a:rPr lang="zh-CN" altLang="en-US" sz="1400" b="1" dirty="0">
+                <a:solidFill>
+                  <a:srgbClr val="FF0000"/>
+                </a:solidFill>
+                <a:latin typeface="+mn-ea"/>
+                <a:cs typeface="+mn-ea"/>
+                <a:sym typeface="+mn-ea"/>
+              </a:rPr>
+              <a:t>到程序（内存）</a:t>
+            </a:r>
+            <a:r>
+              <a:rPr lang="zh-CN" altLang="en-US" sz="1400" dirty="0">
+                <a:latin typeface="+mn-ea"/>
+                <a:cs typeface="+mn-ea"/>
+                <a:sym typeface="+mn-ea"/>
+              </a:rPr>
+              <a:t>中</a:t>
             </a:r>
             <a:r>
               <a:rPr lang="zh-CN" altLang="en-US" sz="1400" dirty="0" smtClean="0">
@@ -12322,8 +12342,8 @@
         </p:nvSpPr>
         <p:spPr>
           <a:xfrm>
-            <a:off x="133350" y="229870"/>
-            <a:ext cx="8407400" cy="6397625"/>
+            <a:off x="133350" y="749300"/>
+            <a:ext cx="5793740" cy="5359400"/>
           </a:xfrm>
           <a:prstGeom prst="rect">
             <a:avLst/>
@@ -12382,7 +12402,7 @@
                 </a:solidFill>
                 <a:sym typeface="+mn-ea"/>
               </a:rPr>
-              <a:t>     * 测试字节流写入 </a:t>
+              <a:t>     * 测试字节流写入</a:t>
             </a:r>
             <a:endParaRPr lang="zh-CN" altLang="en-US" sz="1200">
               <a:solidFill>
@@ -12483,50 +12503,131 @@
           </a:p>
           <a:p>
             <a:pPr algn="l"/>
-            <a:r>
-              <a:rPr lang="zh-CN" altLang="en-US" sz="1200">
-                <a:solidFill>
-                  <a:schemeClr val="tx1"/>
-                </a:solidFill>
-                <a:sym typeface="+mn-ea"/>
-              </a:rPr>
-              <a:t>        if (!file.exists()) {</a:t>
-            </a:r>
-            <a:endParaRPr lang="zh-CN" altLang="en-US" sz="1200">
-              <a:solidFill>
-                <a:schemeClr val="tx1"/>
-              </a:solidFill>
-              <a:sym typeface="+mn-ea"/>
-            </a:endParaRPr>
-          </a:p>
-          <a:p>
-            <a:pPr algn="l"/>
-            <a:r>
-              <a:rPr lang="zh-CN" altLang="en-US" sz="1200">
-                <a:solidFill>
-                  <a:schemeClr val="tx1"/>
-                </a:solidFill>
-                <a:sym typeface="+mn-ea"/>
-              </a:rPr>
-              <a:t>            file.getParentFile().mkdirs();</a:t>
-            </a:r>
-            <a:endParaRPr lang="zh-CN" altLang="en-US" sz="1200">
-              <a:solidFill>
-                <a:schemeClr val="tx1"/>
-              </a:solidFill>
-              <a:sym typeface="+mn-ea"/>
-            </a:endParaRPr>
-          </a:p>
-          <a:p>
-            <a:pPr algn="l"/>
-            <a:r>
-              <a:rPr lang="zh-CN" altLang="en-US" sz="1200">
-                <a:solidFill>
-                  <a:schemeClr val="tx1"/>
-                </a:solidFill>
-                <a:sym typeface="+mn-ea"/>
-              </a:rPr>
-              <a:t>            file.createNewFile();</a:t>
+            <a:endParaRPr lang="zh-CN" altLang="en-US" sz="1200">
+              <a:solidFill>
+                <a:schemeClr val="tx1"/>
+              </a:solidFill>
+              <a:sym typeface="+mn-ea"/>
+            </a:endParaRPr>
+          </a:p>
+          <a:p>
+            <a:pPr algn="l"/>
+            <a:r>
+              <a:rPr lang="zh-CN" altLang="en-US" sz="1200">
+                <a:solidFill>
+                  <a:schemeClr val="tx1"/>
+                </a:solidFill>
+                <a:sym typeface="+mn-ea"/>
+              </a:rPr>
+              <a:t>        OutputStream outputStream = new FileOutputStream(file);</a:t>
+            </a:r>
+            <a:endParaRPr lang="zh-CN" altLang="en-US" sz="1200">
+              <a:solidFill>
+                <a:schemeClr val="tx1"/>
+              </a:solidFill>
+              <a:sym typeface="+mn-ea"/>
+            </a:endParaRPr>
+          </a:p>
+          <a:p>
+            <a:pPr algn="l"/>
+            <a:r>
+              <a:rPr lang="zh-CN" altLang="en-US" sz="1200">
+                <a:solidFill>
+                  <a:schemeClr val="tx1"/>
+                </a:solidFill>
+                <a:sym typeface="+mn-ea"/>
+              </a:rPr>
+              <a:t>        // 追加模式</a:t>
+            </a:r>
+            <a:endParaRPr lang="zh-CN" altLang="en-US" sz="1200">
+              <a:solidFill>
+                <a:schemeClr val="tx1"/>
+              </a:solidFill>
+              <a:sym typeface="+mn-ea"/>
+            </a:endParaRPr>
+          </a:p>
+          <a:p>
+            <a:pPr algn="l"/>
+            <a:r>
+              <a:rPr lang="zh-CN" altLang="en-US" sz="1200">
+                <a:solidFill>
+                  <a:schemeClr val="tx1"/>
+                </a:solidFill>
+                <a:sym typeface="+mn-ea"/>
+              </a:rPr>
+              <a:t>        // OutputStream outputStream = new FileOutputStream(file, true);</a:t>
+            </a:r>
+            <a:endParaRPr lang="zh-CN" altLang="en-US" sz="1200">
+              <a:solidFill>
+                <a:schemeClr val="tx1"/>
+              </a:solidFill>
+              <a:sym typeface="+mn-ea"/>
+            </a:endParaRPr>
+          </a:p>
+          <a:p>
+            <a:pPr algn="l"/>
+            <a:endParaRPr lang="zh-CN" altLang="en-US" sz="1200">
+              <a:solidFill>
+                <a:schemeClr val="tx1"/>
+              </a:solidFill>
+              <a:sym typeface="+mn-ea"/>
+            </a:endParaRPr>
+          </a:p>
+          <a:p>
+            <a:pPr algn="l"/>
+            <a:endParaRPr lang="zh-CN" altLang="en-US" sz="1200">
+              <a:solidFill>
+                <a:schemeClr val="tx1"/>
+              </a:solidFill>
+              <a:sym typeface="+mn-ea"/>
+            </a:endParaRPr>
+          </a:p>
+          <a:p>
+            <a:pPr algn="l"/>
+            <a:r>
+              <a:rPr lang="zh-CN" altLang="en-US" sz="1200">
+                <a:solidFill>
+                  <a:schemeClr val="tx1"/>
+                </a:solidFill>
+                <a:sym typeface="+mn-ea"/>
+              </a:rPr>
+              <a:t>        // 写一个字节，65～90为26个大写英文字母，97～122号为26个小写英文字母</a:t>
+            </a:r>
+            <a:endParaRPr lang="zh-CN" altLang="en-US" sz="1200">
+              <a:solidFill>
+                <a:schemeClr val="tx1"/>
+              </a:solidFill>
+              <a:sym typeface="+mn-ea"/>
+            </a:endParaRPr>
+          </a:p>
+          <a:p>
+            <a:pPr algn="l"/>
+            <a:r>
+              <a:rPr lang="zh-CN" altLang="en-US" sz="1200">
+                <a:solidFill>
+                  <a:schemeClr val="tx1"/>
+                </a:solidFill>
+                <a:sym typeface="+mn-ea"/>
+              </a:rPr>
+              <a:t>        for (int i=65; i&lt;=90; i++) {</a:t>
+            </a:r>
+            <a:endParaRPr lang="zh-CN" altLang="en-US" sz="1200">
+              <a:solidFill>
+                <a:schemeClr val="tx1"/>
+              </a:solidFill>
+              <a:sym typeface="+mn-ea"/>
+            </a:endParaRPr>
+          </a:p>
+          <a:p>
+            <a:pPr algn="l"/>
+            <a:r>
+              <a:rPr lang="zh-CN" altLang="en-US" sz="1200">
+                <a:solidFill>
+                  <a:schemeClr val="tx1"/>
+                </a:solidFill>
+                <a:sym typeface="+mn-ea"/>
+              </a:rPr>
+              <a:t>            outputStream.write(i);</a:t>
             </a:r>
             <a:endParaRPr lang="zh-CN" altLang="en-US" sz="1200">
               <a:solidFill>
@@ -12555,68 +12656,41 @@
           </a:p>
           <a:p>
             <a:pPr algn="l"/>
-            <a:r>
-              <a:rPr lang="zh-CN" altLang="en-US" sz="1200">
-                <a:solidFill>
-                  <a:schemeClr val="tx1"/>
-                </a:solidFill>
-                <a:sym typeface="+mn-ea"/>
-              </a:rPr>
-              <a:t>        OutputStream outputStream = new FileOutputStream(file);</a:t>
-            </a:r>
-            <a:endParaRPr lang="zh-CN" altLang="en-US" sz="1200">
-              <a:solidFill>
-                <a:schemeClr val="tx1"/>
-              </a:solidFill>
-              <a:sym typeface="+mn-ea"/>
-            </a:endParaRPr>
-          </a:p>
-          <a:p>
-            <a:pPr algn="l"/>
-            <a:r>
-              <a:rPr lang="zh-CN" altLang="en-US" sz="1200">
-                <a:solidFill>
-                  <a:schemeClr val="tx1"/>
-                </a:solidFill>
-                <a:sym typeface="+mn-ea"/>
-              </a:rPr>
-              <a:t>        </a:t>
-            </a:r>
-            <a:endParaRPr lang="zh-CN" altLang="en-US" sz="1200">
-              <a:solidFill>
-                <a:schemeClr val="tx1"/>
-              </a:solidFill>
-              <a:sym typeface="+mn-ea"/>
-            </a:endParaRPr>
-          </a:p>
-          <a:p>
-            <a:pPr algn="l"/>
-            <a:r>
-              <a:rPr lang="zh-CN" altLang="en-US" sz="1200">
-                <a:solidFill>
-                  <a:schemeClr val="tx1"/>
-                </a:solidFill>
-                <a:sym typeface="+mn-ea"/>
-              </a:rPr>
-              <a:t>        // 写一个字节，65～90为26个大写英文字母，97～122号为26个小写英文字母，其余为一些标点符号、运算符号等。</a:t>
-            </a:r>
-            <a:endParaRPr lang="zh-CN" altLang="en-US" sz="1200">
-              <a:solidFill>
-                <a:schemeClr val="tx1"/>
-              </a:solidFill>
-              <a:sym typeface="+mn-ea"/>
-            </a:endParaRPr>
-          </a:p>
-          <a:p>
-            <a:pPr algn="l"/>
-            <a:r>
-              <a:rPr lang="zh-CN" altLang="en-US" sz="1200">
-                <a:solidFill>
-                  <a:schemeClr val="tx1"/>
-                </a:solidFill>
-                <a:sym typeface="+mn-ea"/>
-              </a:rPr>
-              <a:t>        for (int i=65; i&lt;=90; i++) {</a:t>
+            <a:endParaRPr lang="zh-CN" altLang="en-US" sz="1200">
+              <a:solidFill>
+                <a:schemeClr val="tx1"/>
+              </a:solidFill>
+              <a:sym typeface="+mn-ea"/>
+            </a:endParaRPr>
+          </a:p>
+          <a:p>
+            <a:pPr algn="l"/>
+            <a:r>
+              <a:rPr lang="zh-CN" altLang="en-US" sz="1200">
+                <a:solidFill>
+                  <a:schemeClr val="tx1"/>
+                </a:solidFill>
+                <a:sym typeface="+mn-ea"/>
+              </a:rPr>
+              <a:t>        // 把 a ~ z 写入文件</a:t>
+            </a:r>
+            <a:endParaRPr lang="zh-CN" altLang="en-US" sz="1200">
+              <a:solidFill>
+                <a:schemeClr val="tx1"/>
+              </a:solidFill>
+              <a:sym typeface="+mn-ea"/>
+            </a:endParaRPr>
+          </a:p>
+          <a:p>
+            <a:pPr algn="l"/>
+            <a:r>
+              <a:rPr lang="zh-CN" altLang="en-US" sz="1200">
+                <a:solidFill>
+                  <a:schemeClr val="tx1"/>
+                </a:solidFill>
+                <a:sym typeface="+mn-ea"/>
+              </a:rPr>
+              <a:t>        for (int i = 'a'; i &lt; 'z'; i++) {</a:t>
             </a:r>
             <a:endParaRPr lang="zh-CN" altLang="en-US" sz="1200">
               <a:solidFill>
@@ -12663,195 +12737,6 @@
           </a:p>
           <a:p>
             <a:pPr algn="l"/>
-            <a:r>
-              <a:rPr lang="zh-CN" altLang="en-US" sz="1200">
-                <a:solidFill>
-                  <a:schemeClr val="tx1"/>
-                </a:solidFill>
-                <a:sym typeface="+mn-ea"/>
-              </a:rPr>
-              <a:t>        </a:t>
-            </a:r>
-            <a:endParaRPr lang="zh-CN" altLang="en-US" sz="1200">
-              <a:solidFill>
-                <a:schemeClr val="tx1"/>
-              </a:solidFill>
-              <a:sym typeface="+mn-ea"/>
-            </a:endParaRPr>
-          </a:p>
-          <a:p>
-            <a:pPr algn="l"/>
-            <a:r>
-              <a:rPr lang="zh-CN" altLang="en-US" sz="1200">
-                <a:solidFill>
-                  <a:schemeClr val="tx1"/>
-                </a:solidFill>
-                <a:sym typeface="+mn-ea"/>
-              </a:rPr>
-              <a:t>        // 把 a ~ z 写入文件</a:t>
-            </a:r>
-            <a:endParaRPr lang="zh-CN" altLang="en-US" sz="1200">
-              <a:solidFill>
-                <a:schemeClr val="tx1"/>
-              </a:solidFill>
-              <a:sym typeface="+mn-ea"/>
-            </a:endParaRPr>
-          </a:p>
-          <a:p>
-            <a:pPr algn="l"/>
-            <a:r>
-              <a:rPr lang="zh-CN" altLang="en-US" sz="1200">
-                <a:solidFill>
-                  <a:schemeClr val="tx1"/>
-                </a:solidFill>
-                <a:sym typeface="+mn-ea"/>
-              </a:rPr>
-              <a:t>        for (int i = 'a'; i &lt; 'z'; i++) {</a:t>
-            </a:r>
-            <a:endParaRPr lang="zh-CN" altLang="en-US" sz="1200">
-              <a:solidFill>
-                <a:schemeClr val="tx1"/>
-              </a:solidFill>
-              <a:sym typeface="+mn-ea"/>
-            </a:endParaRPr>
-          </a:p>
-          <a:p>
-            <a:pPr algn="l"/>
-            <a:r>
-              <a:rPr lang="zh-CN" altLang="en-US" sz="1200">
-                <a:solidFill>
-                  <a:schemeClr val="tx1"/>
-                </a:solidFill>
-                <a:sym typeface="+mn-ea"/>
-              </a:rPr>
-              <a:t>            outputStream.write(i);</a:t>
-            </a:r>
-            <a:endParaRPr lang="zh-CN" altLang="en-US" sz="1200">
-              <a:solidFill>
-                <a:schemeClr val="tx1"/>
-              </a:solidFill>
-              <a:sym typeface="+mn-ea"/>
-            </a:endParaRPr>
-          </a:p>
-          <a:p>
-            <a:pPr algn="l"/>
-            <a:r>
-              <a:rPr lang="zh-CN" altLang="en-US" sz="1200">
-                <a:solidFill>
-                  <a:schemeClr val="tx1"/>
-                </a:solidFill>
-                <a:sym typeface="+mn-ea"/>
-              </a:rPr>
-              <a:t>        }</a:t>
-            </a:r>
-            <a:endParaRPr lang="zh-CN" altLang="en-US" sz="1200">
-              <a:solidFill>
-                <a:schemeClr val="tx1"/>
-              </a:solidFill>
-              <a:sym typeface="+mn-ea"/>
-            </a:endParaRPr>
-          </a:p>
-          <a:p>
-            <a:pPr algn="l"/>
-            <a:r>
-              <a:rPr lang="zh-CN" altLang="en-US" sz="1200">
-                <a:solidFill>
-                  <a:schemeClr val="tx1"/>
-                </a:solidFill>
-                <a:sym typeface="+mn-ea"/>
-              </a:rPr>
-              <a:t>        </a:t>
-            </a:r>
-            <a:endParaRPr lang="zh-CN" altLang="en-US" sz="1200">
-              <a:solidFill>
-                <a:schemeClr val="tx1"/>
-              </a:solidFill>
-              <a:sym typeface="+mn-ea"/>
-            </a:endParaRPr>
-          </a:p>
-          <a:p>
-            <a:pPr algn="l"/>
-            <a:r>
-              <a:rPr lang="zh-CN" altLang="en-US" sz="1200">
-                <a:solidFill>
-                  <a:schemeClr val="tx1"/>
-                </a:solidFill>
-                <a:sym typeface="+mn-ea"/>
-              </a:rPr>
-              <a:t>        // 把 1 个字节范围（-128~127）写入文件</a:t>
-            </a:r>
-            <a:endParaRPr lang="zh-CN" altLang="en-US" sz="1200">
-              <a:solidFill>
-                <a:schemeClr val="tx1"/>
-              </a:solidFill>
-              <a:sym typeface="+mn-ea"/>
-            </a:endParaRPr>
-          </a:p>
-          <a:p>
-            <a:pPr algn="l"/>
-            <a:r>
-              <a:rPr lang="zh-CN" altLang="en-US" sz="1200">
-                <a:solidFill>
-                  <a:schemeClr val="tx1"/>
-                </a:solidFill>
-                <a:sym typeface="+mn-ea"/>
-              </a:rPr>
-              <a:t>        for (int i=-128; i&lt;=127; i++) {</a:t>
-            </a:r>
-            <a:endParaRPr lang="zh-CN" altLang="en-US" sz="1200">
-              <a:solidFill>
-                <a:schemeClr val="tx1"/>
-              </a:solidFill>
-              <a:sym typeface="+mn-ea"/>
-            </a:endParaRPr>
-          </a:p>
-          <a:p>
-            <a:pPr algn="l"/>
-            <a:r>
-              <a:rPr lang="zh-CN" altLang="en-US" sz="1200">
-                <a:solidFill>
-                  <a:schemeClr val="tx1"/>
-                </a:solidFill>
-                <a:sym typeface="+mn-ea"/>
-              </a:rPr>
-              <a:t>            outputStream.write(i);</a:t>
-            </a:r>
-            <a:endParaRPr lang="zh-CN" altLang="en-US" sz="1200">
-              <a:solidFill>
-                <a:schemeClr val="tx1"/>
-              </a:solidFill>
-              <a:sym typeface="+mn-ea"/>
-            </a:endParaRPr>
-          </a:p>
-          <a:p>
-            <a:pPr algn="l"/>
-            <a:r>
-              <a:rPr lang="zh-CN" altLang="en-US" sz="1200">
-                <a:solidFill>
-                  <a:schemeClr val="tx1"/>
-                </a:solidFill>
-                <a:sym typeface="+mn-ea"/>
-              </a:rPr>
-              <a:t>        }</a:t>
-            </a:r>
-            <a:endParaRPr lang="zh-CN" altLang="en-US" sz="1200">
-              <a:solidFill>
-                <a:schemeClr val="tx1"/>
-              </a:solidFill>
-              <a:sym typeface="+mn-ea"/>
-            </a:endParaRPr>
-          </a:p>
-          <a:p>
-            <a:pPr algn="l"/>
-            <a:r>
-              <a:rPr lang="zh-CN" altLang="en-US" sz="1200">
-                <a:solidFill>
-                  <a:schemeClr val="tx1"/>
-                </a:solidFill>
-                <a:sym typeface="+mn-ea"/>
-              </a:rPr>
-              <a:t>        </a:t>
-            </a:r>
             <a:endParaRPr lang="zh-CN" altLang="en-US" sz="1200">
               <a:solidFill>
                 <a:schemeClr val="tx1"/>
@@ -12886,43 +12771,25 @@
                 </a:solidFill>
                 <a:sym typeface="+mn-ea"/>
               </a:rPr>
-              <a:t>        String str = "我爱编程";</a:t>
-            </a:r>
-            <a:endParaRPr lang="zh-CN" altLang="en-US" sz="1200">
-              <a:solidFill>
-                <a:schemeClr val="tx1"/>
-              </a:solidFill>
-              <a:sym typeface="+mn-ea"/>
-            </a:endParaRPr>
-          </a:p>
-          <a:p>
-            <a:pPr algn="l"/>
-            <a:r>
-              <a:rPr lang="zh-CN" altLang="en-US" sz="1200">
-                <a:solidFill>
-                  <a:schemeClr val="tx1"/>
-                </a:solidFill>
-                <a:sym typeface="+mn-ea"/>
-              </a:rPr>
-              <a:t>        outputStream.write(str.getBytes("UTF-8"));</a:t>
-            </a:r>
-            <a:endParaRPr lang="zh-CN" altLang="en-US" sz="1200">
-              <a:solidFill>
-                <a:schemeClr val="tx1"/>
-              </a:solidFill>
-              <a:sym typeface="+mn-ea"/>
-            </a:endParaRPr>
-          </a:p>
-          <a:p>
-            <a:pPr algn="l"/>
-            <a:r>
-              <a:rPr lang="zh-CN" altLang="en-US" sz="1200">
-                <a:solidFill>
-                  <a:schemeClr val="tx1"/>
-                </a:solidFill>
-                <a:sym typeface="+mn-ea"/>
-              </a:rPr>
-              <a:t>        outputStream.write(str.getBytes("GBK"));</a:t>
+              <a:t>        byte[] bytes = "我爱编程".getBytes("gbk");</a:t>
+            </a:r>
+            <a:endParaRPr lang="zh-CN" altLang="en-US" sz="1200">
+              <a:solidFill>
+                <a:schemeClr val="tx1"/>
+              </a:solidFill>
+              <a:sym typeface="+mn-ea"/>
+            </a:endParaRPr>
+          </a:p>
+          <a:p>
+            <a:pPr algn="l"/>
+            <a:r>
+              <a:rPr lang="zh-CN" altLang="en-US" sz="1200">
+                <a:solidFill>
+                  <a:schemeClr val="tx1"/>
+                </a:solidFill>
+                <a:sym typeface="+mn-ea"/>
+              </a:rPr>
+              <a:t>        outputStream.write(bytes);</a:t>
             </a:r>
             <a:endParaRPr lang="zh-CN" altLang="en-US" sz="1200">
               <a:solidFill>
@@ -12977,7 +12844,7 @@
         </p:nvSpPr>
         <p:spPr>
           <a:xfrm>
-            <a:off x="6274435" y="6010275"/>
+            <a:off x="3858895" y="6210935"/>
             <a:ext cx="2077085" cy="456565"/>
           </a:xfrm>
           <a:prstGeom prst="rect">
@@ -13426,7 +13293,25 @@
                 </a:solidFill>
                 <a:sym typeface="+mn-ea"/>
               </a:rPr>
-              <a:t>        while ((byteData = inputStream.read()) != -1) {</a:t>
+              <a:t>        while ((byteData =</a:t>
+            </a:r>
+            <a:r>
+              <a:rPr lang="zh-CN" altLang="en-US" sz="1200" b="1">
+                <a:solidFill>
+                  <a:srgbClr val="FF0000"/>
+                </a:solidFill>
+                <a:sym typeface="+mn-ea"/>
+              </a:rPr>
+              <a:t> inputStream.read()</a:t>
+            </a:r>
+            <a:r>
+              <a:rPr lang="zh-CN" altLang="en-US" sz="1200">
+                <a:solidFill>
+                  <a:schemeClr val="tx1"/>
+                </a:solidFill>
+                <a:sym typeface="+mn-ea"/>
+              </a:rPr>
+              <a:t>) != -1) {</a:t>
             </a:r>
             <a:endParaRPr lang="zh-CN" altLang="en-US" sz="1200">
               <a:solidFill>
@@ -13571,7 +13456,7 @@
         </p:nvSpPr>
         <p:spPr>
           <a:xfrm>
-            <a:off x="4986020" y="5227955"/>
+            <a:off x="5030470" y="5309870"/>
             <a:ext cx="2077085" cy="456565"/>
           </a:xfrm>
           <a:prstGeom prst="rect">
@@ -13609,6 +13494,316 @@
             <a:r>
               <a:rPr lang="zh-CN" altLang="en-US"/>
               <a:t>字节流读数据</a:t>
+            </a:r>
+            <a:endParaRPr lang="zh-CN" altLang="en-US"/>
+          </a:p>
+        </p:txBody>
+      </p:sp>
+      <p:sp>
+        <p:nvSpPr>
+          <p:cNvPr id="4" name="矩形 3"/>
+          <p:cNvSpPr/>
+          <p:nvPr/>
+        </p:nvSpPr>
+        <p:spPr>
+          <a:xfrm>
+            <a:off x="7339330" y="773430"/>
+            <a:ext cx="4158615" cy="2864485"/>
+          </a:xfrm>
+          <a:prstGeom prst="rect">
+            <a:avLst/>
+          </a:prstGeom>
+          <a:solidFill>
+            <a:schemeClr val="bg1"/>
+          </a:solidFill>
+          <a:ln w="28575">
+            <a:solidFill>
+              <a:srgbClr val="F59909"/>
+            </a:solidFill>
+          </a:ln>
+        </p:spPr>
+        <p:style>
+          <a:lnRef idx="2">
+            <a:schemeClr val="accent1">
+              <a:shade val="50000"/>
+            </a:schemeClr>
+          </a:lnRef>
+          <a:fillRef idx="1">
+            <a:schemeClr val="accent1"/>
+          </a:fillRef>
+          <a:effectRef idx="0">
+            <a:schemeClr val="accent1"/>
+          </a:effectRef>
+          <a:fontRef idx="minor">
+            <a:schemeClr val="lt1"/>
+          </a:fontRef>
+        </p:style>
+        <p:txBody>
+          <a:bodyPr rtlCol="0" anchor="ctr"/>
+          <a:p>
+            <a:pPr algn="l"/>
+            <a:r>
+              <a:rPr lang="zh-CN" altLang="en-US" sz="1200">
+                <a:solidFill>
+                  <a:schemeClr val="tx1"/>
+                </a:solidFill>
+                <a:sym typeface="+mn-ea"/>
+              </a:rPr>
+              <a:t>    @Test</a:t>
+            </a:r>
+            <a:endParaRPr lang="zh-CN" altLang="en-US" sz="1200">
+              <a:solidFill>
+                <a:schemeClr val="tx1"/>
+              </a:solidFill>
+              <a:sym typeface="+mn-ea"/>
+            </a:endParaRPr>
+          </a:p>
+          <a:p>
+            <a:pPr algn="l"/>
+            <a:r>
+              <a:rPr lang="zh-CN" altLang="en-US" sz="1200">
+                <a:solidFill>
+                  <a:schemeClr val="tx1"/>
+                </a:solidFill>
+                <a:sym typeface="+mn-ea"/>
+              </a:rPr>
+              <a:t>    public void testInputStream2 () throws IOException {</a:t>
+            </a:r>
+            <a:endParaRPr lang="zh-CN" altLang="en-US" sz="1200">
+              <a:solidFill>
+                <a:schemeClr val="tx1"/>
+              </a:solidFill>
+              <a:sym typeface="+mn-ea"/>
+            </a:endParaRPr>
+          </a:p>
+          <a:p>
+            <a:pPr algn="l"/>
+            <a:r>
+              <a:rPr lang="zh-CN" altLang="en-US" sz="1200">
+                <a:solidFill>
+                  <a:schemeClr val="tx1"/>
+                </a:solidFill>
+                <a:sym typeface="+mn-ea"/>
+              </a:rPr>
+              <a:t>        File file = new File("D:/java/linkknown/io.txt");</a:t>
+            </a:r>
+            <a:endParaRPr lang="zh-CN" altLang="en-US" sz="1200">
+              <a:solidFill>
+                <a:schemeClr val="tx1"/>
+              </a:solidFill>
+              <a:sym typeface="+mn-ea"/>
+            </a:endParaRPr>
+          </a:p>
+          <a:p>
+            <a:pPr algn="l"/>
+            <a:r>
+              <a:rPr lang="zh-CN" altLang="en-US" sz="1200">
+                <a:solidFill>
+                  <a:schemeClr val="tx1"/>
+                </a:solidFill>
+                <a:sym typeface="+mn-ea"/>
+              </a:rPr>
+              <a:t>        InputStream inputStream = new FileInputStream(file);</a:t>
+            </a:r>
+            <a:endParaRPr lang="zh-CN" altLang="en-US" sz="1200">
+              <a:solidFill>
+                <a:schemeClr val="tx1"/>
+              </a:solidFill>
+              <a:sym typeface="+mn-ea"/>
+            </a:endParaRPr>
+          </a:p>
+          <a:p>
+            <a:pPr algn="l"/>
+            <a:endParaRPr lang="zh-CN" altLang="en-US" sz="1200">
+              <a:solidFill>
+                <a:schemeClr val="tx1"/>
+              </a:solidFill>
+              <a:sym typeface="+mn-ea"/>
+            </a:endParaRPr>
+          </a:p>
+          <a:p>
+            <a:pPr algn="l"/>
+            <a:r>
+              <a:rPr lang="zh-CN" altLang="en-US" sz="1200">
+                <a:solidFill>
+                  <a:schemeClr val="tx1"/>
+                </a:solidFill>
+                <a:sym typeface="+mn-ea"/>
+              </a:rPr>
+              <a:t>        byte[] byteArr = new byte[(int)file.length()];</a:t>
+            </a:r>
+            <a:endParaRPr lang="zh-CN" altLang="en-US" sz="1200">
+              <a:solidFill>
+                <a:schemeClr val="tx1"/>
+              </a:solidFill>
+              <a:sym typeface="+mn-ea"/>
+            </a:endParaRPr>
+          </a:p>
+          <a:p>
+            <a:pPr algn="l"/>
+            <a:r>
+              <a:rPr lang="zh-CN" altLang="en-US" sz="1200">
+                <a:solidFill>
+                  <a:schemeClr val="tx1"/>
+                </a:solidFill>
+                <a:sym typeface="+mn-ea"/>
+              </a:rPr>
+              <a:t>        </a:t>
+            </a:r>
+            <a:r>
+              <a:rPr lang="zh-CN" altLang="en-US" sz="1200" b="1">
+                <a:solidFill>
+                  <a:srgbClr val="FF0000"/>
+                </a:solidFill>
+                <a:sym typeface="+mn-ea"/>
+              </a:rPr>
+              <a:t>inputStream.read(byteArr);</a:t>
+            </a:r>
+            <a:endParaRPr lang="zh-CN" altLang="en-US" sz="1200">
+              <a:solidFill>
+                <a:schemeClr val="tx1"/>
+              </a:solidFill>
+              <a:sym typeface="+mn-ea"/>
+            </a:endParaRPr>
+          </a:p>
+          <a:p>
+            <a:pPr algn="l"/>
+            <a:endParaRPr lang="zh-CN" altLang="en-US" sz="1200">
+              <a:solidFill>
+                <a:schemeClr val="tx1"/>
+              </a:solidFill>
+              <a:sym typeface="+mn-ea"/>
+            </a:endParaRPr>
+          </a:p>
+          <a:p>
+            <a:pPr algn="l"/>
+            <a:r>
+              <a:rPr lang="zh-CN" altLang="en-US" sz="1200">
+                <a:solidFill>
+                  <a:schemeClr val="tx1"/>
+                </a:solidFill>
+                <a:sym typeface="+mn-ea"/>
+              </a:rPr>
+              <a:t>        System.out.println(Arrays.toString(byteArr));</a:t>
+            </a:r>
+            <a:endParaRPr lang="zh-CN" altLang="en-US" sz="1200">
+              <a:solidFill>
+                <a:schemeClr val="tx1"/>
+              </a:solidFill>
+              <a:sym typeface="+mn-ea"/>
+            </a:endParaRPr>
+          </a:p>
+          <a:p>
+            <a:pPr algn="l"/>
+            <a:r>
+              <a:rPr lang="zh-CN" altLang="en-US" sz="1200">
+                <a:solidFill>
+                  <a:schemeClr val="tx1"/>
+                </a:solidFill>
+                <a:sym typeface="+mn-ea"/>
+              </a:rPr>
+              <a:t>        System.out.println(new String(byteArr, "gbk"));</a:t>
+            </a:r>
+            <a:endParaRPr lang="zh-CN" altLang="en-US" sz="1200">
+              <a:solidFill>
+                <a:schemeClr val="tx1"/>
+              </a:solidFill>
+              <a:sym typeface="+mn-ea"/>
+            </a:endParaRPr>
+          </a:p>
+          <a:p>
+            <a:pPr algn="l"/>
+            <a:endParaRPr lang="zh-CN" altLang="en-US" sz="1200">
+              <a:solidFill>
+                <a:schemeClr val="tx1"/>
+              </a:solidFill>
+              <a:sym typeface="+mn-ea"/>
+            </a:endParaRPr>
+          </a:p>
+          <a:p>
+            <a:pPr algn="l"/>
+            <a:r>
+              <a:rPr lang="zh-CN" altLang="en-US" sz="1200">
+                <a:solidFill>
+                  <a:schemeClr val="tx1"/>
+                </a:solidFill>
+                <a:sym typeface="+mn-ea"/>
+              </a:rPr>
+              <a:t>        inputStream.close();</a:t>
+            </a:r>
+            <a:endParaRPr lang="zh-CN" altLang="en-US" sz="1200">
+              <a:solidFill>
+                <a:schemeClr val="tx1"/>
+              </a:solidFill>
+              <a:sym typeface="+mn-ea"/>
+            </a:endParaRPr>
+          </a:p>
+          <a:p>
+            <a:pPr algn="l"/>
+            <a:r>
+              <a:rPr lang="zh-CN" altLang="en-US" sz="1200">
+                <a:solidFill>
+                  <a:schemeClr val="tx1"/>
+                </a:solidFill>
+                <a:sym typeface="+mn-ea"/>
+              </a:rPr>
+              <a:t>    }</a:t>
+            </a:r>
+            <a:endParaRPr lang="zh-CN" altLang="en-US" sz="1200">
+              <a:solidFill>
+                <a:schemeClr val="tx1"/>
+              </a:solidFill>
+              <a:sym typeface="+mn-ea"/>
+            </a:endParaRPr>
+          </a:p>
+        </p:txBody>
+      </p:sp>
+      <p:sp>
+        <p:nvSpPr>
+          <p:cNvPr id="5" name="矩形 4"/>
+          <p:cNvSpPr/>
+          <p:nvPr/>
+        </p:nvSpPr>
+        <p:spPr>
+          <a:xfrm>
+            <a:off x="8414385" y="3746500"/>
+            <a:ext cx="3092450" cy="456565"/>
+          </a:xfrm>
+          <a:prstGeom prst="rect">
+            <a:avLst/>
+          </a:prstGeom>
+          <a:solidFill>
+            <a:srgbClr val="F59909"/>
+          </a:solidFill>
+          <a:ln>
+            <a:solidFill>
+              <a:schemeClr val="bg1"/>
+            </a:solidFill>
+          </a:ln>
+        </p:spPr>
+        <p:style>
+          <a:lnRef idx="2">
+            <a:schemeClr val="accent1">
+              <a:shade val="50000"/>
+            </a:schemeClr>
+          </a:lnRef>
+          <a:fillRef idx="1">
+            <a:schemeClr val="accent1"/>
+          </a:fillRef>
+          <a:effectRef idx="0">
+            <a:schemeClr val="accent1"/>
+          </a:effectRef>
+          <a:fontRef idx="minor">
+            <a:schemeClr val="lt1"/>
+          </a:fontRef>
+        </p:style>
+        <p:txBody>
+          <a:bodyPr rtlCol="0" anchor="ctr"/>
+          <a:p>
+            <a:pPr algn="ctr"/>
+            <a:r>
+              <a:rPr lang="zh-CN" altLang="en-US"/>
+              <a:t>字节流读数据（批量）</a:t>
             </a:r>
             <a:endParaRPr lang="zh-CN" altLang="en-US"/>
           </a:p>
@@ -13654,8 +13849,8 @@
         </p:nvSpPr>
         <p:spPr>
           <a:xfrm>
-            <a:off x="189230" y="1017270"/>
-            <a:ext cx="7320280" cy="5351145"/>
+            <a:off x="140335" y="835025"/>
+            <a:ext cx="7320280" cy="4624705"/>
           </a:xfrm>
           <a:prstGeom prst="rect">
             <a:avLst/>
@@ -13714,7 +13909,43 @@
                 </a:solidFill>
                 <a:sym typeface="+mn-ea"/>
               </a:rPr>
-              <a:t>     * 读取一个字节数组,一次读取 10 个</a:t>
+              <a:t>     * 测试字符流读取（文件复制）</a:t>
+            </a:r>
+            <a:endParaRPr lang="zh-CN" altLang="en-US" sz="1200">
+              <a:solidFill>
+                <a:schemeClr val="tx1"/>
+              </a:solidFill>
+              <a:sym typeface="+mn-ea"/>
+            </a:endParaRPr>
+          </a:p>
+          <a:p>
+            <a:pPr algn="l"/>
+            <a:r>
+              <a:rPr lang="zh-CN" altLang="en-US" sz="1200">
+                <a:solidFill>
+                  <a:schemeClr val="tx1"/>
+                </a:solidFill>
+                <a:sym typeface="+mn-ea"/>
+              </a:rPr>
+              <a:t>     * 一次读取一个字节数组</a:t>
+            </a:r>
+            <a:endParaRPr lang="zh-CN" altLang="en-US" sz="1200">
+              <a:solidFill>
+                <a:schemeClr val="tx1"/>
+              </a:solidFill>
+              <a:sym typeface="+mn-ea"/>
+            </a:endParaRPr>
+          </a:p>
+          <a:p>
+            <a:pPr algn="l"/>
+            <a:r>
+              <a:rPr lang="zh-CN" altLang="en-US" sz="1200">
+                <a:solidFill>
+                  <a:schemeClr val="tx1"/>
+                </a:solidFill>
+                <a:sym typeface="+mn-ea"/>
+              </a:rPr>
+              <a:t>     * @throws IOException</a:t>
             </a:r>
             <a:endParaRPr lang="zh-CN" altLang="en-US" sz="1200">
               <a:solidFill>
@@ -13768,106 +13999,160 @@
                 </a:solidFill>
                 <a:sym typeface="+mn-ea"/>
               </a:rPr>
-              <a:t>    public void testInputStream2 () throws IOException {</a:t>
-            </a:r>
-            <a:endParaRPr lang="zh-CN" altLang="en-US" sz="1200">
-              <a:solidFill>
-                <a:schemeClr val="tx1"/>
-              </a:solidFill>
-              <a:sym typeface="+mn-ea"/>
-            </a:endParaRPr>
-          </a:p>
-          <a:p>
-            <a:pPr algn="l"/>
-            <a:r>
-              <a:rPr lang="zh-CN" altLang="en-US" sz="1200">
-                <a:solidFill>
-                  <a:schemeClr val="tx1"/>
-                </a:solidFill>
-                <a:sym typeface="+mn-ea"/>
-              </a:rPr>
-              <a:t>        File file = new File("D:/java/linkknown/io.txt");</a:t>
-            </a:r>
-            <a:endParaRPr lang="zh-CN" altLang="en-US" sz="1200">
-              <a:solidFill>
-                <a:schemeClr val="tx1"/>
-              </a:solidFill>
-              <a:sym typeface="+mn-ea"/>
-            </a:endParaRPr>
-          </a:p>
-          <a:p>
-            <a:pPr algn="l"/>
-            <a:r>
-              <a:rPr lang="zh-CN" altLang="en-US" sz="1200">
-                <a:solidFill>
-                  <a:schemeClr val="tx1"/>
-                </a:solidFill>
-                <a:sym typeface="+mn-ea"/>
-              </a:rPr>
-              <a:t>        InputStream inputStream = new FileInputStream(file);</a:t>
-            </a:r>
-            <a:endParaRPr lang="zh-CN" altLang="en-US" sz="1200">
-              <a:solidFill>
-                <a:schemeClr val="tx1"/>
-              </a:solidFill>
-              <a:sym typeface="+mn-ea"/>
-            </a:endParaRPr>
-          </a:p>
-          <a:p>
-            <a:pPr algn="l"/>
-            <a:endParaRPr lang="zh-CN" altLang="en-US" sz="1200">
-              <a:solidFill>
-                <a:schemeClr val="tx1"/>
-              </a:solidFill>
-              <a:sym typeface="+mn-ea"/>
-            </a:endParaRPr>
-          </a:p>
-          <a:p>
-            <a:pPr algn="l"/>
-            <a:r>
-              <a:rPr lang="zh-CN" altLang="en-US" sz="1200">
-                <a:solidFill>
-                  <a:schemeClr val="tx1"/>
-                </a:solidFill>
-                <a:sym typeface="+mn-ea"/>
-              </a:rPr>
-              <a:t>        byte[] realBytes = new byte[(int) file.length()];</a:t>
-            </a:r>
-            <a:endParaRPr lang="zh-CN" altLang="en-US" sz="1200">
-              <a:solidFill>
-                <a:schemeClr val="tx1"/>
-              </a:solidFill>
-              <a:sym typeface="+mn-ea"/>
-            </a:endParaRPr>
-          </a:p>
-          <a:p>
-            <a:pPr algn="l"/>
-            <a:r>
-              <a:rPr lang="zh-CN" altLang="en-US" sz="1200">
-                <a:solidFill>
-                  <a:schemeClr val="tx1"/>
-                </a:solidFill>
-                <a:sym typeface="+mn-ea"/>
-              </a:rPr>
-              <a:t>        </a:t>
-            </a:r>
-            <a:endParaRPr lang="zh-CN" altLang="en-US" sz="1200">
-              <a:solidFill>
-                <a:schemeClr val="tx1"/>
-              </a:solidFill>
-              <a:sym typeface="+mn-ea"/>
-            </a:endParaRPr>
-          </a:p>
-          <a:p>
-            <a:pPr algn="l"/>
-            <a:r>
-              <a:rPr lang="zh-CN" altLang="en-US" sz="1200">
-                <a:solidFill>
-                  <a:schemeClr val="tx1"/>
-                </a:solidFill>
-                <a:sym typeface="+mn-ea"/>
-              </a:rPr>
-              <a:t>        int len = 0, i = 0;</a:t>
+              <a:t>    public void testInputOutput () throws IOException {</a:t>
+            </a:r>
+            <a:endParaRPr lang="zh-CN" altLang="en-US" sz="1200">
+              <a:solidFill>
+                <a:schemeClr val="tx1"/>
+              </a:solidFill>
+              <a:sym typeface="+mn-ea"/>
+            </a:endParaRPr>
+          </a:p>
+          <a:p>
+            <a:pPr algn="l"/>
+            <a:r>
+              <a:rPr lang="zh-CN" altLang="en-US" sz="1200">
+                <a:solidFill>
+                  <a:schemeClr val="tx1"/>
+                </a:solidFill>
+                <a:sym typeface="+mn-ea"/>
+              </a:rPr>
+              <a:t>        File file1 = new File("D:/java/linkknown/io1.txt");</a:t>
+            </a:r>
+            <a:endParaRPr lang="zh-CN" altLang="en-US" sz="1200">
+              <a:solidFill>
+                <a:schemeClr val="tx1"/>
+              </a:solidFill>
+              <a:sym typeface="+mn-ea"/>
+            </a:endParaRPr>
+          </a:p>
+          <a:p>
+            <a:pPr algn="l"/>
+            <a:r>
+              <a:rPr lang="zh-CN" altLang="en-US" sz="1200">
+                <a:solidFill>
+                  <a:schemeClr val="tx1"/>
+                </a:solidFill>
+                <a:sym typeface="+mn-ea"/>
+              </a:rPr>
+              <a:t>        File file2 = new File("D:/java/linkknown/io2.txt");</a:t>
+            </a:r>
+            <a:endParaRPr lang="zh-CN" altLang="en-US" sz="1200">
+              <a:solidFill>
+                <a:schemeClr val="tx1"/>
+              </a:solidFill>
+              <a:sym typeface="+mn-ea"/>
+            </a:endParaRPr>
+          </a:p>
+          <a:p>
+            <a:pPr algn="l"/>
+            <a:endParaRPr lang="zh-CN" altLang="en-US" sz="1200">
+              <a:solidFill>
+                <a:schemeClr val="tx1"/>
+              </a:solidFill>
+              <a:sym typeface="+mn-ea"/>
+            </a:endParaRPr>
+          </a:p>
+          <a:p>
+            <a:pPr algn="l"/>
+            <a:r>
+              <a:rPr lang="zh-CN" altLang="en-US" sz="1200">
+                <a:solidFill>
+                  <a:schemeClr val="tx1"/>
+                </a:solidFill>
+                <a:sym typeface="+mn-ea"/>
+              </a:rPr>
+              <a:t>        InputStream inputStream = new FileInputStream(file1);</a:t>
+            </a:r>
+            <a:endParaRPr lang="zh-CN" altLang="en-US" sz="1200">
+              <a:solidFill>
+                <a:schemeClr val="tx1"/>
+              </a:solidFill>
+              <a:sym typeface="+mn-ea"/>
+            </a:endParaRPr>
+          </a:p>
+          <a:p>
+            <a:pPr algn="l"/>
+            <a:r>
+              <a:rPr lang="zh-CN" altLang="en-US" sz="1200">
+                <a:solidFill>
+                  <a:schemeClr val="tx1"/>
+                </a:solidFill>
+                <a:sym typeface="+mn-ea"/>
+              </a:rPr>
+              <a:t>        OutputStream outputStream = new FileOutputStream(file2);</a:t>
+            </a:r>
+            <a:endParaRPr lang="zh-CN" altLang="en-US" sz="1200">
+              <a:solidFill>
+                <a:schemeClr val="tx1"/>
+              </a:solidFill>
+              <a:sym typeface="+mn-ea"/>
+            </a:endParaRPr>
+          </a:p>
+          <a:p>
+            <a:pPr algn="l"/>
+            <a:endParaRPr lang="zh-CN" altLang="en-US" sz="1200">
+              <a:solidFill>
+                <a:schemeClr val="tx1"/>
+              </a:solidFill>
+              <a:sym typeface="+mn-ea"/>
+            </a:endParaRPr>
+          </a:p>
+          <a:p>
+            <a:pPr algn="l"/>
+            <a:r>
+              <a:rPr lang="zh-CN" altLang="en-US" sz="1200" b="1">
+                <a:solidFill>
+                  <a:srgbClr val="FF0000"/>
+                </a:solidFill>
+                <a:sym typeface="+mn-ea"/>
+              </a:rPr>
+              <a:t>        // public FileOutputStream(String name, boolean append) append 为 true 时表示追加</a:t>
+            </a:r>
+            <a:endParaRPr lang="zh-CN" altLang="en-US" sz="1200" b="1">
+              <a:solidFill>
+                <a:srgbClr val="FF0000"/>
+              </a:solidFill>
+              <a:sym typeface="+mn-ea"/>
+            </a:endParaRPr>
+          </a:p>
+          <a:p>
+            <a:pPr algn="l"/>
+            <a:r>
+              <a:rPr lang="zh-CN" altLang="en-US" sz="1200" b="1">
+                <a:solidFill>
+                  <a:srgbClr val="FF0000"/>
+                </a:solidFill>
+                <a:sym typeface="+mn-ea"/>
+              </a:rPr>
+              <a:t>//        OutputStream outputStream = new FileOutputStream(file2, true);</a:t>
+            </a:r>
+            <a:endParaRPr lang="zh-CN" altLang="en-US" sz="1200" b="1">
+              <a:solidFill>
+                <a:srgbClr val="FF0000"/>
+              </a:solidFill>
+              <a:sym typeface="+mn-ea"/>
+            </a:endParaRPr>
+          </a:p>
+          <a:p>
+            <a:pPr algn="l"/>
+            <a:endParaRPr lang="zh-CN" altLang="en-US" sz="1200">
+              <a:solidFill>
+                <a:schemeClr val="tx1"/>
+              </a:solidFill>
+              <a:sym typeface="+mn-ea"/>
+            </a:endParaRPr>
+          </a:p>
+          <a:p>
+            <a:pPr algn="l"/>
+            <a:r>
+              <a:rPr lang="zh-CN" altLang="en-US" sz="1200">
+                <a:solidFill>
+                  <a:schemeClr val="tx1"/>
+                </a:solidFill>
+                <a:sym typeface="+mn-ea"/>
+              </a:rPr>
+              <a:t>        int len = 0;</a:t>
             </a:r>
             <a:endParaRPr lang="zh-CN" altLang="en-US" sz="1200">
               <a:solidFill>
@@ -13903,115 +14188,43 @@
                 </a:solidFill>
                 <a:sym typeface="+mn-ea"/>
               </a:rPr>
-              <a:t>        </a:t>
-            </a:r>
-            <a:endParaRPr lang="zh-CN" altLang="en-US" sz="1200">
-              <a:solidFill>
-                <a:schemeClr val="tx1"/>
-              </a:solidFill>
-              <a:sym typeface="+mn-ea"/>
-            </a:endParaRPr>
-          </a:p>
-          <a:p>
-            <a:pPr algn="l"/>
-            <a:r>
-              <a:rPr lang="zh-CN" altLang="en-US" sz="1200">
-                <a:solidFill>
-                  <a:schemeClr val="tx1"/>
-                </a:solidFill>
-                <a:sym typeface="+mn-ea"/>
-              </a:rPr>
-              <a:t>        while ((len = inputStream.read(bytes)) != -1) {</a:t>
-            </a:r>
-            <a:endParaRPr lang="zh-CN" altLang="en-US" sz="1200">
-              <a:solidFill>
-                <a:schemeClr val="tx1"/>
-              </a:solidFill>
-              <a:sym typeface="+mn-ea"/>
-            </a:endParaRPr>
-          </a:p>
-          <a:p>
-            <a:pPr algn="l"/>
-            <a:r>
-              <a:rPr lang="zh-CN" altLang="en-US" sz="1200">
-                <a:solidFill>
-                  <a:schemeClr val="tx1"/>
-                </a:solidFill>
-                <a:sym typeface="+mn-ea"/>
-              </a:rPr>
-              <a:t>            System.out.println("读取了" + len + "个字节" + Arrays.toString(bytes));</a:t>
-            </a:r>
-            <a:endParaRPr lang="zh-CN" altLang="en-US" sz="1200">
-              <a:solidFill>
-                <a:schemeClr val="tx1"/>
-              </a:solidFill>
-              <a:sym typeface="+mn-ea"/>
-            </a:endParaRPr>
-          </a:p>
-          <a:p>
-            <a:pPr algn="l"/>
-            <a:r>
-              <a:rPr lang="zh-CN" altLang="en-US" sz="1200">
-                <a:solidFill>
-                  <a:schemeClr val="tx1"/>
-                </a:solidFill>
-                <a:sym typeface="+mn-ea"/>
-              </a:rPr>
-              <a:t>            </a:t>
-            </a:r>
-            <a:endParaRPr lang="zh-CN" altLang="en-US" sz="1200">
-              <a:solidFill>
-                <a:schemeClr val="tx1"/>
-              </a:solidFill>
-              <a:sym typeface="+mn-ea"/>
-            </a:endParaRPr>
-          </a:p>
-          <a:p>
-            <a:pPr algn="l"/>
-            <a:r>
-              <a:rPr lang="zh-CN" altLang="en-US" sz="1200">
-                <a:solidFill>
-                  <a:schemeClr val="tx1"/>
-                </a:solidFill>
-                <a:sym typeface="+mn-ea"/>
-              </a:rPr>
-              <a:t>            System.arraycopy(bytes, 0, realBytes, i * 10, len);   // 实际读取的是 len 个长度，不一定就是 10 个</a:t>
-            </a:r>
-            <a:endParaRPr lang="zh-CN" altLang="en-US" sz="1200">
-              <a:solidFill>
-                <a:schemeClr val="tx1"/>
-              </a:solidFill>
-              <a:sym typeface="+mn-ea"/>
-            </a:endParaRPr>
-          </a:p>
-          <a:p>
-            <a:pPr algn="l"/>
-            <a:r>
-              <a:rPr lang="zh-CN" altLang="en-US" sz="1200">
-                <a:solidFill>
-                  <a:schemeClr val="tx1"/>
-                </a:solidFill>
-                <a:sym typeface="+mn-ea"/>
-              </a:rPr>
-              <a:t>            </a:t>
-            </a:r>
-            <a:endParaRPr lang="zh-CN" altLang="en-US" sz="1200">
-              <a:solidFill>
-                <a:schemeClr val="tx1"/>
-              </a:solidFill>
-              <a:sym typeface="+mn-ea"/>
-            </a:endParaRPr>
-          </a:p>
-          <a:p>
-            <a:pPr algn="l"/>
-            <a:r>
-              <a:rPr lang="zh-CN" altLang="en-US" sz="1200">
-                <a:solidFill>
-                  <a:schemeClr val="tx1"/>
-                </a:solidFill>
-                <a:sym typeface="+mn-ea"/>
-              </a:rPr>
-              <a:t>            i++;</a:t>
+              <a:t>        // len 表示实际读取的数量 -1 代表没有更多数据</a:t>
+            </a:r>
+            <a:endParaRPr lang="zh-CN" altLang="en-US" sz="1200">
+              <a:solidFill>
+                <a:schemeClr val="tx1"/>
+              </a:solidFill>
+              <a:sym typeface="+mn-ea"/>
+            </a:endParaRPr>
+          </a:p>
+          <a:p>
+            <a:pPr algn="l"/>
+            <a:r>
+              <a:rPr lang="zh-CN" altLang="en-US" sz="1200">
+                <a:solidFill>
+                  <a:schemeClr val="tx1"/>
+                </a:solidFill>
+                <a:sym typeface="+mn-ea"/>
+              </a:rPr>
+              <a:t>        while ((len = inputStream.read(bytes)) != -1) {        </a:t>
+            </a:r>
+            <a:endParaRPr lang="zh-CN" altLang="en-US" sz="1200">
+              <a:solidFill>
+                <a:schemeClr val="tx1"/>
+              </a:solidFill>
+              <a:sym typeface="+mn-ea"/>
+            </a:endParaRPr>
+          </a:p>
+          <a:p>
+            <a:pPr algn="l"/>
+            <a:r>
+              <a:rPr lang="zh-CN" altLang="en-US" sz="1200">
+                <a:solidFill>
+                  <a:schemeClr val="tx1"/>
+                </a:solidFill>
+                <a:sym typeface="+mn-ea"/>
+              </a:rPr>
+              <a:t>            outputStream.write(bytes, 0, len);</a:t>
             </a:r>
             <a:endParaRPr lang="zh-CN" altLang="en-US" sz="1200">
               <a:solidFill>
@@ -14047,97 +14260,25 @@
                 </a:solidFill>
                 <a:sym typeface="+mn-ea"/>
               </a:rPr>
-              <a:t>        </a:t>
-            </a:r>
-            <a:endParaRPr lang="zh-CN" altLang="en-US" sz="1200">
-              <a:solidFill>
-                <a:schemeClr val="tx1"/>
-              </a:solidFill>
-              <a:sym typeface="+mn-ea"/>
-            </a:endParaRPr>
-          </a:p>
-          <a:p>
-            <a:pPr algn="l"/>
-            <a:r>
-              <a:rPr lang="zh-CN" altLang="en-US" sz="1200">
-                <a:solidFill>
-                  <a:schemeClr val="tx1"/>
-                </a:solidFill>
-                <a:sym typeface="+mn-ea"/>
-              </a:rPr>
-              <a:t>        System.out.println("一共 " + file.length() + " 字节");</a:t>
-            </a:r>
-            <a:endParaRPr lang="zh-CN" altLang="en-US" sz="1200">
-              <a:solidFill>
-                <a:schemeClr val="tx1"/>
-              </a:solidFill>
-              <a:sym typeface="+mn-ea"/>
-            </a:endParaRPr>
-          </a:p>
-          <a:p>
-            <a:pPr algn="l"/>
-            <a:r>
-              <a:rPr lang="zh-CN" altLang="en-US" sz="1200">
-                <a:solidFill>
-                  <a:schemeClr val="tx1"/>
-                </a:solidFill>
-                <a:sym typeface="+mn-ea"/>
-              </a:rPr>
-              <a:t>        System.out.println(new String(realBytes, "GBK"));</a:t>
-            </a:r>
-            <a:endParaRPr lang="zh-CN" altLang="en-US" sz="1200">
-              <a:solidFill>
-                <a:schemeClr val="tx1"/>
-              </a:solidFill>
-              <a:sym typeface="+mn-ea"/>
-            </a:endParaRPr>
-          </a:p>
-          <a:p>
-            <a:pPr algn="l"/>
-            <a:r>
-              <a:rPr lang="zh-CN" altLang="en-US" sz="1200">
-                <a:solidFill>
-                  <a:schemeClr val="tx1"/>
-                </a:solidFill>
-                <a:sym typeface="+mn-ea"/>
-              </a:rPr>
-              <a:t>        System.out.println(new String(realBytes, "UTF-8"));</a:t>
-            </a:r>
-            <a:endParaRPr lang="zh-CN" altLang="en-US" sz="1200">
-              <a:solidFill>
-                <a:schemeClr val="tx1"/>
-              </a:solidFill>
-              <a:sym typeface="+mn-ea"/>
-            </a:endParaRPr>
-          </a:p>
-          <a:p>
-            <a:pPr algn="l"/>
-            <a:r>
-              <a:rPr lang="zh-CN" altLang="en-US" sz="1200">
-                <a:solidFill>
-                  <a:schemeClr val="tx1"/>
-                </a:solidFill>
-                <a:sym typeface="+mn-ea"/>
-              </a:rPr>
-              <a:t>        </a:t>
-            </a:r>
-            <a:endParaRPr lang="zh-CN" altLang="en-US" sz="1200">
-              <a:solidFill>
-                <a:schemeClr val="tx1"/>
-              </a:solidFill>
-              <a:sym typeface="+mn-ea"/>
-            </a:endParaRPr>
-          </a:p>
-          <a:p>
-            <a:pPr algn="l"/>
-            <a:r>
-              <a:rPr lang="zh-CN" altLang="en-US" sz="1200">
-                <a:solidFill>
-                  <a:schemeClr val="tx1"/>
-                </a:solidFill>
-                <a:sym typeface="+mn-ea"/>
-              </a:rPr>
               <a:t>        inputStream.close();</a:t>
+            </a:r>
+            <a:endParaRPr lang="zh-CN" altLang="en-US" sz="1200">
+              <a:solidFill>
+                <a:schemeClr val="tx1"/>
+              </a:solidFill>
+              <a:sym typeface="+mn-ea"/>
+            </a:endParaRPr>
+          </a:p>
+          <a:p>
+            <a:pPr algn="l"/>
+            <a:r>
+              <a:rPr lang="zh-CN" altLang="en-US" sz="1200">
+                <a:solidFill>
+                  <a:schemeClr val="tx1"/>
+                </a:solidFill>
+                <a:sym typeface="+mn-ea"/>
+              </a:rPr>
+              <a:t>        outputStream.close();</a:t>
             </a:r>
             <a:endParaRPr lang="zh-CN" altLang="en-US" sz="1200">
               <a:solidFill>
@@ -14174,8 +14315,8 @@
         </p:nvSpPr>
         <p:spPr>
           <a:xfrm>
-            <a:off x="5168900" y="5932170"/>
-            <a:ext cx="3092450" cy="456565"/>
+            <a:off x="5048250" y="4929505"/>
+            <a:ext cx="2178685" cy="456565"/>
           </a:xfrm>
           <a:prstGeom prst="rect">
             <a:avLst/>
@@ -14211,385 +14352,9 @@
             <a:pPr algn="ctr"/>
             <a:r>
               <a:rPr lang="zh-CN" altLang="en-US"/>
-              <a:t>字节流读数据（批量）</a:t>
+              <a:t>字节流文件复制</a:t>
             </a:r>
             <a:endParaRPr lang="zh-CN" altLang="en-US"/>
-          </a:p>
-        </p:txBody>
-      </p:sp>
-      <p:sp>
-        <p:nvSpPr>
-          <p:cNvPr id="4" name="矩形 3"/>
-          <p:cNvSpPr/>
-          <p:nvPr/>
-        </p:nvSpPr>
-        <p:spPr>
-          <a:xfrm>
-            <a:off x="7661910" y="1017270"/>
-            <a:ext cx="4242435" cy="3634740"/>
-          </a:xfrm>
-          <a:prstGeom prst="rect">
-            <a:avLst/>
-          </a:prstGeom>
-          <a:solidFill>
-            <a:schemeClr val="bg1"/>
-          </a:solidFill>
-          <a:ln w="28575">
-            <a:solidFill>
-              <a:srgbClr val="F59909"/>
-            </a:solidFill>
-          </a:ln>
-        </p:spPr>
-        <p:style>
-          <a:lnRef idx="2">
-            <a:schemeClr val="accent1">
-              <a:shade val="50000"/>
-            </a:schemeClr>
-          </a:lnRef>
-          <a:fillRef idx="1">
-            <a:schemeClr val="accent1"/>
-          </a:fillRef>
-          <a:effectRef idx="0">
-            <a:schemeClr val="accent1"/>
-          </a:effectRef>
-          <a:fontRef idx="minor">
-            <a:schemeClr val="lt1"/>
-          </a:fontRef>
-        </p:style>
-        <p:txBody>
-          <a:bodyPr rtlCol="0" anchor="ctr"/>
-          <a:p>
-            <a:pPr algn="l"/>
-            <a:r>
-              <a:rPr lang="zh-CN" altLang="en-US" sz="1200">
-                <a:solidFill>
-                  <a:schemeClr val="tx1"/>
-                </a:solidFill>
-                <a:sym typeface="+mn-ea"/>
-              </a:rPr>
-              <a:t>    /**</a:t>
-            </a:r>
-            <a:endParaRPr lang="zh-CN" altLang="en-US" sz="1200">
-              <a:solidFill>
-                <a:schemeClr val="tx1"/>
-              </a:solidFill>
-              <a:sym typeface="+mn-ea"/>
-            </a:endParaRPr>
-          </a:p>
-          <a:p>
-            <a:pPr algn="l"/>
-            <a:r>
-              <a:rPr lang="zh-CN" altLang="en-US" sz="1200">
-                <a:solidFill>
-                  <a:schemeClr val="tx1"/>
-                </a:solidFill>
-                <a:sym typeface="+mn-ea"/>
-              </a:rPr>
-              <a:t>     * 一次性全部读取出来</a:t>
-            </a:r>
-            <a:endParaRPr lang="zh-CN" altLang="en-US" sz="1200">
-              <a:solidFill>
-                <a:schemeClr val="tx1"/>
-              </a:solidFill>
-              <a:sym typeface="+mn-ea"/>
-            </a:endParaRPr>
-          </a:p>
-          <a:p>
-            <a:pPr algn="l"/>
-            <a:r>
-              <a:rPr lang="zh-CN" altLang="en-US" sz="1200">
-                <a:solidFill>
-                  <a:schemeClr val="tx1"/>
-                </a:solidFill>
-                <a:sym typeface="+mn-ea"/>
-              </a:rPr>
-              <a:t>     * @throws IOException</a:t>
-            </a:r>
-            <a:endParaRPr lang="zh-CN" altLang="en-US" sz="1200">
-              <a:solidFill>
-                <a:schemeClr val="tx1"/>
-              </a:solidFill>
-              <a:sym typeface="+mn-ea"/>
-            </a:endParaRPr>
-          </a:p>
-          <a:p>
-            <a:pPr algn="l"/>
-            <a:r>
-              <a:rPr lang="zh-CN" altLang="en-US" sz="1200">
-                <a:solidFill>
-                  <a:schemeClr val="tx1"/>
-                </a:solidFill>
-                <a:sym typeface="+mn-ea"/>
-              </a:rPr>
-              <a:t>     */</a:t>
-            </a:r>
-            <a:endParaRPr lang="zh-CN" altLang="en-US" sz="1200">
-              <a:solidFill>
-                <a:schemeClr val="tx1"/>
-              </a:solidFill>
-              <a:sym typeface="+mn-ea"/>
-            </a:endParaRPr>
-          </a:p>
-          <a:p>
-            <a:pPr algn="l"/>
-            <a:r>
-              <a:rPr lang="zh-CN" altLang="en-US" sz="1200">
-                <a:solidFill>
-                  <a:schemeClr val="tx1"/>
-                </a:solidFill>
-                <a:sym typeface="+mn-ea"/>
-              </a:rPr>
-              <a:t>    @Test</a:t>
-            </a:r>
-            <a:endParaRPr lang="zh-CN" altLang="en-US" sz="1200">
-              <a:solidFill>
-                <a:schemeClr val="tx1"/>
-              </a:solidFill>
-              <a:sym typeface="+mn-ea"/>
-            </a:endParaRPr>
-          </a:p>
-          <a:p>
-            <a:pPr algn="l"/>
-            <a:r>
-              <a:rPr lang="zh-CN" altLang="en-US" sz="1200">
-                <a:solidFill>
-                  <a:schemeClr val="tx1"/>
-                </a:solidFill>
-                <a:sym typeface="+mn-ea"/>
-              </a:rPr>
-              <a:t>    public void testInputStream3 () throws IOException {</a:t>
-            </a:r>
-            <a:endParaRPr lang="zh-CN" altLang="en-US" sz="1200">
-              <a:solidFill>
-                <a:schemeClr val="tx1"/>
-              </a:solidFill>
-              <a:sym typeface="+mn-ea"/>
-            </a:endParaRPr>
-          </a:p>
-          <a:p>
-            <a:pPr algn="l"/>
-            <a:r>
-              <a:rPr lang="zh-CN" altLang="en-US" sz="1200">
-                <a:solidFill>
-                  <a:schemeClr val="tx1"/>
-                </a:solidFill>
-                <a:sym typeface="+mn-ea"/>
-              </a:rPr>
-              <a:t>        File file = new File("D:/java/linkknown/io.txt");</a:t>
-            </a:r>
-            <a:endParaRPr lang="zh-CN" altLang="en-US" sz="1200">
-              <a:solidFill>
-                <a:schemeClr val="tx1"/>
-              </a:solidFill>
-              <a:sym typeface="+mn-ea"/>
-            </a:endParaRPr>
-          </a:p>
-          <a:p>
-            <a:pPr algn="l"/>
-            <a:r>
-              <a:rPr lang="zh-CN" altLang="en-US" sz="1200">
-                <a:solidFill>
-                  <a:schemeClr val="tx1"/>
-                </a:solidFill>
-                <a:sym typeface="+mn-ea"/>
-              </a:rPr>
-              <a:t>        InputStream inputStream = new FileInputStream(file);</a:t>
-            </a:r>
-            <a:endParaRPr lang="zh-CN" altLang="en-US" sz="1200">
-              <a:solidFill>
-                <a:schemeClr val="tx1"/>
-              </a:solidFill>
-              <a:sym typeface="+mn-ea"/>
-            </a:endParaRPr>
-          </a:p>
-          <a:p>
-            <a:pPr algn="l"/>
-            <a:endParaRPr lang="zh-CN" altLang="en-US" sz="1200">
-              <a:solidFill>
-                <a:schemeClr val="tx1"/>
-              </a:solidFill>
-              <a:sym typeface="+mn-ea"/>
-            </a:endParaRPr>
-          </a:p>
-          <a:p>
-            <a:pPr algn="l"/>
-            <a:r>
-              <a:rPr lang="zh-CN" altLang="en-US" sz="1200">
-                <a:solidFill>
-                  <a:schemeClr val="tx1"/>
-                </a:solidFill>
-                <a:sym typeface="+mn-ea"/>
-              </a:rPr>
-              <a:t>        byte[] realBytes = new byte[(int) file.length()];</a:t>
-            </a:r>
-            <a:endParaRPr lang="zh-CN" altLang="en-US" sz="1200">
-              <a:solidFill>
-                <a:schemeClr val="tx1"/>
-              </a:solidFill>
-              <a:sym typeface="+mn-ea"/>
-            </a:endParaRPr>
-          </a:p>
-          <a:p>
-            <a:pPr algn="l"/>
-            <a:r>
-              <a:rPr lang="zh-CN" altLang="en-US" sz="1200">
-                <a:solidFill>
-                  <a:schemeClr val="tx1"/>
-                </a:solidFill>
-                <a:sym typeface="+mn-ea"/>
-              </a:rPr>
-              <a:t>        </a:t>
-            </a:r>
-            <a:endParaRPr lang="zh-CN" altLang="en-US" sz="1200">
-              <a:solidFill>
-                <a:schemeClr val="tx1"/>
-              </a:solidFill>
-              <a:sym typeface="+mn-ea"/>
-            </a:endParaRPr>
-          </a:p>
-          <a:p>
-            <a:pPr algn="l"/>
-            <a:r>
-              <a:rPr lang="zh-CN" altLang="en-US" sz="1200">
-                <a:solidFill>
-                  <a:schemeClr val="tx1"/>
-                </a:solidFill>
-                <a:sym typeface="+mn-ea"/>
-              </a:rPr>
-              <a:t>        while (inputStream.read(realBytes) != -1) {</a:t>
-            </a:r>
-            <a:endParaRPr lang="zh-CN" altLang="en-US" sz="1200">
-              <a:solidFill>
-                <a:schemeClr val="tx1"/>
-              </a:solidFill>
-              <a:sym typeface="+mn-ea"/>
-            </a:endParaRPr>
-          </a:p>
-          <a:p>
-            <a:pPr algn="l"/>
-            <a:r>
-              <a:rPr lang="zh-CN" altLang="en-US" sz="1200">
-                <a:solidFill>
-                  <a:schemeClr val="tx1"/>
-                </a:solidFill>
-                <a:sym typeface="+mn-ea"/>
-              </a:rPr>
-              <a:t>            System.out.println("一共 " + file.length() + " 字节");</a:t>
-            </a:r>
-            <a:endParaRPr lang="zh-CN" altLang="en-US" sz="1200">
-              <a:solidFill>
-                <a:schemeClr val="tx1"/>
-              </a:solidFill>
-              <a:sym typeface="+mn-ea"/>
-            </a:endParaRPr>
-          </a:p>
-          <a:p>
-            <a:pPr algn="l"/>
-            <a:r>
-              <a:rPr lang="zh-CN" altLang="en-US" sz="1200">
-                <a:solidFill>
-                  <a:schemeClr val="tx1"/>
-                </a:solidFill>
-                <a:sym typeface="+mn-ea"/>
-              </a:rPr>
-              <a:t>            System.out.println(new String(realBytes, "GBK"));</a:t>
-            </a:r>
-            <a:endParaRPr lang="zh-CN" altLang="en-US" sz="1200">
-              <a:solidFill>
-                <a:schemeClr val="tx1"/>
-              </a:solidFill>
-              <a:sym typeface="+mn-ea"/>
-            </a:endParaRPr>
-          </a:p>
-          <a:p>
-            <a:pPr algn="l"/>
-            <a:r>
-              <a:rPr lang="zh-CN" altLang="en-US" sz="1200">
-                <a:solidFill>
-                  <a:schemeClr val="tx1"/>
-                </a:solidFill>
-                <a:sym typeface="+mn-ea"/>
-              </a:rPr>
-              <a:t>            System.out.println(new String(realBytes, "UTF-8"));</a:t>
-            </a:r>
-            <a:endParaRPr lang="zh-CN" altLang="en-US" sz="1200">
-              <a:solidFill>
-                <a:schemeClr val="tx1"/>
-              </a:solidFill>
-              <a:sym typeface="+mn-ea"/>
-            </a:endParaRPr>
-          </a:p>
-          <a:p>
-            <a:pPr algn="l"/>
-            <a:r>
-              <a:rPr lang="zh-CN" altLang="en-US" sz="1200">
-                <a:solidFill>
-                  <a:schemeClr val="tx1"/>
-                </a:solidFill>
-                <a:sym typeface="+mn-ea"/>
-              </a:rPr>
-              <a:t>        }</a:t>
-            </a:r>
-            <a:endParaRPr lang="zh-CN" altLang="en-US" sz="1200">
-              <a:solidFill>
-                <a:schemeClr val="tx1"/>
-              </a:solidFill>
-              <a:sym typeface="+mn-ea"/>
-            </a:endParaRPr>
-          </a:p>
-          <a:p>
-            <a:pPr algn="l"/>
-            <a:r>
-              <a:rPr lang="zh-CN" altLang="en-US" sz="1200">
-                <a:solidFill>
-                  <a:schemeClr val="tx1"/>
-                </a:solidFill>
-                <a:sym typeface="+mn-ea"/>
-              </a:rPr>
-              <a:t>        </a:t>
-            </a:r>
-            <a:endParaRPr lang="zh-CN" altLang="en-US" sz="1200">
-              <a:solidFill>
-                <a:schemeClr val="tx1"/>
-              </a:solidFill>
-              <a:sym typeface="+mn-ea"/>
-            </a:endParaRPr>
-          </a:p>
-          <a:p>
-            <a:pPr algn="l"/>
-            <a:r>
-              <a:rPr lang="zh-CN" altLang="en-US" sz="1200">
-                <a:solidFill>
-                  <a:schemeClr val="tx1"/>
-                </a:solidFill>
-                <a:sym typeface="+mn-ea"/>
-              </a:rPr>
-              <a:t>        inputStream.close();</a:t>
-            </a:r>
-            <a:endParaRPr lang="zh-CN" altLang="en-US" sz="1200">
-              <a:solidFill>
-                <a:schemeClr val="tx1"/>
-              </a:solidFill>
-              <a:sym typeface="+mn-ea"/>
-            </a:endParaRPr>
-          </a:p>
-          <a:p>
-            <a:pPr algn="l"/>
-            <a:r>
-              <a:rPr lang="zh-CN" altLang="en-US" sz="1200">
-                <a:solidFill>
-                  <a:schemeClr val="tx1"/>
-                </a:solidFill>
-                <a:sym typeface="+mn-ea"/>
-              </a:rPr>
-              <a:t>    }</a:t>
-            </a:r>
-            <a:endParaRPr lang="zh-CN" altLang="en-US" sz="1200">
-              <a:solidFill>
-                <a:schemeClr val="tx1"/>
-              </a:solidFill>
-              <a:sym typeface="+mn-ea"/>
-            </a:endParaRPr>
           </a:p>
         </p:txBody>
       </p:sp>
@@ -15166,437 +14931,52 @@
         <p:nvPr/>
       </p:nvGrpSpPr>
       <p:grpSpPr/>
+      <p:cxnSp>
+        <p:nvCxnSpPr>
+          <p:cNvPr id="5" name="直接连接符 4"/>
+          <p:cNvCxnSpPr/>
+          <p:nvPr/>
+        </p:nvCxnSpPr>
+        <p:spPr>
+          <a:xfrm>
+            <a:off x="406400" y="3712210"/>
+            <a:ext cx="11197590" cy="18415"/>
+          </a:xfrm>
+          <a:prstGeom prst="line">
+            <a:avLst/>
+          </a:prstGeom>
+          <a:ln w="28575">
+            <a:solidFill>
+              <a:srgbClr val="F59909"/>
+            </a:solidFill>
+            <a:prstDash val="dash"/>
+          </a:ln>
+        </p:spPr>
+        <p:style>
+          <a:lnRef idx="1">
+            <a:schemeClr val="accent1"/>
+          </a:lnRef>
+          <a:fillRef idx="0">
+            <a:schemeClr val="accent1"/>
+          </a:fillRef>
+          <a:effectRef idx="0">
+            <a:schemeClr val="accent1"/>
+          </a:effectRef>
+          <a:fontRef idx="minor">
+            <a:schemeClr val="tx1"/>
+          </a:fontRef>
+        </p:style>
+      </p:cxnSp>
       <p:sp>
         <p:nvSpPr>
-          <p:cNvPr id="2" name="矩形 1"/>
+          <p:cNvPr id="14" name="矩形 13"/>
           <p:cNvSpPr/>
           <p:nvPr/>
         </p:nvSpPr>
         <p:spPr>
           <a:xfrm>
-            <a:off x="158750" y="2255520"/>
-            <a:ext cx="7320280" cy="4133215"/>
-          </a:xfrm>
-          <a:prstGeom prst="rect">
-            <a:avLst/>
-          </a:prstGeom>
-          <a:solidFill>
-            <a:schemeClr val="bg1"/>
-          </a:solidFill>
-          <a:ln w="28575">
-            <a:solidFill>
-              <a:srgbClr val="F59909"/>
-            </a:solidFill>
-          </a:ln>
-        </p:spPr>
-        <p:style>
-          <a:lnRef idx="2">
-            <a:schemeClr val="accent1">
-              <a:shade val="50000"/>
-            </a:schemeClr>
-          </a:lnRef>
-          <a:fillRef idx="1">
-            <a:schemeClr val="accent1"/>
-          </a:fillRef>
-          <a:effectRef idx="0">
-            <a:schemeClr val="accent1"/>
-          </a:effectRef>
-          <a:fontRef idx="minor">
-            <a:schemeClr val="lt1"/>
-          </a:fontRef>
-        </p:style>
-        <p:txBody>
-          <a:bodyPr rtlCol="0" anchor="ctr"/>
-          <a:p>
-            <a:pPr algn="l"/>
-            <a:r>
-              <a:rPr lang="zh-CN" altLang="en-US" sz="1200">
-                <a:solidFill>
-                  <a:schemeClr val="tx1"/>
-                </a:solidFill>
-                <a:sym typeface="+mn-ea"/>
-              </a:rPr>
-              <a:t>    /**</a:t>
-            </a:r>
-            <a:endParaRPr lang="zh-CN" altLang="en-US" sz="1200">
-              <a:solidFill>
-                <a:schemeClr val="tx1"/>
-              </a:solidFill>
-              <a:sym typeface="+mn-ea"/>
-            </a:endParaRPr>
-          </a:p>
-          <a:p>
-            <a:pPr algn="l"/>
-            <a:r>
-              <a:rPr lang="zh-CN" altLang="en-US" sz="1200">
-                <a:solidFill>
-                  <a:schemeClr val="tx1"/>
-                </a:solidFill>
-                <a:sym typeface="+mn-ea"/>
-              </a:rPr>
-              <a:t>     * 测试字符流读取（文件复制）</a:t>
-            </a:r>
-            <a:endParaRPr lang="zh-CN" altLang="en-US" sz="1200">
-              <a:solidFill>
-                <a:schemeClr val="tx1"/>
-              </a:solidFill>
-              <a:sym typeface="+mn-ea"/>
-            </a:endParaRPr>
-          </a:p>
-          <a:p>
-            <a:pPr algn="l"/>
-            <a:r>
-              <a:rPr lang="zh-CN" altLang="en-US" sz="1200">
-                <a:solidFill>
-                  <a:schemeClr val="tx1"/>
-                </a:solidFill>
-                <a:sym typeface="+mn-ea"/>
-              </a:rPr>
-              <a:t>     * 一次读取一个字节数组</a:t>
-            </a:r>
-            <a:endParaRPr lang="zh-CN" altLang="en-US" sz="1200">
-              <a:solidFill>
-                <a:schemeClr val="tx1"/>
-              </a:solidFill>
-              <a:sym typeface="+mn-ea"/>
-            </a:endParaRPr>
-          </a:p>
-          <a:p>
-            <a:pPr algn="l"/>
-            <a:r>
-              <a:rPr lang="zh-CN" altLang="en-US" sz="1200">
-                <a:solidFill>
-                  <a:schemeClr val="tx1"/>
-                </a:solidFill>
-                <a:sym typeface="+mn-ea"/>
-              </a:rPr>
-              <a:t>     * @throws IOException</a:t>
-            </a:r>
-            <a:endParaRPr lang="zh-CN" altLang="en-US" sz="1200">
-              <a:solidFill>
-                <a:schemeClr val="tx1"/>
-              </a:solidFill>
-              <a:sym typeface="+mn-ea"/>
-            </a:endParaRPr>
-          </a:p>
-          <a:p>
-            <a:pPr algn="l"/>
-            <a:r>
-              <a:rPr lang="zh-CN" altLang="en-US" sz="1200">
-                <a:solidFill>
-                  <a:schemeClr val="tx1"/>
-                </a:solidFill>
-                <a:sym typeface="+mn-ea"/>
-              </a:rPr>
-              <a:t>     */</a:t>
-            </a:r>
-            <a:endParaRPr lang="zh-CN" altLang="en-US" sz="1200">
-              <a:solidFill>
-                <a:schemeClr val="tx1"/>
-              </a:solidFill>
-              <a:sym typeface="+mn-ea"/>
-            </a:endParaRPr>
-          </a:p>
-          <a:p>
-            <a:pPr algn="l"/>
-            <a:r>
-              <a:rPr lang="zh-CN" altLang="en-US" sz="1200">
-                <a:solidFill>
-                  <a:schemeClr val="tx1"/>
-                </a:solidFill>
-                <a:sym typeface="+mn-ea"/>
-              </a:rPr>
-              <a:t>    @Test</a:t>
-            </a:r>
-            <a:endParaRPr lang="zh-CN" altLang="en-US" sz="1200">
-              <a:solidFill>
-                <a:schemeClr val="tx1"/>
-              </a:solidFill>
-              <a:sym typeface="+mn-ea"/>
-            </a:endParaRPr>
-          </a:p>
-          <a:p>
-            <a:pPr algn="l"/>
-            <a:r>
-              <a:rPr lang="zh-CN" altLang="en-US" sz="1200">
-                <a:solidFill>
-                  <a:schemeClr val="tx1"/>
-                </a:solidFill>
-                <a:sym typeface="+mn-ea"/>
-              </a:rPr>
-              <a:t>    public void testInputOutput () throws IOException {</a:t>
-            </a:r>
-            <a:endParaRPr lang="zh-CN" altLang="en-US" sz="1200">
-              <a:solidFill>
-                <a:schemeClr val="tx1"/>
-              </a:solidFill>
-              <a:sym typeface="+mn-ea"/>
-            </a:endParaRPr>
-          </a:p>
-          <a:p>
-            <a:pPr algn="l"/>
-            <a:r>
-              <a:rPr lang="zh-CN" altLang="en-US" sz="1200">
-                <a:solidFill>
-                  <a:schemeClr val="tx1"/>
-                </a:solidFill>
-                <a:sym typeface="+mn-ea"/>
-              </a:rPr>
-              <a:t>        File file1 = new File("D:/java/linkknown/io1.txt");</a:t>
-            </a:r>
-            <a:endParaRPr lang="zh-CN" altLang="en-US" sz="1200">
-              <a:solidFill>
-                <a:schemeClr val="tx1"/>
-              </a:solidFill>
-              <a:sym typeface="+mn-ea"/>
-            </a:endParaRPr>
-          </a:p>
-          <a:p>
-            <a:pPr algn="l"/>
-            <a:r>
-              <a:rPr lang="zh-CN" altLang="en-US" sz="1200">
-                <a:solidFill>
-                  <a:schemeClr val="tx1"/>
-                </a:solidFill>
-                <a:sym typeface="+mn-ea"/>
-              </a:rPr>
-              <a:t>        File file2 = new File("D:/java/linkknown/io2.txt");</a:t>
-            </a:r>
-            <a:endParaRPr lang="zh-CN" altLang="en-US" sz="1200">
-              <a:solidFill>
-                <a:schemeClr val="tx1"/>
-              </a:solidFill>
-              <a:sym typeface="+mn-ea"/>
-            </a:endParaRPr>
-          </a:p>
-          <a:p>
-            <a:pPr algn="l"/>
-            <a:r>
-              <a:rPr lang="zh-CN" altLang="en-US" sz="1200">
-                <a:solidFill>
-                  <a:schemeClr val="tx1"/>
-                </a:solidFill>
-                <a:sym typeface="+mn-ea"/>
-              </a:rPr>
-              <a:t>        </a:t>
-            </a:r>
-            <a:endParaRPr lang="zh-CN" altLang="en-US" sz="1200">
-              <a:solidFill>
-                <a:schemeClr val="tx1"/>
-              </a:solidFill>
-              <a:sym typeface="+mn-ea"/>
-            </a:endParaRPr>
-          </a:p>
-          <a:p>
-            <a:pPr algn="l"/>
-            <a:r>
-              <a:rPr lang="zh-CN" altLang="en-US" sz="1200">
-                <a:solidFill>
-                  <a:schemeClr val="tx1"/>
-                </a:solidFill>
-                <a:sym typeface="+mn-ea"/>
-              </a:rPr>
-              <a:t>        InputStream inputStream = new FileInputStream(file1);</a:t>
-            </a:r>
-            <a:endParaRPr lang="zh-CN" altLang="en-US" sz="1200">
-              <a:solidFill>
-                <a:schemeClr val="tx1"/>
-              </a:solidFill>
-              <a:sym typeface="+mn-ea"/>
-            </a:endParaRPr>
-          </a:p>
-          <a:p>
-            <a:pPr algn="l"/>
-            <a:r>
-              <a:rPr lang="zh-CN" altLang="en-US" sz="1200">
-                <a:solidFill>
-                  <a:schemeClr val="tx1"/>
-                </a:solidFill>
-                <a:sym typeface="+mn-ea"/>
-              </a:rPr>
-              <a:t>        OutputStream outputStream = new FileOutputStream(file2);</a:t>
-            </a:r>
-            <a:endParaRPr lang="zh-CN" altLang="en-US" sz="1200">
-              <a:solidFill>
-                <a:schemeClr val="tx1"/>
-              </a:solidFill>
-              <a:sym typeface="+mn-ea"/>
-            </a:endParaRPr>
-          </a:p>
-          <a:p>
-            <a:pPr algn="l"/>
-            <a:r>
-              <a:rPr lang="zh-CN" altLang="en-US" sz="1200">
-                <a:solidFill>
-                  <a:schemeClr val="tx1"/>
-                </a:solidFill>
-                <a:sym typeface="+mn-ea"/>
-              </a:rPr>
-              <a:t>        </a:t>
-            </a:r>
-            <a:endParaRPr lang="zh-CN" altLang="en-US" sz="1200">
-              <a:solidFill>
-                <a:schemeClr val="tx1"/>
-              </a:solidFill>
-              <a:sym typeface="+mn-ea"/>
-            </a:endParaRPr>
-          </a:p>
-          <a:p>
-            <a:pPr algn="l"/>
-            <a:r>
-              <a:rPr lang="zh-CN" altLang="en-US" sz="1200">
-                <a:solidFill>
-                  <a:schemeClr val="tx1"/>
-                </a:solidFill>
-                <a:sym typeface="+mn-ea"/>
-              </a:rPr>
-              <a:t>        int len = 0;</a:t>
-            </a:r>
-            <a:endParaRPr lang="zh-CN" altLang="en-US" sz="1200">
-              <a:solidFill>
-                <a:schemeClr val="tx1"/>
-              </a:solidFill>
-              <a:sym typeface="+mn-ea"/>
-            </a:endParaRPr>
-          </a:p>
-          <a:p>
-            <a:pPr algn="l"/>
-            <a:r>
-              <a:rPr lang="zh-CN" altLang="en-US" sz="1200">
-                <a:solidFill>
-                  <a:schemeClr val="tx1"/>
-                </a:solidFill>
-                <a:sym typeface="+mn-ea"/>
-              </a:rPr>
-              <a:t>        byte[] bytes = new byte[1000];</a:t>
-            </a:r>
-            <a:endParaRPr lang="zh-CN" altLang="en-US" sz="1200">
-              <a:solidFill>
-                <a:schemeClr val="tx1"/>
-              </a:solidFill>
-              <a:sym typeface="+mn-ea"/>
-            </a:endParaRPr>
-          </a:p>
-          <a:p>
-            <a:pPr algn="l"/>
-            <a:r>
-              <a:rPr lang="zh-CN" altLang="en-US" sz="1200">
-                <a:solidFill>
-                  <a:schemeClr val="tx1"/>
-                </a:solidFill>
-                <a:sym typeface="+mn-ea"/>
-              </a:rPr>
-              <a:t>        while ((len = inputStream.read(bytes)) != -1) {        // len 表示实际读取的数量 -1 代表没有更多数据</a:t>
-            </a:r>
-            <a:endParaRPr lang="zh-CN" altLang="en-US" sz="1200">
-              <a:solidFill>
-                <a:schemeClr val="tx1"/>
-              </a:solidFill>
-              <a:sym typeface="+mn-ea"/>
-            </a:endParaRPr>
-          </a:p>
-          <a:p>
-            <a:pPr algn="l"/>
-            <a:r>
-              <a:rPr lang="zh-CN" altLang="en-US" sz="1200">
-                <a:solidFill>
-                  <a:schemeClr val="tx1"/>
-                </a:solidFill>
-                <a:sym typeface="+mn-ea"/>
-              </a:rPr>
-              <a:t>            outputStream.write(bytes, 0, len);</a:t>
-            </a:r>
-            <a:endParaRPr lang="zh-CN" altLang="en-US" sz="1200">
-              <a:solidFill>
-                <a:schemeClr val="tx1"/>
-              </a:solidFill>
-              <a:sym typeface="+mn-ea"/>
-            </a:endParaRPr>
-          </a:p>
-          <a:p>
-            <a:pPr algn="l"/>
-            <a:r>
-              <a:rPr lang="zh-CN" altLang="en-US" sz="1200">
-                <a:solidFill>
-                  <a:schemeClr val="tx1"/>
-                </a:solidFill>
-                <a:sym typeface="+mn-ea"/>
-              </a:rPr>
-              <a:t>        }</a:t>
-            </a:r>
-            <a:endParaRPr lang="zh-CN" altLang="en-US" sz="1200">
-              <a:solidFill>
-                <a:schemeClr val="tx1"/>
-              </a:solidFill>
-              <a:sym typeface="+mn-ea"/>
-            </a:endParaRPr>
-          </a:p>
-          <a:p>
-            <a:pPr algn="l"/>
-            <a:r>
-              <a:rPr lang="zh-CN" altLang="en-US" sz="1200">
-                <a:solidFill>
-                  <a:schemeClr val="tx1"/>
-                </a:solidFill>
-                <a:sym typeface="+mn-ea"/>
-              </a:rPr>
-              <a:t>        inputStream.close();</a:t>
-            </a:r>
-            <a:endParaRPr lang="zh-CN" altLang="en-US" sz="1200">
-              <a:solidFill>
-                <a:schemeClr val="tx1"/>
-              </a:solidFill>
-              <a:sym typeface="+mn-ea"/>
-            </a:endParaRPr>
-          </a:p>
-          <a:p>
-            <a:pPr algn="l"/>
-            <a:r>
-              <a:rPr lang="zh-CN" altLang="en-US" sz="1200">
-                <a:solidFill>
-                  <a:schemeClr val="tx1"/>
-                </a:solidFill>
-                <a:sym typeface="+mn-ea"/>
-              </a:rPr>
-              <a:t>        outputStream.close();</a:t>
-            </a:r>
-            <a:endParaRPr lang="zh-CN" altLang="en-US" sz="1200">
-              <a:solidFill>
-                <a:schemeClr val="tx1"/>
-              </a:solidFill>
-              <a:sym typeface="+mn-ea"/>
-            </a:endParaRPr>
-          </a:p>
-          <a:p>
-            <a:pPr algn="l"/>
-            <a:r>
-              <a:rPr lang="zh-CN" altLang="en-US" sz="1200">
-                <a:solidFill>
-                  <a:schemeClr val="tx1"/>
-                </a:solidFill>
-                <a:sym typeface="+mn-ea"/>
-              </a:rPr>
-              <a:t>    }</a:t>
-            </a:r>
-            <a:endParaRPr lang="zh-CN" altLang="en-US" sz="1200">
-              <a:solidFill>
-                <a:schemeClr val="tx1"/>
-              </a:solidFill>
-              <a:sym typeface="+mn-ea"/>
-            </a:endParaRPr>
-          </a:p>
-        </p:txBody>
-      </p:sp>
-      <p:sp>
-        <p:nvSpPr>
-          <p:cNvPr id="3" name="矩形 2"/>
-          <p:cNvSpPr/>
-          <p:nvPr/>
-        </p:nvSpPr>
-        <p:spPr>
-          <a:xfrm>
-            <a:off x="5066665" y="5749290"/>
-            <a:ext cx="2178685" cy="456565"/>
+            <a:off x="361950" y="1059815"/>
+            <a:ext cx="1134110" cy="456565"/>
           </a:xfrm>
           <a:prstGeom prst="rect">
             <a:avLst/>
@@ -15629,464 +15009,39 @@
         <p:txBody>
           <a:bodyPr rtlCol="0" anchor="ctr"/>
           <a:p>
-            <a:pPr algn="ctr"/>
-            <a:r>
-              <a:rPr lang="zh-CN" altLang="en-US"/>
-              <a:t>字节流文件复制</a:t>
-            </a:r>
-            <a:endParaRPr lang="zh-CN" altLang="en-US"/>
+            <a:pPr algn="l"/>
+            <a:r>
+              <a:rPr lang="zh-CN" altLang="en-US" sz="1400">
+                <a:solidFill>
+                  <a:schemeClr val="bg1"/>
+                </a:solidFill>
+                <a:latin typeface="+mn-ea"/>
+                <a:cs typeface="+mn-ea"/>
+                <a:sym typeface="+mn-ea"/>
+              </a:rPr>
+              <a:t>字节流方式</a:t>
+            </a:r>
+            <a:endParaRPr lang="zh-CN" altLang="en-US" sz="1400" b="1">
+              <a:solidFill>
+                <a:schemeClr val="bg1"/>
+              </a:solidFill>
+              <a:latin typeface="+mn-ea"/>
+              <a:cs typeface="+mn-ea"/>
+              <a:sym typeface="+mn-ea"/>
+            </a:endParaRPr>
           </a:p>
         </p:txBody>
       </p:sp>
       <p:sp>
         <p:nvSpPr>
-          <p:cNvPr id="4" name="矩形 3"/>
+          <p:cNvPr id="7" name="矩形 6"/>
           <p:cNvSpPr/>
           <p:nvPr/>
         </p:nvSpPr>
         <p:spPr>
           <a:xfrm>
-            <a:off x="5579110" y="337185"/>
-            <a:ext cx="6426835" cy="4294505"/>
-          </a:xfrm>
-          <a:prstGeom prst="rect">
-            <a:avLst/>
-          </a:prstGeom>
-          <a:solidFill>
-            <a:schemeClr val="bg1"/>
-          </a:solidFill>
-          <a:ln w="28575">
-            <a:solidFill>
-              <a:srgbClr val="F59909"/>
-            </a:solidFill>
-          </a:ln>
-        </p:spPr>
-        <p:style>
-          <a:lnRef idx="2">
-            <a:schemeClr val="accent1">
-              <a:shade val="50000"/>
-            </a:schemeClr>
-          </a:lnRef>
-          <a:fillRef idx="1">
-            <a:schemeClr val="accent1"/>
-          </a:fillRef>
-          <a:effectRef idx="0">
-            <a:schemeClr val="accent1"/>
-          </a:effectRef>
-          <a:fontRef idx="minor">
-            <a:schemeClr val="lt1"/>
-          </a:fontRef>
-        </p:style>
-        <p:txBody>
-          <a:bodyPr rtlCol="0" anchor="ctr"/>
-          <a:p>
-            <a:pPr algn="l"/>
-            <a:r>
-              <a:rPr lang="zh-CN" altLang="en-US" sz="1200">
-                <a:solidFill>
-                  <a:schemeClr val="tx1"/>
-                </a:solidFill>
-                <a:sym typeface="+mn-ea"/>
-              </a:rPr>
-              <a:t>    /**</a:t>
-            </a:r>
-            <a:endParaRPr lang="zh-CN" altLang="en-US" sz="1200">
-              <a:solidFill>
-                <a:schemeClr val="tx1"/>
-              </a:solidFill>
-              <a:sym typeface="+mn-ea"/>
-            </a:endParaRPr>
-          </a:p>
-          <a:p>
-            <a:pPr algn="l"/>
-            <a:r>
-              <a:rPr lang="zh-CN" altLang="en-US" sz="1200">
-                <a:solidFill>
-                  <a:schemeClr val="tx1"/>
-                </a:solidFill>
-                <a:sym typeface="+mn-ea"/>
-              </a:rPr>
-              <a:t>     * 追加模式</a:t>
-            </a:r>
-            <a:endParaRPr lang="zh-CN" altLang="en-US" sz="1200">
-              <a:solidFill>
-                <a:schemeClr val="tx1"/>
-              </a:solidFill>
-              <a:sym typeface="+mn-ea"/>
-            </a:endParaRPr>
-          </a:p>
-          <a:p>
-            <a:pPr algn="l"/>
-            <a:r>
-              <a:rPr lang="zh-CN" altLang="en-US" sz="1200">
-                <a:solidFill>
-                  <a:schemeClr val="tx1"/>
-                </a:solidFill>
-                <a:sym typeface="+mn-ea"/>
-              </a:rPr>
-              <a:t>     * public FileOutputStream(String name, boolean append) append 为 true 时表示追加</a:t>
-            </a:r>
-            <a:endParaRPr lang="zh-CN" altLang="en-US" sz="1200">
-              <a:solidFill>
-                <a:schemeClr val="tx1"/>
-              </a:solidFill>
-              <a:sym typeface="+mn-ea"/>
-            </a:endParaRPr>
-          </a:p>
-          <a:p>
-            <a:pPr algn="l"/>
-            <a:r>
-              <a:rPr lang="zh-CN" altLang="en-US" sz="1200">
-                <a:solidFill>
-                  <a:schemeClr val="tx1"/>
-                </a:solidFill>
-                <a:sym typeface="+mn-ea"/>
-              </a:rPr>
-              <a:t>     * @throws IOException </a:t>
-            </a:r>
-            <a:endParaRPr lang="zh-CN" altLang="en-US" sz="1200">
-              <a:solidFill>
-                <a:schemeClr val="tx1"/>
-              </a:solidFill>
-              <a:sym typeface="+mn-ea"/>
-            </a:endParaRPr>
-          </a:p>
-          <a:p>
-            <a:pPr algn="l"/>
-            <a:r>
-              <a:rPr lang="zh-CN" altLang="en-US" sz="1200">
-                <a:solidFill>
-                  <a:schemeClr val="tx1"/>
-                </a:solidFill>
-                <a:sym typeface="+mn-ea"/>
-              </a:rPr>
-              <a:t>     */</a:t>
-            </a:r>
-            <a:endParaRPr lang="zh-CN" altLang="en-US" sz="1200">
-              <a:solidFill>
-                <a:schemeClr val="tx1"/>
-              </a:solidFill>
-              <a:sym typeface="+mn-ea"/>
-            </a:endParaRPr>
-          </a:p>
-          <a:p>
-            <a:pPr algn="l"/>
-            <a:r>
-              <a:rPr lang="zh-CN" altLang="en-US" sz="1200">
-                <a:solidFill>
-                  <a:schemeClr val="tx1"/>
-                </a:solidFill>
-                <a:sym typeface="+mn-ea"/>
-              </a:rPr>
-              <a:t>    @Test</a:t>
-            </a:r>
-            <a:endParaRPr lang="zh-CN" altLang="en-US" sz="1200">
-              <a:solidFill>
-                <a:schemeClr val="tx1"/>
-              </a:solidFill>
-              <a:sym typeface="+mn-ea"/>
-            </a:endParaRPr>
-          </a:p>
-          <a:p>
-            <a:pPr algn="l"/>
-            <a:r>
-              <a:rPr lang="zh-CN" altLang="en-US" sz="1200">
-                <a:solidFill>
-                  <a:schemeClr val="tx1"/>
-                </a:solidFill>
-                <a:sym typeface="+mn-ea"/>
-              </a:rPr>
-              <a:t>    public void testAppend () throws IOException {</a:t>
-            </a:r>
-            <a:endParaRPr lang="zh-CN" altLang="en-US" sz="1200">
-              <a:solidFill>
-                <a:schemeClr val="tx1"/>
-              </a:solidFill>
-              <a:sym typeface="+mn-ea"/>
-            </a:endParaRPr>
-          </a:p>
-          <a:p>
-            <a:pPr algn="l"/>
-            <a:r>
-              <a:rPr lang="zh-CN" altLang="en-US" sz="1200">
-                <a:solidFill>
-                  <a:schemeClr val="tx1"/>
-                </a:solidFill>
-                <a:sym typeface="+mn-ea"/>
-              </a:rPr>
-              <a:t>        File file1 = new File("D:/java/linkknown/io1.txt");</a:t>
-            </a:r>
-            <a:endParaRPr lang="zh-CN" altLang="en-US" sz="1200">
-              <a:solidFill>
-                <a:schemeClr val="tx1"/>
-              </a:solidFill>
-              <a:sym typeface="+mn-ea"/>
-            </a:endParaRPr>
-          </a:p>
-          <a:p>
-            <a:pPr algn="l"/>
-            <a:r>
-              <a:rPr lang="zh-CN" altLang="en-US" sz="1200">
-                <a:solidFill>
-                  <a:schemeClr val="tx1"/>
-                </a:solidFill>
-                <a:sym typeface="+mn-ea"/>
-              </a:rPr>
-              <a:t>        File file2 = new File("D:/java/linkknown/io2.txt");</a:t>
-            </a:r>
-            <a:endParaRPr lang="zh-CN" altLang="en-US" sz="1200">
-              <a:solidFill>
-                <a:schemeClr val="tx1"/>
-              </a:solidFill>
-              <a:sym typeface="+mn-ea"/>
-            </a:endParaRPr>
-          </a:p>
-          <a:p>
-            <a:pPr algn="l"/>
-            <a:r>
-              <a:rPr lang="zh-CN" altLang="en-US" sz="1200">
-                <a:solidFill>
-                  <a:schemeClr val="tx1"/>
-                </a:solidFill>
-                <a:sym typeface="+mn-ea"/>
-              </a:rPr>
-              <a:t>        </a:t>
-            </a:r>
-            <a:endParaRPr lang="zh-CN" altLang="en-US" sz="1200">
-              <a:solidFill>
-                <a:schemeClr val="tx1"/>
-              </a:solidFill>
-              <a:sym typeface="+mn-ea"/>
-            </a:endParaRPr>
-          </a:p>
-          <a:p>
-            <a:pPr algn="l"/>
-            <a:r>
-              <a:rPr lang="zh-CN" altLang="en-US" sz="1200">
-                <a:solidFill>
-                  <a:schemeClr val="tx1"/>
-                </a:solidFill>
-                <a:sym typeface="+mn-ea"/>
-              </a:rPr>
-              <a:t>        InputStream inputStream = new FileInputStream(file1);</a:t>
-            </a:r>
-            <a:endParaRPr lang="zh-CN" altLang="en-US" sz="1200">
-              <a:solidFill>
-                <a:schemeClr val="tx1"/>
-              </a:solidFill>
-              <a:sym typeface="+mn-ea"/>
-            </a:endParaRPr>
-          </a:p>
-          <a:p>
-            <a:pPr algn="l"/>
-            <a:r>
-              <a:rPr lang="zh-CN" altLang="en-US" sz="1200">
-                <a:solidFill>
-                  <a:schemeClr val="tx1"/>
-                </a:solidFill>
-                <a:sym typeface="+mn-ea"/>
-              </a:rPr>
-              <a:t>        OutputStream outputStream = new FileOutputStream(file2, true);</a:t>
-            </a:r>
-            <a:endParaRPr lang="zh-CN" altLang="en-US" sz="1200">
-              <a:solidFill>
-                <a:schemeClr val="tx1"/>
-              </a:solidFill>
-              <a:sym typeface="+mn-ea"/>
-            </a:endParaRPr>
-          </a:p>
-          <a:p>
-            <a:pPr algn="l"/>
-            <a:r>
-              <a:rPr lang="zh-CN" altLang="en-US" sz="1200">
-                <a:solidFill>
-                  <a:schemeClr val="tx1"/>
-                </a:solidFill>
-                <a:sym typeface="+mn-ea"/>
-              </a:rPr>
-              <a:t>        </a:t>
-            </a:r>
-            <a:endParaRPr lang="zh-CN" altLang="en-US" sz="1200">
-              <a:solidFill>
-                <a:schemeClr val="tx1"/>
-              </a:solidFill>
-              <a:sym typeface="+mn-ea"/>
-            </a:endParaRPr>
-          </a:p>
-          <a:p>
-            <a:pPr algn="l"/>
-            <a:r>
-              <a:rPr lang="zh-CN" altLang="en-US" sz="1200">
-                <a:solidFill>
-                  <a:schemeClr val="tx1"/>
-                </a:solidFill>
-                <a:sym typeface="+mn-ea"/>
-              </a:rPr>
-              <a:t>        int len = 0;</a:t>
-            </a:r>
-            <a:endParaRPr lang="zh-CN" altLang="en-US" sz="1200">
-              <a:solidFill>
-                <a:schemeClr val="tx1"/>
-              </a:solidFill>
-              <a:sym typeface="+mn-ea"/>
-            </a:endParaRPr>
-          </a:p>
-          <a:p>
-            <a:pPr algn="l"/>
-            <a:r>
-              <a:rPr lang="zh-CN" altLang="en-US" sz="1200">
-                <a:solidFill>
-                  <a:schemeClr val="tx1"/>
-                </a:solidFill>
-                <a:sym typeface="+mn-ea"/>
-              </a:rPr>
-              <a:t>        byte[] bytes = new byte[1000];</a:t>
-            </a:r>
-            <a:endParaRPr lang="zh-CN" altLang="en-US" sz="1200">
-              <a:solidFill>
-                <a:schemeClr val="tx1"/>
-              </a:solidFill>
-              <a:sym typeface="+mn-ea"/>
-            </a:endParaRPr>
-          </a:p>
-          <a:p>
-            <a:pPr algn="l"/>
-            <a:r>
-              <a:rPr lang="zh-CN" altLang="en-US" sz="1200">
-                <a:solidFill>
-                  <a:schemeClr val="tx1"/>
-                </a:solidFill>
-                <a:sym typeface="+mn-ea"/>
-              </a:rPr>
-              <a:t>        while ((len = inputStream.read(bytes)) != -1) {</a:t>
-            </a:r>
-            <a:endParaRPr lang="zh-CN" altLang="en-US" sz="1200">
-              <a:solidFill>
-                <a:schemeClr val="tx1"/>
-              </a:solidFill>
-              <a:sym typeface="+mn-ea"/>
-            </a:endParaRPr>
-          </a:p>
-          <a:p>
-            <a:pPr algn="l"/>
-            <a:r>
-              <a:rPr lang="zh-CN" altLang="en-US" sz="1200">
-                <a:solidFill>
-                  <a:schemeClr val="tx1"/>
-                </a:solidFill>
-                <a:sym typeface="+mn-ea"/>
-              </a:rPr>
-              <a:t>            outputStream.write(bytes, 0, len);</a:t>
-            </a:r>
-            <a:endParaRPr lang="zh-CN" altLang="en-US" sz="1200">
-              <a:solidFill>
-                <a:schemeClr val="tx1"/>
-              </a:solidFill>
-              <a:sym typeface="+mn-ea"/>
-            </a:endParaRPr>
-          </a:p>
-          <a:p>
-            <a:pPr algn="l"/>
-            <a:r>
-              <a:rPr lang="zh-CN" altLang="en-US" sz="1200">
-                <a:solidFill>
-                  <a:schemeClr val="tx1"/>
-                </a:solidFill>
-                <a:sym typeface="+mn-ea"/>
-              </a:rPr>
-              <a:t>        }</a:t>
-            </a:r>
-            <a:endParaRPr lang="zh-CN" altLang="en-US" sz="1200">
-              <a:solidFill>
-                <a:schemeClr val="tx1"/>
-              </a:solidFill>
-              <a:sym typeface="+mn-ea"/>
-            </a:endParaRPr>
-          </a:p>
-          <a:p>
-            <a:pPr algn="l"/>
-            <a:r>
-              <a:rPr lang="zh-CN" altLang="en-US" sz="1200">
-                <a:solidFill>
-                  <a:schemeClr val="tx1"/>
-                </a:solidFill>
-                <a:sym typeface="+mn-ea"/>
-              </a:rPr>
-              <a:t>        </a:t>
-            </a:r>
-            <a:endParaRPr lang="zh-CN" altLang="en-US" sz="1200">
-              <a:solidFill>
-                <a:schemeClr val="tx1"/>
-              </a:solidFill>
-              <a:sym typeface="+mn-ea"/>
-            </a:endParaRPr>
-          </a:p>
-          <a:p>
-            <a:pPr algn="l"/>
-            <a:r>
-              <a:rPr lang="zh-CN" altLang="en-US" sz="1200">
-                <a:solidFill>
-                  <a:schemeClr val="tx1"/>
-                </a:solidFill>
-                <a:sym typeface="+mn-ea"/>
-              </a:rPr>
-              <a:t>        inputStream.close();</a:t>
-            </a:r>
-            <a:endParaRPr lang="zh-CN" altLang="en-US" sz="1200">
-              <a:solidFill>
-                <a:schemeClr val="tx1"/>
-              </a:solidFill>
-              <a:sym typeface="+mn-ea"/>
-            </a:endParaRPr>
-          </a:p>
-          <a:p>
-            <a:pPr algn="l"/>
-            <a:r>
-              <a:rPr lang="zh-CN" altLang="en-US" sz="1200">
-                <a:solidFill>
-                  <a:schemeClr val="tx1"/>
-                </a:solidFill>
-                <a:sym typeface="+mn-ea"/>
-              </a:rPr>
-              <a:t>        outputStream.close();</a:t>
-            </a:r>
-            <a:endParaRPr lang="zh-CN" altLang="en-US" sz="1200">
-              <a:solidFill>
-                <a:schemeClr val="tx1"/>
-              </a:solidFill>
-              <a:sym typeface="+mn-ea"/>
-            </a:endParaRPr>
-          </a:p>
-          <a:p>
-            <a:pPr algn="l"/>
-            <a:r>
-              <a:rPr lang="zh-CN" altLang="en-US" sz="1200">
-                <a:solidFill>
-                  <a:schemeClr val="tx1"/>
-                </a:solidFill>
-                <a:sym typeface="+mn-ea"/>
-              </a:rPr>
-              <a:t>    }</a:t>
-            </a:r>
-            <a:endParaRPr lang="zh-CN" altLang="en-US" sz="1200">
-              <a:solidFill>
-                <a:schemeClr val="tx1"/>
-              </a:solidFill>
-              <a:sym typeface="+mn-ea"/>
-            </a:endParaRPr>
-          </a:p>
-        </p:txBody>
-      </p:sp>
-      <p:sp>
-        <p:nvSpPr>
-          <p:cNvPr id="5" name="矩形 4"/>
-          <p:cNvSpPr/>
-          <p:nvPr/>
-        </p:nvSpPr>
-        <p:spPr>
-          <a:xfrm>
-            <a:off x="9603105" y="3956050"/>
-            <a:ext cx="2178685" cy="456565"/>
+            <a:off x="350520" y="5791835"/>
+            <a:ext cx="1133475" cy="456565"/>
           </a:xfrm>
           <a:prstGeom prst="rect">
             <a:avLst/>
@@ -16119,12 +15074,4395 @@
         <p:txBody>
           <a:bodyPr rtlCol="0" anchor="ctr"/>
           <a:p>
+            <a:pPr algn="l"/>
+            <a:r>
+              <a:rPr lang="zh-CN" altLang="en-US" sz="1400">
+                <a:solidFill>
+                  <a:schemeClr val="bg1"/>
+                </a:solidFill>
+                <a:latin typeface="+mn-ea"/>
+                <a:cs typeface="+mn-ea"/>
+                <a:sym typeface="+mn-ea"/>
+              </a:rPr>
+              <a:t>字符流方式</a:t>
+            </a:r>
+            <a:endParaRPr lang="zh-CN" altLang="en-US" sz="1400" b="1">
+              <a:solidFill>
+                <a:schemeClr val="bg1"/>
+              </a:solidFill>
+              <a:latin typeface="+mn-ea"/>
+              <a:cs typeface="+mn-ea"/>
+              <a:sym typeface="+mn-ea"/>
+            </a:endParaRPr>
+          </a:p>
+        </p:txBody>
+      </p:sp>
+      <p:sp>
+        <p:nvSpPr>
+          <p:cNvPr id="16" name="矩形 15"/>
+          <p:cNvSpPr/>
+          <p:nvPr/>
+        </p:nvSpPr>
+        <p:spPr>
+          <a:xfrm>
+            <a:off x="666750" y="1830070"/>
+            <a:ext cx="2012950" cy="1466215"/>
+          </a:xfrm>
+          <a:prstGeom prst="rect">
+            <a:avLst/>
+          </a:prstGeom>
+          <a:noFill/>
+          <a:ln w="28575">
+            <a:solidFill>
+              <a:srgbClr val="36A44E"/>
+            </a:solidFill>
+          </a:ln>
+          <a:extLst>
+            <a:ext uri="{909E8E84-426E-40DD-AFC4-6F175D3DCCD1}">
+              <a14:hiddenFill xmlns:a14="http://schemas.microsoft.com/office/drawing/2010/main">
+                <a:solidFill>
+                  <a:schemeClr val="accent1"/>
+                </a:solidFill>
+              </a14:hiddenFill>
+            </a:ext>
+          </a:extLst>
+        </p:spPr>
+        <p:style>
+          <a:lnRef idx="2">
+            <a:schemeClr val="accent1">
+              <a:shade val="50000"/>
+            </a:schemeClr>
+          </a:lnRef>
+          <a:fillRef idx="1">
+            <a:schemeClr val="accent1"/>
+          </a:fillRef>
+          <a:effectRef idx="0">
+            <a:schemeClr val="accent1"/>
+          </a:effectRef>
+          <a:fontRef idx="minor">
+            <a:schemeClr val="lt1"/>
+          </a:fontRef>
+        </p:style>
+        <p:txBody>
+          <a:bodyPr rtlCol="0" anchor="ctr"/>
+          <a:p>
             <a:pPr algn="ctr"/>
-            <a:r>
-              <a:rPr lang="zh-CN" altLang="en-US"/>
-              <a:t>追加模式</a:t>
-            </a:r>
             <a:endParaRPr lang="zh-CN" altLang="en-US"/>
+          </a:p>
+        </p:txBody>
+      </p:sp>
+      <p:sp>
+        <p:nvSpPr>
+          <p:cNvPr id="17" name="矩形 16"/>
+          <p:cNvSpPr/>
+          <p:nvPr/>
+        </p:nvSpPr>
+        <p:spPr>
+          <a:xfrm>
+            <a:off x="9410065" y="1830070"/>
+            <a:ext cx="2012950" cy="1466215"/>
+          </a:xfrm>
+          <a:prstGeom prst="rect">
+            <a:avLst/>
+          </a:prstGeom>
+          <a:noFill/>
+          <a:ln w="28575">
+            <a:solidFill>
+              <a:srgbClr val="36A44E"/>
+            </a:solidFill>
+          </a:ln>
+          <a:extLst>
+            <a:ext uri="{909E8E84-426E-40DD-AFC4-6F175D3DCCD1}">
+              <a14:hiddenFill xmlns:a14="http://schemas.microsoft.com/office/drawing/2010/main">
+                <a:solidFill>
+                  <a:schemeClr val="accent1"/>
+                </a:solidFill>
+              </a14:hiddenFill>
+            </a:ext>
+          </a:extLst>
+        </p:spPr>
+        <p:style>
+          <a:lnRef idx="2">
+            <a:schemeClr val="accent1">
+              <a:shade val="50000"/>
+            </a:schemeClr>
+          </a:lnRef>
+          <a:fillRef idx="1">
+            <a:schemeClr val="accent1"/>
+          </a:fillRef>
+          <a:effectRef idx="0">
+            <a:schemeClr val="accent1"/>
+          </a:effectRef>
+          <a:fontRef idx="minor">
+            <a:schemeClr val="lt1"/>
+          </a:fontRef>
+        </p:style>
+        <p:txBody>
+          <a:bodyPr rtlCol="0" anchor="ctr"/>
+          <a:p>
+            <a:pPr algn="ctr"/>
+            <a:endParaRPr lang="zh-CN" altLang="en-US"/>
+          </a:p>
+        </p:txBody>
+      </p:sp>
+      <p:sp>
+        <p:nvSpPr>
+          <p:cNvPr id="18" name="矩形 17"/>
+          <p:cNvSpPr/>
+          <p:nvPr/>
+        </p:nvSpPr>
+        <p:spPr>
+          <a:xfrm>
+            <a:off x="655320" y="4043045"/>
+            <a:ext cx="2012950" cy="1466215"/>
+          </a:xfrm>
+          <a:prstGeom prst="rect">
+            <a:avLst/>
+          </a:prstGeom>
+          <a:noFill/>
+          <a:ln w="28575">
+            <a:solidFill>
+              <a:srgbClr val="36A44E"/>
+            </a:solidFill>
+          </a:ln>
+          <a:extLst>
+            <a:ext uri="{909E8E84-426E-40DD-AFC4-6F175D3DCCD1}">
+              <a14:hiddenFill xmlns:a14="http://schemas.microsoft.com/office/drawing/2010/main">
+                <a:solidFill>
+                  <a:schemeClr val="accent1"/>
+                </a:solidFill>
+              </a14:hiddenFill>
+            </a:ext>
+          </a:extLst>
+        </p:spPr>
+        <p:style>
+          <a:lnRef idx="2">
+            <a:schemeClr val="accent1">
+              <a:shade val="50000"/>
+            </a:schemeClr>
+          </a:lnRef>
+          <a:fillRef idx="1">
+            <a:schemeClr val="accent1"/>
+          </a:fillRef>
+          <a:effectRef idx="0">
+            <a:schemeClr val="accent1"/>
+          </a:effectRef>
+          <a:fontRef idx="minor">
+            <a:schemeClr val="lt1"/>
+          </a:fontRef>
+        </p:style>
+        <p:txBody>
+          <a:bodyPr rtlCol="0" anchor="ctr"/>
+          <a:p>
+            <a:pPr algn="ctr"/>
+            <a:endParaRPr lang="zh-CN" altLang="en-US"/>
+          </a:p>
+        </p:txBody>
+      </p:sp>
+      <p:sp>
+        <p:nvSpPr>
+          <p:cNvPr id="19" name="矩形 18"/>
+          <p:cNvSpPr/>
+          <p:nvPr/>
+        </p:nvSpPr>
+        <p:spPr>
+          <a:xfrm>
+            <a:off x="9398635" y="4043045"/>
+            <a:ext cx="2012950" cy="1466215"/>
+          </a:xfrm>
+          <a:prstGeom prst="rect">
+            <a:avLst/>
+          </a:prstGeom>
+          <a:noFill/>
+          <a:ln w="28575">
+            <a:solidFill>
+              <a:srgbClr val="36A44E"/>
+            </a:solidFill>
+          </a:ln>
+          <a:extLst>
+            <a:ext uri="{909E8E84-426E-40DD-AFC4-6F175D3DCCD1}">
+              <a14:hiddenFill xmlns:a14="http://schemas.microsoft.com/office/drawing/2010/main">
+                <a:solidFill>
+                  <a:schemeClr val="accent1"/>
+                </a:solidFill>
+              </a14:hiddenFill>
+            </a:ext>
+          </a:extLst>
+        </p:spPr>
+        <p:style>
+          <a:lnRef idx="2">
+            <a:schemeClr val="accent1">
+              <a:shade val="50000"/>
+            </a:schemeClr>
+          </a:lnRef>
+          <a:fillRef idx="1">
+            <a:schemeClr val="accent1"/>
+          </a:fillRef>
+          <a:effectRef idx="0">
+            <a:schemeClr val="accent1"/>
+          </a:effectRef>
+          <a:fontRef idx="minor">
+            <a:schemeClr val="lt1"/>
+          </a:fontRef>
+        </p:style>
+        <p:txBody>
+          <a:bodyPr rtlCol="0" anchor="ctr"/>
+          <a:p>
+            <a:pPr algn="ctr"/>
+            <a:endParaRPr lang="zh-CN" altLang="en-US"/>
+          </a:p>
+        </p:txBody>
+      </p:sp>
+      <p:sp>
+        <p:nvSpPr>
+          <p:cNvPr id="22" name="矩形 21"/>
+          <p:cNvSpPr/>
+          <p:nvPr/>
+        </p:nvSpPr>
+        <p:spPr>
+          <a:xfrm>
+            <a:off x="535305" y="1708785"/>
+            <a:ext cx="520700" cy="303530"/>
+          </a:xfrm>
+          <a:prstGeom prst="rect">
+            <a:avLst/>
+          </a:prstGeom>
+          <a:solidFill>
+            <a:schemeClr val="bg1">
+              <a:lumMod val="50000"/>
+            </a:schemeClr>
+          </a:solidFill>
+          <a:ln>
+            <a:solidFill>
+              <a:schemeClr val="bg1"/>
+            </a:solidFill>
+          </a:ln>
+        </p:spPr>
+        <p:style>
+          <a:lnRef idx="2">
+            <a:schemeClr val="accent1">
+              <a:shade val="50000"/>
+            </a:schemeClr>
+          </a:lnRef>
+          <a:fillRef idx="1">
+            <a:schemeClr val="accent1"/>
+          </a:fillRef>
+          <a:effectRef idx="0">
+            <a:schemeClr val="accent1"/>
+          </a:effectRef>
+          <a:fontRef idx="minor">
+            <a:schemeClr val="lt1"/>
+          </a:fontRef>
+        </p:style>
+        <p:txBody>
+          <a:bodyPr rtlCol="0" anchor="ctr"/>
+          <a:p>
+            <a:pPr algn="ctr"/>
+            <a:r>
+              <a:rPr lang="zh-CN" altLang="en-US" sz="1200">
+                <a:latin typeface="+mn-ea"/>
+                <a:cs typeface="宋体" panose="02010600030101010101" pitchFamily="2" charset="-122"/>
+                <a:sym typeface="+mn-ea"/>
+              </a:rPr>
+              <a:t>房屋</a:t>
+            </a:r>
+            <a:endParaRPr lang="zh-CN" altLang="en-US" sz="1200" b="1">
+              <a:solidFill>
+                <a:schemeClr val="bg1"/>
+              </a:solidFill>
+              <a:latin typeface="+mn-ea"/>
+              <a:cs typeface="宋体" panose="02010600030101010101" pitchFamily="2" charset="-122"/>
+              <a:sym typeface="+mn-ea"/>
+            </a:endParaRPr>
+          </a:p>
+        </p:txBody>
+      </p:sp>
+      <p:sp>
+        <p:nvSpPr>
+          <p:cNvPr id="23" name="矩形 22"/>
+          <p:cNvSpPr/>
+          <p:nvPr/>
+        </p:nvSpPr>
+        <p:spPr>
+          <a:xfrm>
+            <a:off x="523875" y="3893820"/>
+            <a:ext cx="520700" cy="303530"/>
+          </a:xfrm>
+          <a:prstGeom prst="rect">
+            <a:avLst/>
+          </a:prstGeom>
+          <a:solidFill>
+            <a:schemeClr val="bg1">
+              <a:lumMod val="50000"/>
+            </a:schemeClr>
+          </a:solidFill>
+          <a:ln>
+            <a:solidFill>
+              <a:schemeClr val="bg1"/>
+            </a:solidFill>
+          </a:ln>
+        </p:spPr>
+        <p:style>
+          <a:lnRef idx="2">
+            <a:schemeClr val="accent1">
+              <a:shade val="50000"/>
+            </a:schemeClr>
+          </a:lnRef>
+          <a:fillRef idx="1">
+            <a:schemeClr val="accent1"/>
+          </a:fillRef>
+          <a:effectRef idx="0">
+            <a:schemeClr val="accent1"/>
+          </a:effectRef>
+          <a:fontRef idx="minor">
+            <a:schemeClr val="lt1"/>
+          </a:fontRef>
+        </p:style>
+        <p:txBody>
+          <a:bodyPr rtlCol="0" anchor="ctr"/>
+          <a:p>
+            <a:pPr algn="ctr"/>
+            <a:r>
+              <a:rPr lang="zh-CN" altLang="en-US" sz="1200">
+                <a:latin typeface="+mn-ea"/>
+                <a:cs typeface="宋体" panose="02010600030101010101" pitchFamily="2" charset="-122"/>
+                <a:sym typeface="+mn-ea"/>
+              </a:rPr>
+              <a:t>房屋</a:t>
+            </a:r>
+            <a:endParaRPr lang="zh-CN" altLang="en-US" sz="1200" b="1">
+              <a:solidFill>
+                <a:schemeClr val="bg1"/>
+              </a:solidFill>
+              <a:latin typeface="+mn-ea"/>
+              <a:cs typeface="宋体" panose="02010600030101010101" pitchFamily="2" charset="-122"/>
+              <a:sym typeface="+mn-ea"/>
+            </a:endParaRPr>
+          </a:p>
+        </p:txBody>
+      </p:sp>
+      <p:sp>
+        <p:nvSpPr>
+          <p:cNvPr id="24" name="矩形 23"/>
+          <p:cNvSpPr/>
+          <p:nvPr/>
+        </p:nvSpPr>
+        <p:spPr>
+          <a:xfrm>
+            <a:off x="9285605" y="3893820"/>
+            <a:ext cx="520700" cy="303530"/>
+          </a:xfrm>
+          <a:prstGeom prst="rect">
+            <a:avLst/>
+          </a:prstGeom>
+          <a:solidFill>
+            <a:schemeClr val="bg1">
+              <a:lumMod val="50000"/>
+            </a:schemeClr>
+          </a:solidFill>
+          <a:ln>
+            <a:solidFill>
+              <a:schemeClr val="bg1"/>
+            </a:solidFill>
+          </a:ln>
+        </p:spPr>
+        <p:style>
+          <a:lnRef idx="2">
+            <a:schemeClr val="accent1">
+              <a:shade val="50000"/>
+            </a:schemeClr>
+          </a:lnRef>
+          <a:fillRef idx="1">
+            <a:schemeClr val="accent1"/>
+          </a:fillRef>
+          <a:effectRef idx="0">
+            <a:schemeClr val="accent1"/>
+          </a:effectRef>
+          <a:fontRef idx="minor">
+            <a:schemeClr val="lt1"/>
+          </a:fontRef>
+        </p:style>
+        <p:txBody>
+          <a:bodyPr rtlCol="0" anchor="ctr"/>
+          <a:p>
+            <a:pPr algn="ctr"/>
+            <a:r>
+              <a:rPr lang="zh-CN" altLang="en-US" sz="1200">
+                <a:latin typeface="+mn-ea"/>
+                <a:cs typeface="宋体" panose="02010600030101010101" pitchFamily="2" charset="-122"/>
+                <a:sym typeface="+mn-ea"/>
+              </a:rPr>
+              <a:t>房屋</a:t>
+            </a:r>
+            <a:endParaRPr lang="zh-CN" altLang="en-US" sz="1200" b="1">
+              <a:solidFill>
+                <a:schemeClr val="bg1"/>
+              </a:solidFill>
+              <a:latin typeface="+mn-ea"/>
+              <a:cs typeface="宋体" panose="02010600030101010101" pitchFamily="2" charset="-122"/>
+              <a:sym typeface="+mn-ea"/>
+            </a:endParaRPr>
+          </a:p>
+        </p:txBody>
+      </p:sp>
+      <p:sp>
+        <p:nvSpPr>
+          <p:cNvPr id="26" name="矩形 25"/>
+          <p:cNvSpPr/>
+          <p:nvPr/>
+        </p:nvSpPr>
+        <p:spPr>
+          <a:xfrm>
+            <a:off x="9297035" y="1708785"/>
+            <a:ext cx="520700" cy="303530"/>
+          </a:xfrm>
+          <a:prstGeom prst="rect">
+            <a:avLst/>
+          </a:prstGeom>
+          <a:solidFill>
+            <a:schemeClr val="bg1">
+              <a:lumMod val="50000"/>
+            </a:schemeClr>
+          </a:solidFill>
+          <a:ln>
+            <a:solidFill>
+              <a:schemeClr val="bg1"/>
+            </a:solidFill>
+          </a:ln>
+        </p:spPr>
+        <p:style>
+          <a:lnRef idx="2">
+            <a:schemeClr val="accent1">
+              <a:shade val="50000"/>
+            </a:schemeClr>
+          </a:lnRef>
+          <a:fillRef idx="1">
+            <a:schemeClr val="accent1"/>
+          </a:fillRef>
+          <a:effectRef idx="0">
+            <a:schemeClr val="accent1"/>
+          </a:effectRef>
+          <a:fontRef idx="minor">
+            <a:schemeClr val="lt1"/>
+          </a:fontRef>
+        </p:style>
+        <p:txBody>
+          <a:bodyPr rtlCol="0" anchor="ctr"/>
+          <a:p>
+            <a:pPr algn="ctr"/>
+            <a:r>
+              <a:rPr lang="zh-CN" altLang="en-US" sz="1200">
+                <a:latin typeface="+mn-ea"/>
+                <a:cs typeface="宋体" panose="02010600030101010101" pitchFamily="2" charset="-122"/>
+                <a:sym typeface="+mn-ea"/>
+              </a:rPr>
+              <a:t>房屋</a:t>
+            </a:r>
+            <a:endParaRPr lang="zh-CN" altLang="en-US" sz="1200" b="1">
+              <a:solidFill>
+                <a:schemeClr val="bg1"/>
+              </a:solidFill>
+              <a:latin typeface="+mn-ea"/>
+              <a:cs typeface="宋体" panose="02010600030101010101" pitchFamily="2" charset="-122"/>
+              <a:sym typeface="+mn-ea"/>
+            </a:endParaRPr>
+          </a:p>
+        </p:txBody>
+      </p:sp>
+      <p:sp>
+        <p:nvSpPr>
+          <p:cNvPr id="27" name="椭圆 26"/>
+          <p:cNvSpPr/>
+          <p:nvPr/>
+        </p:nvSpPr>
+        <p:spPr>
+          <a:xfrm>
+            <a:off x="894715" y="2167255"/>
+            <a:ext cx="182245" cy="181610"/>
+          </a:xfrm>
+          <a:prstGeom prst="ellipse">
+            <a:avLst/>
+          </a:prstGeom>
+        </p:spPr>
+        <p:style>
+          <a:lnRef idx="2">
+            <a:schemeClr val="accent1">
+              <a:shade val="50000"/>
+            </a:schemeClr>
+          </a:lnRef>
+          <a:fillRef idx="1">
+            <a:schemeClr val="accent1"/>
+          </a:fillRef>
+          <a:effectRef idx="0">
+            <a:schemeClr val="accent1"/>
+          </a:effectRef>
+          <a:fontRef idx="minor">
+            <a:schemeClr val="lt1"/>
+          </a:fontRef>
+        </p:style>
+        <p:txBody>
+          <a:bodyPr rtlCol="0" anchor="ctr"/>
+          <a:p>
+            <a:pPr algn="ctr"/>
+            <a:endParaRPr lang="zh-CN" altLang="en-US"/>
+          </a:p>
+        </p:txBody>
+      </p:sp>
+      <p:sp>
+        <p:nvSpPr>
+          <p:cNvPr id="28" name="椭圆 27"/>
+          <p:cNvSpPr/>
+          <p:nvPr/>
+        </p:nvSpPr>
+        <p:spPr>
+          <a:xfrm>
+            <a:off x="1222375" y="2148840"/>
+            <a:ext cx="182245" cy="181610"/>
+          </a:xfrm>
+          <a:prstGeom prst="ellipse">
+            <a:avLst/>
+          </a:prstGeom>
+        </p:spPr>
+        <p:style>
+          <a:lnRef idx="2">
+            <a:schemeClr val="accent1">
+              <a:shade val="50000"/>
+            </a:schemeClr>
+          </a:lnRef>
+          <a:fillRef idx="1">
+            <a:schemeClr val="accent1"/>
+          </a:fillRef>
+          <a:effectRef idx="0">
+            <a:schemeClr val="accent1"/>
+          </a:effectRef>
+          <a:fontRef idx="minor">
+            <a:schemeClr val="lt1"/>
+          </a:fontRef>
+        </p:style>
+        <p:txBody>
+          <a:bodyPr rtlCol="0" anchor="ctr"/>
+          <a:p>
+            <a:pPr algn="ctr"/>
+            <a:endParaRPr lang="zh-CN" altLang="en-US"/>
+          </a:p>
+        </p:txBody>
+      </p:sp>
+      <p:sp>
+        <p:nvSpPr>
+          <p:cNvPr id="29" name="椭圆 28"/>
+          <p:cNvSpPr/>
+          <p:nvPr/>
+        </p:nvSpPr>
+        <p:spPr>
+          <a:xfrm>
+            <a:off x="1210945" y="2679700"/>
+            <a:ext cx="182245" cy="181610"/>
+          </a:xfrm>
+          <a:prstGeom prst="ellipse">
+            <a:avLst/>
+          </a:prstGeom>
+        </p:spPr>
+        <p:style>
+          <a:lnRef idx="2">
+            <a:schemeClr val="accent1">
+              <a:shade val="50000"/>
+            </a:schemeClr>
+          </a:lnRef>
+          <a:fillRef idx="1">
+            <a:schemeClr val="accent1"/>
+          </a:fillRef>
+          <a:effectRef idx="0">
+            <a:schemeClr val="accent1"/>
+          </a:effectRef>
+          <a:fontRef idx="minor">
+            <a:schemeClr val="lt1"/>
+          </a:fontRef>
+        </p:style>
+        <p:txBody>
+          <a:bodyPr rtlCol="0" anchor="ctr"/>
+          <a:p>
+            <a:pPr algn="ctr"/>
+            <a:endParaRPr lang="zh-CN" altLang="en-US"/>
+          </a:p>
+        </p:txBody>
+      </p:sp>
+      <p:sp>
+        <p:nvSpPr>
+          <p:cNvPr id="30" name="椭圆 29"/>
+          <p:cNvSpPr/>
+          <p:nvPr/>
+        </p:nvSpPr>
+        <p:spPr>
+          <a:xfrm>
+            <a:off x="1750695" y="2348865"/>
+            <a:ext cx="182245" cy="181610"/>
+          </a:xfrm>
+          <a:prstGeom prst="ellipse">
+            <a:avLst/>
+          </a:prstGeom>
+        </p:spPr>
+        <p:style>
+          <a:lnRef idx="2">
+            <a:schemeClr val="accent1">
+              <a:shade val="50000"/>
+            </a:schemeClr>
+          </a:lnRef>
+          <a:fillRef idx="1">
+            <a:schemeClr val="accent1"/>
+          </a:fillRef>
+          <a:effectRef idx="0">
+            <a:schemeClr val="accent1"/>
+          </a:effectRef>
+          <a:fontRef idx="minor">
+            <a:schemeClr val="lt1"/>
+          </a:fontRef>
+        </p:style>
+        <p:txBody>
+          <a:bodyPr rtlCol="0" anchor="ctr"/>
+          <a:p>
+            <a:pPr algn="ctr"/>
+            <a:endParaRPr lang="zh-CN" altLang="en-US"/>
+          </a:p>
+        </p:txBody>
+      </p:sp>
+      <p:sp>
+        <p:nvSpPr>
+          <p:cNvPr id="31" name="椭圆 30"/>
+          <p:cNvSpPr/>
+          <p:nvPr/>
+        </p:nvSpPr>
+        <p:spPr>
+          <a:xfrm>
+            <a:off x="1677670" y="2653665"/>
+            <a:ext cx="182245" cy="181610"/>
+          </a:xfrm>
+          <a:prstGeom prst="ellipse">
+            <a:avLst/>
+          </a:prstGeom>
+        </p:spPr>
+        <p:style>
+          <a:lnRef idx="2">
+            <a:schemeClr val="accent1">
+              <a:shade val="50000"/>
+            </a:schemeClr>
+          </a:lnRef>
+          <a:fillRef idx="1">
+            <a:schemeClr val="accent1"/>
+          </a:fillRef>
+          <a:effectRef idx="0">
+            <a:schemeClr val="accent1"/>
+          </a:effectRef>
+          <a:fontRef idx="minor">
+            <a:schemeClr val="lt1"/>
+          </a:fontRef>
+        </p:style>
+        <p:txBody>
+          <a:bodyPr rtlCol="0" anchor="ctr"/>
+          <a:p>
+            <a:pPr algn="ctr"/>
+            <a:endParaRPr lang="zh-CN" altLang="en-US"/>
+          </a:p>
+        </p:txBody>
+      </p:sp>
+      <p:sp>
+        <p:nvSpPr>
+          <p:cNvPr id="32" name="椭圆 31"/>
+          <p:cNvSpPr/>
+          <p:nvPr/>
+        </p:nvSpPr>
+        <p:spPr>
+          <a:xfrm>
+            <a:off x="1076960" y="1921510"/>
+            <a:ext cx="182245" cy="181610"/>
+          </a:xfrm>
+          <a:prstGeom prst="ellipse">
+            <a:avLst/>
+          </a:prstGeom>
+        </p:spPr>
+        <p:style>
+          <a:lnRef idx="2">
+            <a:schemeClr val="accent1">
+              <a:shade val="50000"/>
+            </a:schemeClr>
+          </a:lnRef>
+          <a:fillRef idx="1">
+            <a:schemeClr val="accent1"/>
+          </a:fillRef>
+          <a:effectRef idx="0">
+            <a:schemeClr val="accent1"/>
+          </a:effectRef>
+          <a:fontRef idx="minor">
+            <a:schemeClr val="lt1"/>
+          </a:fontRef>
+        </p:style>
+        <p:txBody>
+          <a:bodyPr rtlCol="0" anchor="ctr"/>
+          <a:p>
+            <a:pPr algn="ctr"/>
+            <a:endParaRPr lang="zh-CN" altLang="en-US"/>
+          </a:p>
+        </p:txBody>
+      </p:sp>
+      <p:sp>
+        <p:nvSpPr>
+          <p:cNvPr id="33" name="椭圆 32"/>
+          <p:cNvSpPr/>
+          <p:nvPr/>
+        </p:nvSpPr>
+        <p:spPr>
+          <a:xfrm>
+            <a:off x="1932940" y="2012315"/>
+            <a:ext cx="182245" cy="181610"/>
+          </a:xfrm>
+          <a:prstGeom prst="ellipse">
+            <a:avLst/>
+          </a:prstGeom>
+        </p:spPr>
+        <p:style>
+          <a:lnRef idx="2">
+            <a:schemeClr val="accent1">
+              <a:shade val="50000"/>
+            </a:schemeClr>
+          </a:lnRef>
+          <a:fillRef idx="1">
+            <a:schemeClr val="accent1"/>
+          </a:fillRef>
+          <a:effectRef idx="0">
+            <a:schemeClr val="accent1"/>
+          </a:effectRef>
+          <a:fontRef idx="minor">
+            <a:schemeClr val="lt1"/>
+          </a:fontRef>
+        </p:style>
+        <p:txBody>
+          <a:bodyPr rtlCol="0" anchor="ctr"/>
+          <a:p>
+            <a:pPr algn="ctr"/>
+            <a:endParaRPr lang="zh-CN" altLang="en-US"/>
+          </a:p>
+        </p:txBody>
+      </p:sp>
+      <p:sp>
+        <p:nvSpPr>
+          <p:cNvPr id="34" name="椭圆 33"/>
+          <p:cNvSpPr/>
+          <p:nvPr/>
+        </p:nvSpPr>
+        <p:spPr>
+          <a:xfrm>
+            <a:off x="2060575" y="2290445"/>
+            <a:ext cx="182245" cy="181610"/>
+          </a:xfrm>
+          <a:prstGeom prst="ellipse">
+            <a:avLst/>
+          </a:prstGeom>
+        </p:spPr>
+        <p:style>
+          <a:lnRef idx="2">
+            <a:schemeClr val="accent1">
+              <a:shade val="50000"/>
+            </a:schemeClr>
+          </a:lnRef>
+          <a:fillRef idx="1">
+            <a:schemeClr val="accent1"/>
+          </a:fillRef>
+          <a:effectRef idx="0">
+            <a:schemeClr val="accent1"/>
+          </a:effectRef>
+          <a:fontRef idx="minor">
+            <a:schemeClr val="lt1"/>
+          </a:fontRef>
+        </p:style>
+        <p:txBody>
+          <a:bodyPr rtlCol="0" anchor="ctr"/>
+          <a:p>
+            <a:pPr algn="ctr"/>
+            <a:endParaRPr lang="zh-CN" altLang="en-US"/>
+          </a:p>
+        </p:txBody>
+      </p:sp>
+      <p:sp>
+        <p:nvSpPr>
+          <p:cNvPr id="35" name="椭圆 34"/>
+          <p:cNvSpPr/>
+          <p:nvPr/>
+        </p:nvSpPr>
+        <p:spPr>
+          <a:xfrm>
+            <a:off x="2115185" y="2653665"/>
+            <a:ext cx="182245" cy="181610"/>
+          </a:xfrm>
+          <a:prstGeom prst="ellipse">
+            <a:avLst/>
+          </a:prstGeom>
+        </p:spPr>
+        <p:style>
+          <a:lnRef idx="2">
+            <a:schemeClr val="accent1">
+              <a:shade val="50000"/>
+            </a:schemeClr>
+          </a:lnRef>
+          <a:fillRef idx="1">
+            <a:schemeClr val="accent1"/>
+          </a:fillRef>
+          <a:effectRef idx="0">
+            <a:schemeClr val="accent1"/>
+          </a:effectRef>
+          <a:fontRef idx="minor">
+            <a:schemeClr val="lt1"/>
+          </a:fontRef>
+        </p:style>
+        <p:txBody>
+          <a:bodyPr rtlCol="0" anchor="ctr"/>
+          <a:p>
+            <a:pPr algn="ctr"/>
+            <a:endParaRPr lang="zh-CN" altLang="en-US"/>
+          </a:p>
+        </p:txBody>
+      </p:sp>
+      <p:sp>
+        <p:nvSpPr>
+          <p:cNvPr id="36" name="椭圆 35"/>
+          <p:cNvSpPr/>
+          <p:nvPr/>
+        </p:nvSpPr>
+        <p:spPr>
+          <a:xfrm>
+            <a:off x="1878330" y="2938780"/>
+            <a:ext cx="182245" cy="181610"/>
+          </a:xfrm>
+          <a:prstGeom prst="ellipse">
+            <a:avLst/>
+          </a:prstGeom>
+        </p:spPr>
+        <p:style>
+          <a:lnRef idx="2">
+            <a:schemeClr val="accent1">
+              <a:shade val="50000"/>
+            </a:schemeClr>
+          </a:lnRef>
+          <a:fillRef idx="1">
+            <a:schemeClr val="accent1"/>
+          </a:fillRef>
+          <a:effectRef idx="0">
+            <a:schemeClr val="accent1"/>
+          </a:effectRef>
+          <a:fontRef idx="minor">
+            <a:schemeClr val="lt1"/>
+          </a:fontRef>
+        </p:style>
+        <p:txBody>
+          <a:bodyPr rtlCol="0" anchor="ctr"/>
+          <a:p>
+            <a:pPr algn="ctr"/>
+            <a:endParaRPr lang="zh-CN" altLang="en-US"/>
+          </a:p>
+        </p:txBody>
+      </p:sp>
+      <p:sp>
+        <p:nvSpPr>
+          <p:cNvPr id="37" name="椭圆 36"/>
+          <p:cNvSpPr/>
+          <p:nvPr/>
+        </p:nvSpPr>
+        <p:spPr>
+          <a:xfrm>
+            <a:off x="1313180" y="2928620"/>
+            <a:ext cx="182245" cy="181610"/>
+          </a:xfrm>
+          <a:prstGeom prst="ellipse">
+            <a:avLst/>
+          </a:prstGeom>
+        </p:spPr>
+        <p:style>
+          <a:lnRef idx="2">
+            <a:schemeClr val="accent1">
+              <a:shade val="50000"/>
+            </a:schemeClr>
+          </a:lnRef>
+          <a:fillRef idx="1">
+            <a:schemeClr val="accent1"/>
+          </a:fillRef>
+          <a:effectRef idx="0">
+            <a:schemeClr val="accent1"/>
+          </a:effectRef>
+          <a:fontRef idx="minor">
+            <a:schemeClr val="lt1"/>
+          </a:fontRef>
+        </p:style>
+        <p:txBody>
+          <a:bodyPr rtlCol="0" anchor="ctr"/>
+          <a:p>
+            <a:pPr algn="ctr"/>
+            <a:endParaRPr lang="zh-CN" altLang="en-US"/>
+          </a:p>
+        </p:txBody>
+      </p:sp>
+      <p:sp>
+        <p:nvSpPr>
+          <p:cNvPr id="38" name="椭圆 37"/>
+          <p:cNvSpPr/>
+          <p:nvPr/>
+        </p:nvSpPr>
+        <p:spPr>
+          <a:xfrm>
+            <a:off x="894715" y="2757170"/>
+            <a:ext cx="182245" cy="181610"/>
+          </a:xfrm>
+          <a:prstGeom prst="ellipse">
+            <a:avLst/>
+          </a:prstGeom>
+        </p:spPr>
+        <p:style>
+          <a:lnRef idx="2">
+            <a:schemeClr val="accent1">
+              <a:shade val="50000"/>
+            </a:schemeClr>
+          </a:lnRef>
+          <a:fillRef idx="1">
+            <a:schemeClr val="accent1"/>
+          </a:fillRef>
+          <a:effectRef idx="0">
+            <a:schemeClr val="accent1"/>
+          </a:effectRef>
+          <a:fontRef idx="minor">
+            <a:schemeClr val="lt1"/>
+          </a:fontRef>
+        </p:style>
+        <p:txBody>
+          <a:bodyPr rtlCol="0" anchor="ctr"/>
+          <a:p>
+            <a:pPr algn="ctr"/>
+            <a:endParaRPr lang="zh-CN" altLang="en-US"/>
+          </a:p>
+        </p:txBody>
+      </p:sp>
+      <p:sp>
+        <p:nvSpPr>
+          <p:cNvPr id="39" name="椭圆 38"/>
+          <p:cNvSpPr/>
+          <p:nvPr/>
+        </p:nvSpPr>
+        <p:spPr>
+          <a:xfrm>
+            <a:off x="9710420" y="2194560"/>
+            <a:ext cx="182245" cy="181610"/>
+          </a:xfrm>
+          <a:prstGeom prst="ellipse">
+            <a:avLst/>
+          </a:prstGeom>
+        </p:spPr>
+        <p:style>
+          <a:lnRef idx="2">
+            <a:schemeClr val="accent1">
+              <a:shade val="50000"/>
+            </a:schemeClr>
+          </a:lnRef>
+          <a:fillRef idx="1">
+            <a:schemeClr val="accent1"/>
+          </a:fillRef>
+          <a:effectRef idx="0">
+            <a:schemeClr val="accent1"/>
+          </a:effectRef>
+          <a:fontRef idx="minor">
+            <a:schemeClr val="lt1"/>
+          </a:fontRef>
+        </p:style>
+        <p:txBody>
+          <a:bodyPr rtlCol="0" anchor="ctr"/>
+          <a:p>
+            <a:pPr algn="ctr"/>
+            <a:endParaRPr lang="zh-CN" altLang="en-US"/>
+          </a:p>
+        </p:txBody>
+      </p:sp>
+      <p:sp>
+        <p:nvSpPr>
+          <p:cNvPr id="40" name="椭圆 39"/>
+          <p:cNvSpPr/>
+          <p:nvPr/>
+        </p:nvSpPr>
+        <p:spPr>
+          <a:xfrm>
+            <a:off x="10038080" y="2176145"/>
+            <a:ext cx="182245" cy="181610"/>
+          </a:xfrm>
+          <a:prstGeom prst="ellipse">
+            <a:avLst/>
+          </a:prstGeom>
+        </p:spPr>
+        <p:style>
+          <a:lnRef idx="2">
+            <a:schemeClr val="accent1">
+              <a:shade val="50000"/>
+            </a:schemeClr>
+          </a:lnRef>
+          <a:fillRef idx="1">
+            <a:schemeClr val="accent1"/>
+          </a:fillRef>
+          <a:effectRef idx="0">
+            <a:schemeClr val="accent1"/>
+          </a:effectRef>
+          <a:fontRef idx="minor">
+            <a:schemeClr val="lt1"/>
+          </a:fontRef>
+        </p:style>
+        <p:txBody>
+          <a:bodyPr rtlCol="0" anchor="ctr"/>
+          <a:p>
+            <a:pPr algn="ctr"/>
+            <a:endParaRPr lang="zh-CN" altLang="en-US"/>
+          </a:p>
+        </p:txBody>
+      </p:sp>
+      <p:sp>
+        <p:nvSpPr>
+          <p:cNvPr id="41" name="椭圆 40"/>
+          <p:cNvSpPr/>
+          <p:nvPr/>
+        </p:nvSpPr>
+        <p:spPr>
+          <a:xfrm>
+            <a:off x="9994900" y="2679700"/>
+            <a:ext cx="182245" cy="181610"/>
+          </a:xfrm>
+          <a:prstGeom prst="ellipse">
+            <a:avLst/>
+          </a:prstGeom>
+        </p:spPr>
+        <p:style>
+          <a:lnRef idx="2">
+            <a:schemeClr val="accent1">
+              <a:shade val="50000"/>
+            </a:schemeClr>
+          </a:lnRef>
+          <a:fillRef idx="1">
+            <a:schemeClr val="accent1"/>
+          </a:fillRef>
+          <a:effectRef idx="0">
+            <a:schemeClr val="accent1"/>
+          </a:effectRef>
+          <a:fontRef idx="minor">
+            <a:schemeClr val="lt1"/>
+          </a:fontRef>
+        </p:style>
+        <p:txBody>
+          <a:bodyPr rtlCol="0" anchor="ctr"/>
+          <a:p>
+            <a:pPr algn="ctr"/>
+            <a:endParaRPr lang="zh-CN" altLang="en-US"/>
+          </a:p>
+        </p:txBody>
+      </p:sp>
+      <p:sp>
+        <p:nvSpPr>
+          <p:cNvPr id="42" name="椭圆 41"/>
+          <p:cNvSpPr/>
+          <p:nvPr/>
+        </p:nvSpPr>
+        <p:spPr>
+          <a:xfrm>
+            <a:off x="10566400" y="2376170"/>
+            <a:ext cx="182245" cy="181610"/>
+          </a:xfrm>
+          <a:prstGeom prst="ellipse">
+            <a:avLst/>
+          </a:prstGeom>
+        </p:spPr>
+        <p:style>
+          <a:lnRef idx="2">
+            <a:schemeClr val="accent1">
+              <a:shade val="50000"/>
+            </a:schemeClr>
+          </a:lnRef>
+          <a:fillRef idx="1">
+            <a:schemeClr val="accent1"/>
+          </a:fillRef>
+          <a:effectRef idx="0">
+            <a:schemeClr val="accent1"/>
+          </a:effectRef>
+          <a:fontRef idx="minor">
+            <a:schemeClr val="lt1"/>
+          </a:fontRef>
+        </p:style>
+        <p:txBody>
+          <a:bodyPr rtlCol="0" anchor="ctr"/>
+          <a:p>
+            <a:pPr algn="ctr"/>
+            <a:endParaRPr lang="zh-CN" altLang="en-US"/>
+          </a:p>
+        </p:txBody>
+      </p:sp>
+      <p:sp>
+        <p:nvSpPr>
+          <p:cNvPr id="43" name="椭圆 42"/>
+          <p:cNvSpPr/>
+          <p:nvPr/>
+        </p:nvSpPr>
+        <p:spPr>
+          <a:xfrm>
+            <a:off x="10493375" y="2680970"/>
+            <a:ext cx="182245" cy="181610"/>
+          </a:xfrm>
+          <a:prstGeom prst="ellipse">
+            <a:avLst/>
+          </a:prstGeom>
+        </p:spPr>
+        <p:style>
+          <a:lnRef idx="2">
+            <a:schemeClr val="accent1">
+              <a:shade val="50000"/>
+            </a:schemeClr>
+          </a:lnRef>
+          <a:fillRef idx="1">
+            <a:schemeClr val="accent1"/>
+          </a:fillRef>
+          <a:effectRef idx="0">
+            <a:schemeClr val="accent1"/>
+          </a:effectRef>
+          <a:fontRef idx="minor">
+            <a:schemeClr val="lt1"/>
+          </a:fontRef>
+        </p:style>
+        <p:txBody>
+          <a:bodyPr rtlCol="0" anchor="ctr"/>
+          <a:p>
+            <a:pPr algn="ctr"/>
+            <a:endParaRPr lang="zh-CN" altLang="en-US"/>
+          </a:p>
+        </p:txBody>
+      </p:sp>
+      <p:sp>
+        <p:nvSpPr>
+          <p:cNvPr id="44" name="椭圆 43"/>
+          <p:cNvSpPr/>
+          <p:nvPr/>
+        </p:nvSpPr>
+        <p:spPr>
+          <a:xfrm>
+            <a:off x="9855835" y="1967230"/>
+            <a:ext cx="182245" cy="181610"/>
+          </a:xfrm>
+          <a:prstGeom prst="ellipse">
+            <a:avLst/>
+          </a:prstGeom>
+        </p:spPr>
+        <p:style>
+          <a:lnRef idx="2">
+            <a:schemeClr val="accent1">
+              <a:shade val="50000"/>
+            </a:schemeClr>
+          </a:lnRef>
+          <a:fillRef idx="1">
+            <a:schemeClr val="accent1"/>
+          </a:fillRef>
+          <a:effectRef idx="0">
+            <a:schemeClr val="accent1"/>
+          </a:effectRef>
+          <a:fontRef idx="minor">
+            <a:schemeClr val="lt1"/>
+          </a:fontRef>
+        </p:style>
+        <p:txBody>
+          <a:bodyPr rtlCol="0" anchor="ctr"/>
+          <a:p>
+            <a:pPr algn="ctr"/>
+            <a:endParaRPr lang="zh-CN" altLang="en-US"/>
+          </a:p>
+        </p:txBody>
+      </p:sp>
+      <p:sp>
+        <p:nvSpPr>
+          <p:cNvPr id="45" name="椭圆 44"/>
+          <p:cNvSpPr/>
+          <p:nvPr/>
+        </p:nvSpPr>
+        <p:spPr>
+          <a:xfrm>
+            <a:off x="10748645" y="2039620"/>
+            <a:ext cx="182245" cy="181610"/>
+          </a:xfrm>
+          <a:prstGeom prst="ellipse">
+            <a:avLst/>
+          </a:prstGeom>
+        </p:spPr>
+        <p:style>
+          <a:lnRef idx="2">
+            <a:schemeClr val="accent1">
+              <a:shade val="50000"/>
+            </a:schemeClr>
+          </a:lnRef>
+          <a:fillRef idx="1">
+            <a:schemeClr val="accent1"/>
+          </a:fillRef>
+          <a:effectRef idx="0">
+            <a:schemeClr val="accent1"/>
+          </a:effectRef>
+          <a:fontRef idx="minor">
+            <a:schemeClr val="lt1"/>
+          </a:fontRef>
+        </p:style>
+        <p:txBody>
+          <a:bodyPr rtlCol="0" anchor="ctr"/>
+          <a:p>
+            <a:pPr algn="ctr"/>
+            <a:endParaRPr lang="zh-CN" altLang="en-US"/>
+          </a:p>
+        </p:txBody>
+      </p:sp>
+      <p:sp>
+        <p:nvSpPr>
+          <p:cNvPr id="46" name="椭圆 45"/>
+          <p:cNvSpPr/>
+          <p:nvPr/>
+        </p:nvSpPr>
+        <p:spPr>
+          <a:xfrm>
+            <a:off x="10876280" y="2317750"/>
+            <a:ext cx="182245" cy="181610"/>
+          </a:xfrm>
+          <a:prstGeom prst="ellipse">
+            <a:avLst/>
+          </a:prstGeom>
+        </p:spPr>
+        <p:style>
+          <a:lnRef idx="2">
+            <a:schemeClr val="accent1">
+              <a:shade val="50000"/>
+            </a:schemeClr>
+          </a:lnRef>
+          <a:fillRef idx="1">
+            <a:schemeClr val="accent1"/>
+          </a:fillRef>
+          <a:effectRef idx="0">
+            <a:schemeClr val="accent1"/>
+          </a:effectRef>
+          <a:fontRef idx="minor">
+            <a:schemeClr val="lt1"/>
+          </a:fontRef>
+        </p:style>
+        <p:txBody>
+          <a:bodyPr rtlCol="0" anchor="ctr"/>
+          <a:p>
+            <a:pPr algn="ctr"/>
+            <a:endParaRPr lang="zh-CN" altLang="en-US"/>
+          </a:p>
+        </p:txBody>
+      </p:sp>
+      <p:sp>
+        <p:nvSpPr>
+          <p:cNvPr id="47" name="椭圆 46"/>
+          <p:cNvSpPr/>
+          <p:nvPr/>
+        </p:nvSpPr>
+        <p:spPr>
+          <a:xfrm>
+            <a:off x="10930890" y="2680970"/>
+            <a:ext cx="182245" cy="181610"/>
+          </a:xfrm>
+          <a:prstGeom prst="ellipse">
+            <a:avLst/>
+          </a:prstGeom>
+        </p:spPr>
+        <p:style>
+          <a:lnRef idx="2">
+            <a:schemeClr val="accent1">
+              <a:shade val="50000"/>
+            </a:schemeClr>
+          </a:lnRef>
+          <a:fillRef idx="1">
+            <a:schemeClr val="accent1"/>
+          </a:fillRef>
+          <a:effectRef idx="0">
+            <a:schemeClr val="accent1"/>
+          </a:effectRef>
+          <a:fontRef idx="minor">
+            <a:schemeClr val="lt1"/>
+          </a:fontRef>
+        </p:style>
+        <p:txBody>
+          <a:bodyPr rtlCol="0" anchor="ctr"/>
+          <a:p>
+            <a:pPr algn="ctr"/>
+            <a:endParaRPr lang="zh-CN" altLang="en-US"/>
+          </a:p>
+        </p:txBody>
+      </p:sp>
+      <p:sp>
+        <p:nvSpPr>
+          <p:cNvPr id="48" name="椭圆 47"/>
+          <p:cNvSpPr/>
+          <p:nvPr/>
+        </p:nvSpPr>
+        <p:spPr>
+          <a:xfrm>
+            <a:off x="10694035" y="2966085"/>
+            <a:ext cx="182245" cy="181610"/>
+          </a:xfrm>
+          <a:prstGeom prst="ellipse">
+            <a:avLst/>
+          </a:prstGeom>
+        </p:spPr>
+        <p:style>
+          <a:lnRef idx="2">
+            <a:schemeClr val="accent1">
+              <a:shade val="50000"/>
+            </a:schemeClr>
+          </a:lnRef>
+          <a:fillRef idx="1">
+            <a:schemeClr val="accent1"/>
+          </a:fillRef>
+          <a:effectRef idx="0">
+            <a:schemeClr val="accent1"/>
+          </a:effectRef>
+          <a:fontRef idx="minor">
+            <a:schemeClr val="lt1"/>
+          </a:fontRef>
+        </p:style>
+        <p:txBody>
+          <a:bodyPr rtlCol="0" anchor="ctr"/>
+          <a:p>
+            <a:pPr algn="ctr"/>
+            <a:endParaRPr lang="zh-CN" altLang="en-US"/>
+          </a:p>
+        </p:txBody>
+      </p:sp>
+      <p:sp>
+        <p:nvSpPr>
+          <p:cNvPr id="49" name="椭圆 48"/>
+          <p:cNvSpPr/>
+          <p:nvPr/>
+        </p:nvSpPr>
+        <p:spPr>
+          <a:xfrm>
+            <a:off x="10128885" y="2955925"/>
+            <a:ext cx="182245" cy="181610"/>
+          </a:xfrm>
+          <a:prstGeom prst="ellipse">
+            <a:avLst/>
+          </a:prstGeom>
+        </p:spPr>
+        <p:style>
+          <a:lnRef idx="2">
+            <a:schemeClr val="accent1">
+              <a:shade val="50000"/>
+            </a:schemeClr>
+          </a:lnRef>
+          <a:fillRef idx="1">
+            <a:schemeClr val="accent1"/>
+          </a:fillRef>
+          <a:effectRef idx="0">
+            <a:schemeClr val="accent1"/>
+          </a:effectRef>
+          <a:fontRef idx="minor">
+            <a:schemeClr val="lt1"/>
+          </a:fontRef>
+        </p:style>
+        <p:txBody>
+          <a:bodyPr rtlCol="0" anchor="ctr"/>
+          <a:p>
+            <a:pPr algn="ctr"/>
+            <a:endParaRPr lang="zh-CN" altLang="en-US"/>
+          </a:p>
+        </p:txBody>
+      </p:sp>
+      <p:sp>
+        <p:nvSpPr>
+          <p:cNvPr id="50" name="椭圆 49"/>
+          <p:cNvSpPr/>
+          <p:nvPr/>
+        </p:nvSpPr>
+        <p:spPr>
+          <a:xfrm>
+            <a:off x="9710420" y="2784475"/>
+            <a:ext cx="182245" cy="181610"/>
+          </a:xfrm>
+          <a:prstGeom prst="ellipse">
+            <a:avLst/>
+          </a:prstGeom>
+        </p:spPr>
+        <p:style>
+          <a:lnRef idx="2">
+            <a:schemeClr val="accent1">
+              <a:shade val="50000"/>
+            </a:schemeClr>
+          </a:lnRef>
+          <a:fillRef idx="1">
+            <a:schemeClr val="accent1"/>
+          </a:fillRef>
+          <a:effectRef idx="0">
+            <a:schemeClr val="accent1"/>
+          </a:effectRef>
+          <a:fontRef idx="minor">
+            <a:schemeClr val="lt1"/>
+          </a:fontRef>
+        </p:style>
+        <p:txBody>
+          <a:bodyPr rtlCol="0" anchor="ctr"/>
+          <a:p>
+            <a:pPr algn="ctr"/>
+            <a:endParaRPr lang="zh-CN" altLang="en-US"/>
+          </a:p>
+        </p:txBody>
+      </p:sp>
+      <p:sp>
+        <p:nvSpPr>
+          <p:cNvPr id="51" name="椭圆 50"/>
+          <p:cNvSpPr/>
+          <p:nvPr/>
+        </p:nvSpPr>
+        <p:spPr>
+          <a:xfrm>
+            <a:off x="5732145" y="1590040"/>
+            <a:ext cx="182245" cy="181610"/>
+          </a:xfrm>
+          <a:prstGeom prst="ellipse">
+            <a:avLst/>
+          </a:prstGeom>
+        </p:spPr>
+        <p:style>
+          <a:lnRef idx="2">
+            <a:schemeClr val="accent1">
+              <a:shade val="50000"/>
+            </a:schemeClr>
+          </a:lnRef>
+          <a:fillRef idx="1">
+            <a:schemeClr val="accent1"/>
+          </a:fillRef>
+          <a:effectRef idx="0">
+            <a:schemeClr val="accent1"/>
+          </a:effectRef>
+          <a:fontRef idx="minor">
+            <a:schemeClr val="lt1"/>
+          </a:fontRef>
+        </p:style>
+        <p:txBody>
+          <a:bodyPr rtlCol="0" anchor="ctr"/>
+          <a:p>
+            <a:pPr algn="ctr"/>
+            <a:endParaRPr lang="zh-CN" altLang="en-US"/>
+          </a:p>
+        </p:txBody>
+      </p:sp>
+      <p:cxnSp>
+        <p:nvCxnSpPr>
+          <p:cNvPr id="52" name="直接箭头连接符 51"/>
+          <p:cNvCxnSpPr>
+            <a:stCxn id="33" idx="6"/>
+            <a:endCxn id="51" idx="2"/>
+          </p:cNvCxnSpPr>
+          <p:nvPr/>
+        </p:nvCxnSpPr>
+        <p:spPr>
+          <a:xfrm flipV="1">
+            <a:off x="2115185" y="1680845"/>
+            <a:ext cx="3616960" cy="422275"/>
+          </a:xfrm>
+          <a:prstGeom prst="straightConnector1">
+            <a:avLst/>
+          </a:prstGeom>
+          <a:ln w="28575">
+            <a:solidFill>
+              <a:srgbClr val="FF0000"/>
+            </a:solidFill>
+            <a:tailEnd type="arrow"/>
+          </a:ln>
+        </p:spPr>
+        <p:style>
+          <a:lnRef idx="1">
+            <a:schemeClr val="accent1"/>
+          </a:lnRef>
+          <a:fillRef idx="0">
+            <a:schemeClr val="accent1"/>
+          </a:fillRef>
+          <a:effectRef idx="0">
+            <a:schemeClr val="accent1"/>
+          </a:effectRef>
+          <a:fontRef idx="minor">
+            <a:schemeClr val="tx1"/>
+          </a:fontRef>
+        </p:style>
+      </p:cxnSp>
+      <p:cxnSp>
+        <p:nvCxnSpPr>
+          <p:cNvPr id="53" name="直接箭头连接符 52"/>
+          <p:cNvCxnSpPr>
+            <a:stCxn id="51" idx="6"/>
+          </p:cNvCxnSpPr>
+          <p:nvPr/>
+        </p:nvCxnSpPr>
+        <p:spPr>
+          <a:xfrm>
+            <a:off x="5914390" y="1680845"/>
+            <a:ext cx="3796030" cy="609600"/>
+          </a:xfrm>
+          <a:prstGeom prst="straightConnector1">
+            <a:avLst/>
+          </a:prstGeom>
+          <a:ln w="28575">
+            <a:solidFill>
+              <a:srgbClr val="FF0000"/>
+            </a:solidFill>
+            <a:tailEnd type="arrow"/>
+          </a:ln>
+        </p:spPr>
+        <p:style>
+          <a:lnRef idx="1">
+            <a:schemeClr val="accent1"/>
+          </a:lnRef>
+          <a:fillRef idx="0">
+            <a:schemeClr val="accent1"/>
+          </a:fillRef>
+          <a:effectRef idx="0">
+            <a:schemeClr val="accent1"/>
+          </a:effectRef>
+          <a:fontRef idx="minor">
+            <a:schemeClr val="tx1"/>
+          </a:fontRef>
+        </p:style>
+      </p:cxnSp>
+      <p:sp>
+        <p:nvSpPr>
+          <p:cNvPr id="55" name="矩形 54"/>
+          <p:cNvSpPr/>
+          <p:nvPr/>
+        </p:nvSpPr>
+        <p:spPr>
+          <a:xfrm>
+            <a:off x="1630680" y="2585085"/>
+            <a:ext cx="787400" cy="579755"/>
+          </a:xfrm>
+          <a:prstGeom prst="rect">
+            <a:avLst/>
+          </a:prstGeom>
+          <a:noFill/>
+          <a:ln w="28575">
+            <a:solidFill>
+              <a:srgbClr val="FF0000"/>
+            </a:solidFill>
+            <a:prstDash val="dash"/>
+          </a:ln>
+          <a:extLst>
+            <a:ext uri="{909E8E84-426E-40DD-AFC4-6F175D3DCCD1}">
+              <a14:hiddenFill xmlns:a14="http://schemas.microsoft.com/office/drawing/2010/main">
+                <a:solidFill>
+                  <a:schemeClr val="accent1"/>
+                </a:solidFill>
+              </a14:hiddenFill>
+            </a:ext>
+          </a:extLst>
+        </p:spPr>
+        <p:style>
+          <a:lnRef idx="2">
+            <a:schemeClr val="accent1">
+              <a:shade val="50000"/>
+            </a:schemeClr>
+          </a:lnRef>
+          <a:fillRef idx="1">
+            <a:schemeClr val="accent1"/>
+          </a:fillRef>
+          <a:effectRef idx="0">
+            <a:schemeClr val="accent1"/>
+          </a:effectRef>
+          <a:fontRef idx="minor">
+            <a:schemeClr val="lt1"/>
+          </a:fontRef>
+        </p:style>
+        <p:txBody>
+          <a:bodyPr rtlCol="0" anchor="ctr"/>
+          <a:p>
+            <a:pPr algn="ctr"/>
+            <a:endParaRPr lang="zh-CN" altLang="en-US"/>
+          </a:p>
+        </p:txBody>
+      </p:sp>
+      <p:sp>
+        <p:nvSpPr>
+          <p:cNvPr id="56" name="椭圆 55"/>
+          <p:cNvSpPr/>
+          <p:nvPr/>
+        </p:nvSpPr>
+        <p:spPr>
+          <a:xfrm>
+            <a:off x="5476240" y="2749550"/>
+            <a:ext cx="182245" cy="181610"/>
+          </a:xfrm>
+          <a:prstGeom prst="ellipse">
+            <a:avLst/>
+          </a:prstGeom>
+        </p:spPr>
+        <p:style>
+          <a:lnRef idx="2">
+            <a:schemeClr val="accent1">
+              <a:shade val="50000"/>
+            </a:schemeClr>
+          </a:lnRef>
+          <a:fillRef idx="1">
+            <a:schemeClr val="accent1"/>
+          </a:fillRef>
+          <a:effectRef idx="0">
+            <a:schemeClr val="accent1"/>
+          </a:effectRef>
+          <a:fontRef idx="minor">
+            <a:schemeClr val="lt1"/>
+          </a:fontRef>
+        </p:style>
+        <p:txBody>
+          <a:bodyPr rtlCol="0" anchor="ctr"/>
+          <a:p>
+            <a:pPr algn="ctr"/>
+            <a:endParaRPr lang="zh-CN" altLang="en-US"/>
+          </a:p>
+        </p:txBody>
+      </p:sp>
+      <p:sp>
+        <p:nvSpPr>
+          <p:cNvPr id="57" name="椭圆 56"/>
+          <p:cNvSpPr/>
+          <p:nvPr/>
+        </p:nvSpPr>
+        <p:spPr>
+          <a:xfrm>
+            <a:off x="5913755" y="2749550"/>
+            <a:ext cx="182245" cy="181610"/>
+          </a:xfrm>
+          <a:prstGeom prst="ellipse">
+            <a:avLst/>
+          </a:prstGeom>
+        </p:spPr>
+        <p:style>
+          <a:lnRef idx="2">
+            <a:schemeClr val="accent1">
+              <a:shade val="50000"/>
+            </a:schemeClr>
+          </a:lnRef>
+          <a:fillRef idx="1">
+            <a:schemeClr val="accent1"/>
+          </a:fillRef>
+          <a:effectRef idx="0">
+            <a:schemeClr val="accent1"/>
+          </a:effectRef>
+          <a:fontRef idx="minor">
+            <a:schemeClr val="lt1"/>
+          </a:fontRef>
+        </p:style>
+        <p:txBody>
+          <a:bodyPr rtlCol="0" anchor="ctr"/>
+          <a:p>
+            <a:pPr algn="ctr"/>
+            <a:endParaRPr lang="zh-CN" altLang="en-US"/>
+          </a:p>
+        </p:txBody>
+      </p:sp>
+      <p:sp>
+        <p:nvSpPr>
+          <p:cNvPr id="58" name="椭圆 57"/>
+          <p:cNvSpPr/>
+          <p:nvPr/>
+        </p:nvSpPr>
+        <p:spPr>
+          <a:xfrm>
+            <a:off x="5676900" y="3034665"/>
+            <a:ext cx="182245" cy="181610"/>
+          </a:xfrm>
+          <a:prstGeom prst="ellipse">
+            <a:avLst/>
+          </a:prstGeom>
+        </p:spPr>
+        <p:style>
+          <a:lnRef idx="2">
+            <a:schemeClr val="accent1">
+              <a:shade val="50000"/>
+            </a:schemeClr>
+          </a:lnRef>
+          <a:fillRef idx="1">
+            <a:schemeClr val="accent1"/>
+          </a:fillRef>
+          <a:effectRef idx="0">
+            <a:schemeClr val="accent1"/>
+          </a:effectRef>
+          <a:fontRef idx="minor">
+            <a:schemeClr val="lt1"/>
+          </a:fontRef>
+        </p:style>
+        <p:txBody>
+          <a:bodyPr rtlCol="0" anchor="ctr"/>
+          <a:p>
+            <a:pPr algn="ctr"/>
+            <a:endParaRPr lang="zh-CN" altLang="en-US"/>
+          </a:p>
+        </p:txBody>
+      </p:sp>
+      <p:sp>
+        <p:nvSpPr>
+          <p:cNvPr id="59" name="矩形 58"/>
+          <p:cNvSpPr/>
+          <p:nvPr/>
+        </p:nvSpPr>
+        <p:spPr>
+          <a:xfrm>
+            <a:off x="10391775" y="2636520"/>
+            <a:ext cx="787400" cy="579755"/>
+          </a:xfrm>
+          <a:prstGeom prst="rect">
+            <a:avLst/>
+          </a:prstGeom>
+          <a:noFill/>
+          <a:ln w="28575">
+            <a:solidFill>
+              <a:srgbClr val="FF0000"/>
+            </a:solidFill>
+            <a:prstDash val="dash"/>
+          </a:ln>
+          <a:extLst>
+            <a:ext uri="{909E8E84-426E-40DD-AFC4-6F175D3DCCD1}">
+              <a14:hiddenFill xmlns:a14="http://schemas.microsoft.com/office/drawing/2010/main">
+                <a:solidFill>
+                  <a:schemeClr val="accent1"/>
+                </a:solidFill>
+              </a14:hiddenFill>
+            </a:ext>
+          </a:extLst>
+        </p:spPr>
+        <p:style>
+          <a:lnRef idx="2">
+            <a:schemeClr val="accent1">
+              <a:shade val="50000"/>
+            </a:schemeClr>
+          </a:lnRef>
+          <a:fillRef idx="1">
+            <a:schemeClr val="accent1"/>
+          </a:fillRef>
+          <a:effectRef idx="0">
+            <a:schemeClr val="accent1"/>
+          </a:effectRef>
+          <a:fontRef idx="minor">
+            <a:schemeClr val="lt1"/>
+          </a:fontRef>
+        </p:style>
+        <p:txBody>
+          <a:bodyPr rtlCol="0" anchor="ctr"/>
+          <a:p>
+            <a:pPr algn="ctr"/>
+            <a:endParaRPr lang="zh-CN" altLang="en-US"/>
+          </a:p>
+        </p:txBody>
+      </p:sp>
+      <p:sp>
+        <p:nvSpPr>
+          <p:cNvPr id="60" name="矩形 59"/>
+          <p:cNvSpPr/>
+          <p:nvPr/>
+        </p:nvSpPr>
+        <p:spPr>
+          <a:xfrm>
+            <a:off x="5374640" y="2653665"/>
+            <a:ext cx="787400" cy="579755"/>
+          </a:xfrm>
+          <a:prstGeom prst="rect">
+            <a:avLst/>
+          </a:prstGeom>
+          <a:noFill/>
+          <a:ln w="28575">
+            <a:solidFill>
+              <a:srgbClr val="FF0000"/>
+            </a:solidFill>
+            <a:prstDash val="solid"/>
+          </a:ln>
+          <a:extLst>
+            <a:ext uri="{909E8E84-426E-40DD-AFC4-6F175D3DCCD1}">
+              <a14:hiddenFill xmlns:a14="http://schemas.microsoft.com/office/drawing/2010/main">
+                <a:solidFill>
+                  <a:schemeClr val="accent1"/>
+                </a:solidFill>
+              </a14:hiddenFill>
+            </a:ext>
+          </a:extLst>
+        </p:spPr>
+        <p:style>
+          <a:lnRef idx="2">
+            <a:schemeClr val="accent1">
+              <a:shade val="50000"/>
+            </a:schemeClr>
+          </a:lnRef>
+          <a:fillRef idx="1">
+            <a:schemeClr val="accent1"/>
+          </a:fillRef>
+          <a:effectRef idx="0">
+            <a:schemeClr val="accent1"/>
+          </a:effectRef>
+          <a:fontRef idx="minor">
+            <a:schemeClr val="lt1"/>
+          </a:fontRef>
+        </p:style>
+        <p:txBody>
+          <a:bodyPr rtlCol="0" anchor="ctr"/>
+          <a:p>
+            <a:pPr algn="ctr"/>
+            <a:endParaRPr lang="zh-CN" altLang="en-US"/>
+          </a:p>
+        </p:txBody>
+      </p:sp>
+      <p:cxnSp>
+        <p:nvCxnSpPr>
+          <p:cNvPr id="61" name="直接箭头连接符 60"/>
+          <p:cNvCxnSpPr>
+            <a:endCxn id="60" idx="1"/>
+          </p:cNvCxnSpPr>
+          <p:nvPr/>
+        </p:nvCxnSpPr>
+        <p:spPr>
+          <a:xfrm>
+            <a:off x="2115185" y="2921635"/>
+            <a:ext cx="3259455" cy="22225"/>
+          </a:xfrm>
+          <a:prstGeom prst="straightConnector1">
+            <a:avLst/>
+          </a:prstGeom>
+          <a:ln w="28575">
+            <a:solidFill>
+              <a:srgbClr val="FF0000"/>
+            </a:solidFill>
+            <a:tailEnd type="arrow"/>
+          </a:ln>
+        </p:spPr>
+        <p:style>
+          <a:lnRef idx="1">
+            <a:schemeClr val="accent1"/>
+          </a:lnRef>
+          <a:fillRef idx="0">
+            <a:schemeClr val="accent1"/>
+          </a:fillRef>
+          <a:effectRef idx="0">
+            <a:schemeClr val="accent1"/>
+          </a:effectRef>
+          <a:fontRef idx="minor">
+            <a:schemeClr val="tx1"/>
+          </a:fontRef>
+        </p:style>
+      </p:cxnSp>
+      <p:cxnSp>
+        <p:nvCxnSpPr>
+          <p:cNvPr id="62" name="直接箭头连接符 61"/>
+          <p:cNvCxnSpPr>
+            <a:stCxn id="60" idx="3"/>
+          </p:cNvCxnSpPr>
+          <p:nvPr/>
+        </p:nvCxnSpPr>
+        <p:spPr>
+          <a:xfrm flipV="1">
+            <a:off x="6162040" y="2922905"/>
+            <a:ext cx="4395470" cy="20955"/>
+          </a:xfrm>
+          <a:prstGeom prst="straightConnector1">
+            <a:avLst/>
+          </a:prstGeom>
+          <a:ln w="28575">
+            <a:solidFill>
+              <a:srgbClr val="FF0000"/>
+            </a:solidFill>
+            <a:tailEnd type="arrow"/>
+          </a:ln>
+        </p:spPr>
+        <p:style>
+          <a:lnRef idx="1">
+            <a:schemeClr val="accent1"/>
+          </a:lnRef>
+          <a:fillRef idx="0">
+            <a:schemeClr val="accent1"/>
+          </a:fillRef>
+          <a:effectRef idx="0">
+            <a:schemeClr val="accent1"/>
+          </a:effectRef>
+          <a:fontRef idx="minor">
+            <a:schemeClr val="tx1"/>
+          </a:fontRef>
+        </p:style>
+      </p:cxnSp>
+      <p:sp>
+        <p:nvSpPr>
+          <p:cNvPr id="63" name="立方体 62"/>
+          <p:cNvSpPr/>
+          <p:nvPr/>
+        </p:nvSpPr>
+        <p:spPr>
+          <a:xfrm>
+            <a:off x="810260" y="4352925"/>
+            <a:ext cx="355600" cy="346075"/>
+          </a:xfrm>
+          <a:prstGeom prst="cube">
+            <a:avLst/>
+          </a:prstGeom>
+        </p:spPr>
+        <p:style>
+          <a:lnRef idx="2">
+            <a:schemeClr val="accent1">
+              <a:shade val="50000"/>
+            </a:schemeClr>
+          </a:lnRef>
+          <a:fillRef idx="1">
+            <a:schemeClr val="accent1"/>
+          </a:fillRef>
+          <a:effectRef idx="0">
+            <a:schemeClr val="accent1"/>
+          </a:effectRef>
+          <a:fontRef idx="minor">
+            <a:schemeClr val="lt1"/>
+          </a:fontRef>
+        </p:style>
+        <p:txBody>
+          <a:bodyPr rtlCol="0" anchor="ctr"/>
+          <a:p>
+            <a:pPr algn="ctr"/>
+            <a:endParaRPr lang="zh-CN" altLang="en-US"/>
+          </a:p>
+        </p:txBody>
+      </p:sp>
+      <p:sp>
+        <p:nvSpPr>
+          <p:cNvPr id="64" name="立方体 63"/>
+          <p:cNvSpPr/>
+          <p:nvPr/>
+        </p:nvSpPr>
+        <p:spPr>
+          <a:xfrm>
+            <a:off x="1210945" y="4361815"/>
+            <a:ext cx="355600" cy="346075"/>
+          </a:xfrm>
+          <a:prstGeom prst="cube">
+            <a:avLst/>
+          </a:prstGeom>
+        </p:spPr>
+        <p:style>
+          <a:lnRef idx="2">
+            <a:schemeClr val="accent1">
+              <a:shade val="50000"/>
+            </a:schemeClr>
+          </a:lnRef>
+          <a:fillRef idx="1">
+            <a:schemeClr val="accent1"/>
+          </a:fillRef>
+          <a:effectRef idx="0">
+            <a:schemeClr val="accent1"/>
+          </a:effectRef>
+          <a:fontRef idx="minor">
+            <a:schemeClr val="lt1"/>
+          </a:fontRef>
+        </p:style>
+        <p:txBody>
+          <a:bodyPr rtlCol="0" anchor="ctr"/>
+          <a:p>
+            <a:pPr algn="ctr"/>
+            <a:endParaRPr lang="zh-CN" altLang="en-US"/>
+          </a:p>
+        </p:txBody>
+      </p:sp>
+      <p:sp>
+        <p:nvSpPr>
+          <p:cNvPr id="65" name="立方体 64"/>
+          <p:cNvSpPr/>
+          <p:nvPr/>
+        </p:nvSpPr>
+        <p:spPr>
+          <a:xfrm>
+            <a:off x="1652905" y="4352925"/>
+            <a:ext cx="355600" cy="346075"/>
+          </a:xfrm>
+          <a:prstGeom prst="cube">
+            <a:avLst/>
+          </a:prstGeom>
+        </p:spPr>
+        <p:style>
+          <a:lnRef idx="2">
+            <a:schemeClr val="accent1">
+              <a:shade val="50000"/>
+            </a:schemeClr>
+          </a:lnRef>
+          <a:fillRef idx="1">
+            <a:schemeClr val="accent1"/>
+          </a:fillRef>
+          <a:effectRef idx="0">
+            <a:schemeClr val="accent1"/>
+          </a:effectRef>
+          <a:fontRef idx="minor">
+            <a:schemeClr val="lt1"/>
+          </a:fontRef>
+        </p:style>
+        <p:txBody>
+          <a:bodyPr rtlCol="0" anchor="ctr"/>
+          <a:p>
+            <a:pPr algn="ctr"/>
+            <a:endParaRPr lang="zh-CN" altLang="en-US"/>
+          </a:p>
+        </p:txBody>
+      </p:sp>
+      <p:sp>
+        <p:nvSpPr>
+          <p:cNvPr id="66" name="立方体 65"/>
+          <p:cNvSpPr/>
+          <p:nvPr/>
+        </p:nvSpPr>
+        <p:spPr>
+          <a:xfrm>
+            <a:off x="2103755" y="4361815"/>
+            <a:ext cx="355600" cy="346075"/>
+          </a:xfrm>
+          <a:prstGeom prst="cube">
+            <a:avLst/>
+          </a:prstGeom>
+        </p:spPr>
+        <p:style>
+          <a:lnRef idx="2">
+            <a:schemeClr val="accent1">
+              <a:shade val="50000"/>
+            </a:schemeClr>
+          </a:lnRef>
+          <a:fillRef idx="1">
+            <a:schemeClr val="accent1"/>
+          </a:fillRef>
+          <a:effectRef idx="0">
+            <a:schemeClr val="accent1"/>
+          </a:effectRef>
+          <a:fontRef idx="minor">
+            <a:schemeClr val="lt1"/>
+          </a:fontRef>
+        </p:style>
+        <p:txBody>
+          <a:bodyPr rtlCol="0" anchor="ctr"/>
+          <a:p>
+            <a:pPr algn="ctr"/>
+            <a:endParaRPr lang="zh-CN" altLang="en-US"/>
+          </a:p>
+        </p:txBody>
+      </p:sp>
+      <p:sp>
+        <p:nvSpPr>
+          <p:cNvPr id="67" name="立方体 66"/>
+          <p:cNvSpPr/>
+          <p:nvPr/>
+        </p:nvSpPr>
+        <p:spPr>
+          <a:xfrm>
+            <a:off x="796925" y="4862830"/>
+            <a:ext cx="355600" cy="346075"/>
+          </a:xfrm>
+          <a:prstGeom prst="cube">
+            <a:avLst/>
+          </a:prstGeom>
+        </p:spPr>
+        <p:style>
+          <a:lnRef idx="2">
+            <a:schemeClr val="accent1">
+              <a:shade val="50000"/>
+            </a:schemeClr>
+          </a:lnRef>
+          <a:fillRef idx="1">
+            <a:schemeClr val="accent1"/>
+          </a:fillRef>
+          <a:effectRef idx="0">
+            <a:schemeClr val="accent1"/>
+          </a:effectRef>
+          <a:fontRef idx="minor">
+            <a:schemeClr val="lt1"/>
+          </a:fontRef>
+        </p:style>
+        <p:txBody>
+          <a:bodyPr rtlCol="0" anchor="ctr"/>
+          <a:p>
+            <a:pPr algn="ctr"/>
+            <a:endParaRPr lang="zh-CN" altLang="en-US"/>
+          </a:p>
+        </p:txBody>
+      </p:sp>
+      <p:sp>
+        <p:nvSpPr>
+          <p:cNvPr id="68" name="立方体 67"/>
+          <p:cNvSpPr/>
+          <p:nvPr/>
+        </p:nvSpPr>
+        <p:spPr>
+          <a:xfrm>
+            <a:off x="1197610" y="4871720"/>
+            <a:ext cx="355600" cy="346075"/>
+          </a:xfrm>
+          <a:prstGeom prst="cube">
+            <a:avLst/>
+          </a:prstGeom>
+        </p:spPr>
+        <p:style>
+          <a:lnRef idx="2">
+            <a:schemeClr val="accent1">
+              <a:shade val="50000"/>
+            </a:schemeClr>
+          </a:lnRef>
+          <a:fillRef idx="1">
+            <a:schemeClr val="accent1"/>
+          </a:fillRef>
+          <a:effectRef idx="0">
+            <a:schemeClr val="accent1"/>
+          </a:effectRef>
+          <a:fontRef idx="minor">
+            <a:schemeClr val="lt1"/>
+          </a:fontRef>
+        </p:style>
+        <p:txBody>
+          <a:bodyPr rtlCol="0" anchor="ctr"/>
+          <a:p>
+            <a:pPr algn="ctr"/>
+            <a:endParaRPr lang="zh-CN" altLang="en-US"/>
+          </a:p>
+        </p:txBody>
+      </p:sp>
+      <p:sp>
+        <p:nvSpPr>
+          <p:cNvPr id="69" name="立方体 68"/>
+          <p:cNvSpPr/>
+          <p:nvPr/>
+        </p:nvSpPr>
+        <p:spPr>
+          <a:xfrm>
+            <a:off x="1639570" y="4862830"/>
+            <a:ext cx="355600" cy="346075"/>
+          </a:xfrm>
+          <a:prstGeom prst="cube">
+            <a:avLst/>
+          </a:prstGeom>
+        </p:spPr>
+        <p:style>
+          <a:lnRef idx="2">
+            <a:schemeClr val="accent1">
+              <a:shade val="50000"/>
+            </a:schemeClr>
+          </a:lnRef>
+          <a:fillRef idx="1">
+            <a:schemeClr val="accent1"/>
+          </a:fillRef>
+          <a:effectRef idx="0">
+            <a:schemeClr val="accent1"/>
+          </a:effectRef>
+          <a:fontRef idx="minor">
+            <a:schemeClr val="lt1"/>
+          </a:fontRef>
+        </p:style>
+        <p:txBody>
+          <a:bodyPr rtlCol="0" anchor="ctr"/>
+          <a:p>
+            <a:pPr algn="ctr"/>
+            <a:endParaRPr lang="zh-CN" altLang="en-US"/>
+          </a:p>
+        </p:txBody>
+      </p:sp>
+      <p:sp>
+        <p:nvSpPr>
+          <p:cNvPr id="70" name="立方体 69"/>
+          <p:cNvSpPr/>
+          <p:nvPr/>
+        </p:nvSpPr>
+        <p:spPr>
+          <a:xfrm>
+            <a:off x="2090420" y="4871720"/>
+            <a:ext cx="355600" cy="346075"/>
+          </a:xfrm>
+          <a:prstGeom prst="cube">
+            <a:avLst/>
+          </a:prstGeom>
+        </p:spPr>
+        <p:style>
+          <a:lnRef idx="2">
+            <a:schemeClr val="accent1">
+              <a:shade val="50000"/>
+            </a:schemeClr>
+          </a:lnRef>
+          <a:fillRef idx="1">
+            <a:schemeClr val="accent1"/>
+          </a:fillRef>
+          <a:effectRef idx="0">
+            <a:schemeClr val="accent1"/>
+          </a:effectRef>
+          <a:fontRef idx="minor">
+            <a:schemeClr val="lt1"/>
+          </a:fontRef>
+        </p:style>
+        <p:txBody>
+          <a:bodyPr rtlCol="0" anchor="ctr"/>
+          <a:p>
+            <a:pPr algn="ctr"/>
+            <a:endParaRPr lang="zh-CN" altLang="en-US"/>
+          </a:p>
+        </p:txBody>
+      </p:sp>
+      <p:sp>
+        <p:nvSpPr>
+          <p:cNvPr id="71" name="立方体 70"/>
+          <p:cNvSpPr/>
+          <p:nvPr/>
+        </p:nvSpPr>
+        <p:spPr>
+          <a:xfrm>
+            <a:off x="9594215" y="4325620"/>
+            <a:ext cx="355600" cy="346075"/>
+          </a:xfrm>
+          <a:prstGeom prst="cube">
+            <a:avLst/>
+          </a:prstGeom>
+        </p:spPr>
+        <p:style>
+          <a:lnRef idx="2">
+            <a:schemeClr val="accent1">
+              <a:shade val="50000"/>
+            </a:schemeClr>
+          </a:lnRef>
+          <a:fillRef idx="1">
+            <a:schemeClr val="accent1"/>
+          </a:fillRef>
+          <a:effectRef idx="0">
+            <a:schemeClr val="accent1"/>
+          </a:effectRef>
+          <a:fontRef idx="minor">
+            <a:schemeClr val="lt1"/>
+          </a:fontRef>
+        </p:style>
+        <p:txBody>
+          <a:bodyPr rtlCol="0" anchor="ctr"/>
+          <a:p>
+            <a:pPr algn="ctr"/>
+            <a:endParaRPr lang="zh-CN" altLang="en-US"/>
+          </a:p>
+        </p:txBody>
+      </p:sp>
+      <p:sp>
+        <p:nvSpPr>
+          <p:cNvPr id="72" name="立方体 71"/>
+          <p:cNvSpPr/>
+          <p:nvPr/>
+        </p:nvSpPr>
+        <p:spPr>
+          <a:xfrm>
+            <a:off x="9994900" y="4334510"/>
+            <a:ext cx="355600" cy="346075"/>
+          </a:xfrm>
+          <a:prstGeom prst="cube">
+            <a:avLst/>
+          </a:prstGeom>
+        </p:spPr>
+        <p:style>
+          <a:lnRef idx="2">
+            <a:schemeClr val="accent1">
+              <a:shade val="50000"/>
+            </a:schemeClr>
+          </a:lnRef>
+          <a:fillRef idx="1">
+            <a:schemeClr val="accent1"/>
+          </a:fillRef>
+          <a:effectRef idx="0">
+            <a:schemeClr val="accent1"/>
+          </a:effectRef>
+          <a:fontRef idx="minor">
+            <a:schemeClr val="lt1"/>
+          </a:fontRef>
+        </p:style>
+        <p:txBody>
+          <a:bodyPr rtlCol="0" anchor="ctr"/>
+          <a:p>
+            <a:pPr algn="ctr"/>
+            <a:endParaRPr lang="zh-CN" altLang="en-US"/>
+          </a:p>
+        </p:txBody>
+      </p:sp>
+      <p:sp>
+        <p:nvSpPr>
+          <p:cNvPr id="73" name="立方体 72"/>
+          <p:cNvSpPr/>
+          <p:nvPr/>
+        </p:nvSpPr>
+        <p:spPr>
+          <a:xfrm>
+            <a:off x="10436860" y="4325620"/>
+            <a:ext cx="355600" cy="346075"/>
+          </a:xfrm>
+          <a:prstGeom prst="cube">
+            <a:avLst/>
+          </a:prstGeom>
+        </p:spPr>
+        <p:style>
+          <a:lnRef idx="2">
+            <a:schemeClr val="accent1">
+              <a:shade val="50000"/>
+            </a:schemeClr>
+          </a:lnRef>
+          <a:fillRef idx="1">
+            <a:schemeClr val="accent1"/>
+          </a:fillRef>
+          <a:effectRef idx="0">
+            <a:schemeClr val="accent1"/>
+          </a:effectRef>
+          <a:fontRef idx="minor">
+            <a:schemeClr val="lt1"/>
+          </a:fontRef>
+        </p:style>
+        <p:txBody>
+          <a:bodyPr rtlCol="0" anchor="ctr"/>
+          <a:p>
+            <a:pPr algn="ctr"/>
+            <a:endParaRPr lang="zh-CN" altLang="en-US"/>
+          </a:p>
+        </p:txBody>
+      </p:sp>
+      <p:sp>
+        <p:nvSpPr>
+          <p:cNvPr id="74" name="立方体 73"/>
+          <p:cNvSpPr/>
+          <p:nvPr/>
+        </p:nvSpPr>
+        <p:spPr>
+          <a:xfrm>
+            <a:off x="10887710" y="4334510"/>
+            <a:ext cx="355600" cy="346075"/>
+          </a:xfrm>
+          <a:prstGeom prst="cube">
+            <a:avLst/>
+          </a:prstGeom>
+        </p:spPr>
+        <p:style>
+          <a:lnRef idx="2">
+            <a:schemeClr val="accent1">
+              <a:shade val="50000"/>
+            </a:schemeClr>
+          </a:lnRef>
+          <a:fillRef idx="1">
+            <a:schemeClr val="accent1"/>
+          </a:fillRef>
+          <a:effectRef idx="0">
+            <a:schemeClr val="accent1"/>
+          </a:effectRef>
+          <a:fontRef idx="minor">
+            <a:schemeClr val="lt1"/>
+          </a:fontRef>
+        </p:style>
+        <p:txBody>
+          <a:bodyPr rtlCol="0" anchor="ctr"/>
+          <a:p>
+            <a:pPr algn="ctr"/>
+            <a:endParaRPr lang="zh-CN" altLang="en-US"/>
+          </a:p>
+        </p:txBody>
+      </p:sp>
+      <p:sp>
+        <p:nvSpPr>
+          <p:cNvPr id="75" name="立方体 74"/>
+          <p:cNvSpPr/>
+          <p:nvPr/>
+        </p:nvSpPr>
+        <p:spPr>
+          <a:xfrm>
+            <a:off x="9580880" y="4835525"/>
+            <a:ext cx="355600" cy="346075"/>
+          </a:xfrm>
+          <a:prstGeom prst="cube">
+            <a:avLst/>
+          </a:prstGeom>
+        </p:spPr>
+        <p:style>
+          <a:lnRef idx="2">
+            <a:schemeClr val="accent1">
+              <a:shade val="50000"/>
+            </a:schemeClr>
+          </a:lnRef>
+          <a:fillRef idx="1">
+            <a:schemeClr val="accent1"/>
+          </a:fillRef>
+          <a:effectRef idx="0">
+            <a:schemeClr val="accent1"/>
+          </a:effectRef>
+          <a:fontRef idx="minor">
+            <a:schemeClr val="lt1"/>
+          </a:fontRef>
+        </p:style>
+        <p:txBody>
+          <a:bodyPr rtlCol="0" anchor="ctr"/>
+          <a:p>
+            <a:pPr algn="ctr"/>
+            <a:endParaRPr lang="zh-CN" altLang="en-US"/>
+          </a:p>
+        </p:txBody>
+      </p:sp>
+      <p:sp>
+        <p:nvSpPr>
+          <p:cNvPr id="76" name="立方体 75"/>
+          <p:cNvSpPr/>
+          <p:nvPr/>
+        </p:nvSpPr>
+        <p:spPr>
+          <a:xfrm>
+            <a:off x="9981565" y="4844415"/>
+            <a:ext cx="355600" cy="346075"/>
+          </a:xfrm>
+          <a:prstGeom prst="cube">
+            <a:avLst/>
+          </a:prstGeom>
+        </p:spPr>
+        <p:style>
+          <a:lnRef idx="2">
+            <a:schemeClr val="accent1">
+              <a:shade val="50000"/>
+            </a:schemeClr>
+          </a:lnRef>
+          <a:fillRef idx="1">
+            <a:schemeClr val="accent1"/>
+          </a:fillRef>
+          <a:effectRef idx="0">
+            <a:schemeClr val="accent1"/>
+          </a:effectRef>
+          <a:fontRef idx="minor">
+            <a:schemeClr val="lt1"/>
+          </a:fontRef>
+        </p:style>
+        <p:txBody>
+          <a:bodyPr rtlCol="0" anchor="ctr"/>
+          <a:p>
+            <a:pPr algn="ctr"/>
+            <a:endParaRPr lang="zh-CN" altLang="en-US"/>
+          </a:p>
+        </p:txBody>
+      </p:sp>
+      <p:sp>
+        <p:nvSpPr>
+          <p:cNvPr id="77" name="立方体 76"/>
+          <p:cNvSpPr/>
+          <p:nvPr/>
+        </p:nvSpPr>
+        <p:spPr>
+          <a:xfrm>
+            <a:off x="10423525" y="4835525"/>
+            <a:ext cx="355600" cy="346075"/>
+          </a:xfrm>
+          <a:prstGeom prst="cube">
+            <a:avLst/>
+          </a:prstGeom>
+        </p:spPr>
+        <p:style>
+          <a:lnRef idx="2">
+            <a:schemeClr val="accent1">
+              <a:shade val="50000"/>
+            </a:schemeClr>
+          </a:lnRef>
+          <a:fillRef idx="1">
+            <a:schemeClr val="accent1"/>
+          </a:fillRef>
+          <a:effectRef idx="0">
+            <a:schemeClr val="accent1"/>
+          </a:effectRef>
+          <a:fontRef idx="minor">
+            <a:schemeClr val="lt1"/>
+          </a:fontRef>
+        </p:style>
+        <p:txBody>
+          <a:bodyPr rtlCol="0" anchor="ctr"/>
+          <a:p>
+            <a:pPr algn="ctr"/>
+            <a:endParaRPr lang="zh-CN" altLang="en-US"/>
+          </a:p>
+        </p:txBody>
+      </p:sp>
+      <p:sp>
+        <p:nvSpPr>
+          <p:cNvPr id="78" name="立方体 77"/>
+          <p:cNvSpPr/>
+          <p:nvPr/>
+        </p:nvSpPr>
+        <p:spPr>
+          <a:xfrm>
+            <a:off x="10874375" y="4844415"/>
+            <a:ext cx="355600" cy="346075"/>
+          </a:xfrm>
+          <a:prstGeom prst="cube">
+            <a:avLst/>
+          </a:prstGeom>
+        </p:spPr>
+        <p:style>
+          <a:lnRef idx="2">
+            <a:schemeClr val="accent1">
+              <a:shade val="50000"/>
+            </a:schemeClr>
+          </a:lnRef>
+          <a:fillRef idx="1">
+            <a:schemeClr val="accent1"/>
+          </a:fillRef>
+          <a:effectRef idx="0">
+            <a:schemeClr val="accent1"/>
+          </a:effectRef>
+          <a:fontRef idx="minor">
+            <a:schemeClr val="lt1"/>
+          </a:fontRef>
+        </p:style>
+        <p:txBody>
+          <a:bodyPr rtlCol="0" anchor="ctr"/>
+          <a:p>
+            <a:pPr algn="ctr"/>
+            <a:endParaRPr lang="zh-CN" altLang="en-US"/>
+          </a:p>
+        </p:txBody>
+      </p:sp>
+      <p:sp>
+        <p:nvSpPr>
+          <p:cNvPr id="79" name="立方体 78"/>
+          <p:cNvSpPr/>
+          <p:nvPr/>
+        </p:nvSpPr>
+        <p:spPr>
+          <a:xfrm>
+            <a:off x="5579110" y="4334510"/>
+            <a:ext cx="355600" cy="346075"/>
+          </a:xfrm>
+          <a:prstGeom prst="cube">
+            <a:avLst/>
+          </a:prstGeom>
+        </p:spPr>
+        <p:style>
+          <a:lnRef idx="2">
+            <a:schemeClr val="accent1">
+              <a:shade val="50000"/>
+            </a:schemeClr>
+          </a:lnRef>
+          <a:fillRef idx="1">
+            <a:schemeClr val="accent1"/>
+          </a:fillRef>
+          <a:effectRef idx="0">
+            <a:schemeClr val="accent1"/>
+          </a:effectRef>
+          <a:fontRef idx="minor">
+            <a:schemeClr val="lt1"/>
+          </a:fontRef>
+        </p:style>
+        <p:txBody>
+          <a:bodyPr rtlCol="0" anchor="ctr"/>
+          <a:p>
+            <a:pPr algn="ctr"/>
+            <a:endParaRPr lang="zh-CN" altLang="en-US"/>
+          </a:p>
+        </p:txBody>
+      </p:sp>
+      <p:cxnSp>
+        <p:nvCxnSpPr>
+          <p:cNvPr id="80" name="直接箭头连接符 79"/>
+          <p:cNvCxnSpPr>
+            <a:endCxn id="79" idx="2"/>
+          </p:cNvCxnSpPr>
+          <p:nvPr/>
+        </p:nvCxnSpPr>
+        <p:spPr>
+          <a:xfrm>
+            <a:off x="2446020" y="4534535"/>
+            <a:ext cx="3133090" cy="16510"/>
+          </a:xfrm>
+          <a:prstGeom prst="straightConnector1">
+            <a:avLst/>
+          </a:prstGeom>
+          <a:ln w="28575">
+            <a:solidFill>
+              <a:srgbClr val="FF0000"/>
+            </a:solidFill>
+            <a:tailEnd type="arrow"/>
+          </a:ln>
+        </p:spPr>
+        <p:style>
+          <a:lnRef idx="1">
+            <a:schemeClr val="accent1"/>
+          </a:lnRef>
+          <a:fillRef idx="0">
+            <a:schemeClr val="accent1"/>
+          </a:fillRef>
+          <a:effectRef idx="0">
+            <a:schemeClr val="accent1"/>
+          </a:effectRef>
+          <a:fontRef idx="minor">
+            <a:schemeClr val="tx1"/>
+          </a:fontRef>
+        </p:style>
+      </p:cxnSp>
+      <p:cxnSp>
+        <p:nvCxnSpPr>
+          <p:cNvPr id="81" name="直接箭头连接符 80"/>
+          <p:cNvCxnSpPr>
+            <a:endCxn id="71" idx="2"/>
+          </p:cNvCxnSpPr>
+          <p:nvPr/>
+        </p:nvCxnSpPr>
+        <p:spPr>
+          <a:xfrm flipV="1">
+            <a:off x="5937885" y="4542155"/>
+            <a:ext cx="3656330" cy="1905"/>
+          </a:xfrm>
+          <a:prstGeom prst="straightConnector1">
+            <a:avLst/>
+          </a:prstGeom>
+          <a:ln w="28575">
+            <a:solidFill>
+              <a:srgbClr val="FF0000"/>
+            </a:solidFill>
+            <a:tailEnd type="arrow"/>
+          </a:ln>
+        </p:spPr>
+        <p:style>
+          <a:lnRef idx="1">
+            <a:schemeClr val="accent1"/>
+          </a:lnRef>
+          <a:fillRef idx="0">
+            <a:schemeClr val="accent1"/>
+          </a:fillRef>
+          <a:effectRef idx="0">
+            <a:schemeClr val="accent1"/>
+          </a:effectRef>
+          <a:fontRef idx="minor">
+            <a:schemeClr val="tx1"/>
+          </a:fontRef>
+        </p:style>
+      </p:cxnSp>
+      <p:sp>
+        <p:nvSpPr>
+          <p:cNvPr id="82" name="矩形 81"/>
+          <p:cNvSpPr/>
+          <p:nvPr/>
+        </p:nvSpPr>
+        <p:spPr>
+          <a:xfrm>
+            <a:off x="1583055" y="4799330"/>
+            <a:ext cx="912495" cy="471805"/>
+          </a:xfrm>
+          <a:prstGeom prst="rect">
+            <a:avLst/>
+          </a:prstGeom>
+          <a:noFill/>
+          <a:ln w="28575">
+            <a:solidFill>
+              <a:srgbClr val="FF0000"/>
+            </a:solidFill>
+            <a:prstDash val="dash"/>
+          </a:ln>
+          <a:extLst>
+            <a:ext uri="{909E8E84-426E-40DD-AFC4-6F175D3DCCD1}">
+              <a14:hiddenFill xmlns:a14="http://schemas.microsoft.com/office/drawing/2010/main">
+                <a:solidFill>
+                  <a:schemeClr val="accent1"/>
+                </a:solidFill>
+              </a14:hiddenFill>
+            </a:ext>
+          </a:extLst>
+        </p:spPr>
+        <p:style>
+          <a:lnRef idx="2">
+            <a:schemeClr val="accent1">
+              <a:shade val="50000"/>
+            </a:schemeClr>
+          </a:lnRef>
+          <a:fillRef idx="1">
+            <a:schemeClr val="accent1"/>
+          </a:fillRef>
+          <a:effectRef idx="0">
+            <a:schemeClr val="accent1"/>
+          </a:effectRef>
+          <a:fontRef idx="minor">
+            <a:schemeClr val="lt1"/>
+          </a:fontRef>
+        </p:style>
+        <p:txBody>
+          <a:bodyPr rtlCol="0" anchor="ctr"/>
+          <a:p>
+            <a:pPr algn="ctr"/>
+            <a:endParaRPr lang="zh-CN" altLang="en-US"/>
+          </a:p>
+        </p:txBody>
+      </p:sp>
+      <p:sp>
+        <p:nvSpPr>
+          <p:cNvPr id="83" name="矩形 82"/>
+          <p:cNvSpPr/>
+          <p:nvPr/>
+        </p:nvSpPr>
+        <p:spPr>
+          <a:xfrm>
+            <a:off x="10380345" y="4745990"/>
+            <a:ext cx="912495" cy="471805"/>
+          </a:xfrm>
+          <a:prstGeom prst="rect">
+            <a:avLst/>
+          </a:prstGeom>
+          <a:noFill/>
+          <a:ln w="28575">
+            <a:solidFill>
+              <a:srgbClr val="FF0000"/>
+            </a:solidFill>
+            <a:prstDash val="dash"/>
+          </a:ln>
+          <a:extLst>
+            <a:ext uri="{909E8E84-426E-40DD-AFC4-6F175D3DCCD1}">
+              <a14:hiddenFill xmlns:a14="http://schemas.microsoft.com/office/drawing/2010/main">
+                <a:solidFill>
+                  <a:schemeClr val="accent1"/>
+                </a:solidFill>
+              </a14:hiddenFill>
+            </a:ext>
+          </a:extLst>
+        </p:spPr>
+        <p:style>
+          <a:lnRef idx="2">
+            <a:schemeClr val="accent1">
+              <a:shade val="50000"/>
+            </a:schemeClr>
+          </a:lnRef>
+          <a:fillRef idx="1">
+            <a:schemeClr val="accent1"/>
+          </a:fillRef>
+          <a:effectRef idx="0">
+            <a:schemeClr val="accent1"/>
+          </a:effectRef>
+          <a:fontRef idx="minor">
+            <a:schemeClr val="lt1"/>
+          </a:fontRef>
+        </p:style>
+        <p:txBody>
+          <a:bodyPr rtlCol="0" anchor="ctr"/>
+          <a:p>
+            <a:pPr algn="ctr"/>
+            <a:endParaRPr lang="zh-CN" altLang="en-US"/>
+          </a:p>
+        </p:txBody>
+      </p:sp>
+      <p:sp>
+        <p:nvSpPr>
+          <p:cNvPr id="84" name="立方体 83"/>
+          <p:cNvSpPr/>
+          <p:nvPr/>
+        </p:nvSpPr>
+        <p:spPr>
+          <a:xfrm>
+            <a:off x="5378450" y="5445760"/>
+            <a:ext cx="355600" cy="346075"/>
+          </a:xfrm>
+          <a:prstGeom prst="cube">
+            <a:avLst/>
+          </a:prstGeom>
+        </p:spPr>
+        <p:style>
+          <a:lnRef idx="2">
+            <a:schemeClr val="accent1">
+              <a:shade val="50000"/>
+            </a:schemeClr>
+          </a:lnRef>
+          <a:fillRef idx="1">
+            <a:schemeClr val="accent1"/>
+          </a:fillRef>
+          <a:effectRef idx="0">
+            <a:schemeClr val="accent1"/>
+          </a:effectRef>
+          <a:fontRef idx="minor">
+            <a:schemeClr val="lt1"/>
+          </a:fontRef>
+        </p:style>
+        <p:txBody>
+          <a:bodyPr rtlCol="0" anchor="ctr"/>
+          <a:p>
+            <a:pPr algn="ctr"/>
+            <a:endParaRPr lang="zh-CN" altLang="en-US"/>
+          </a:p>
+        </p:txBody>
+      </p:sp>
+      <p:sp>
+        <p:nvSpPr>
+          <p:cNvPr id="85" name="立方体 84"/>
+          <p:cNvSpPr/>
+          <p:nvPr/>
+        </p:nvSpPr>
+        <p:spPr>
+          <a:xfrm>
+            <a:off x="5829300" y="5454650"/>
+            <a:ext cx="355600" cy="346075"/>
+          </a:xfrm>
+          <a:prstGeom prst="cube">
+            <a:avLst/>
+          </a:prstGeom>
+        </p:spPr>
+        <p:style>
+          <a:lnRef idx="2">
+            <a:schemeClr val="accent1">
+              <a:shade val="50000"/>
+            </a:schemeClr>
+          </a:lnRef>
+          <a:fillRef idx="1">
+            <a:schemeClr val="accent1"/>
+          </a:fillRef>
+          <a:effectRef idx="0">
+            <a:schemeClr val="accent1"/>
+          </a:effectRef>
+          <a:fontRef idx="minor">
+            <a:schemeClr val="lt1"/>
+          </a:fontRef>
+        </p:style>
+        <p:txBody>
+          <a:bodyPr rtlCol="0" anchor="ctr"/>
+          <a:p>
+            <a:pPr algn="ctr"/>
+            <a:endParaRPr lang="zh-CN" altLang="en-US"/>
+          </a:p>
+        </p:txBody>
+      </p:sp>
+      <p:sp>
+        <p:nvSpPr>
+          <p:cNvPr id="86" name="矩形 85"/>
+          <p:cNvSpPr/>
+          <p:nvPr/>
+        </p:nvSpPr>
+        <p:spPr>
+          <a:xfrm>
+            <a:off x="5321935" y="5382260"/>
+            <a:ext cx="912495" cy="471805"/>
+          </a:xfrm>
+          <a:prstGeom prst="rect">
+            <a:avLst/>
+          </a:prstGeom>
+          <a:noFill/>
+          <a:ln w="28575">
+            <a:solidFill>
+              <a:srgbClr val="FF0000"/>
+            </a:solidFill>
+            <a:prstDash val="solid"/>
+          </a:ln>
+          <a:extLst>
+            <a:ext uri="{909E8E84-426E-40DD-AFC4-6F175D3DCCD1}">
+              <a14:hiddenFill xmlns:a14="http://schemas.microsoft.com/office/drawing/2010/main">
+                <a:solidFill>
+                  <a:schemeClr val="accent1"/>
+                </a:solidFill>
+              </a14:hiddenFill>
+            </a:ext>
+          </a:extLst>
+        </p:spPr>
+        <p:style>
+          <a:lnRef idx="2">
+            <a:schemeClr val="accent1">
+              <a:shade val="50000"/>
+            </a:schemeClr>
+          </a:lnRef>
+          <a:fillRef idx="1">
+            <a:schemeClr val="accent1"/>
+          </a:fillRef>
+          <a:effectRef idx="0">
+            <a:schemeClr val="accent1"/>
+          </a:effectRef>
+          <a:fontRef idx="minor">
+            <a:schemeClr val="lt1"/>
+          </a:fontRef>
+        </p:style>
+        <p:txBody>
+          <a:bodyPr rtlCol="0" anchor="ctr"/>
+          <a:p>
+            <a:pPr algn="ctr"/>
+            <a:endParaRPr lang="zh-CN" altLang="en-US"/>
+          </a:p>
+        </p:txBody>
+      </p:sp>
+      <p:cxnSp>
+        <p:nvCxnSpPr>
+          <p:cNvPr id="87" name="直接箭头连接符 86"/>
+          <p:cNvCxnSpPr>
+            <a:endCxn id="86" idx="1"/>
+          </p:cNvCxnSpPr>
+          <p:nvPr/>
+        </p:nvCxnSpPr>
+        <p:spPr>
+          <a:xfrm>
+            <a:off x="2286000" y="5036820"/>
+            <a:ext cx="3035935" cy="581660"/>
+          </a:xfrm>
+          <a:prstGeom prst="straightConnector1">
+            <a:avLst/>
+          </a:prstGeom>
+          <a:ln w="28575">
+            <a:solidFill>
+              <a:srgbClr val="FF0000"/>
+            </a:solidFill>
+            <a:tailEnd type="arrow"/>
+          </a:ln>
+        </p:spPr>
+        <p:style>
+          <a:lnRef idx="1">
+            <a:schemeClr val="accent1"/>
+          </a:lnRef>
+          <a:fillRef idx="0">
+            <a:schemeClr val="accent1"/>
+          </a:fillRef>
+          <a:effectRef idx="0">
+            <a:schemeClr val="accent1"/>
+          </a:effectRef>
+          <a:fontRef idx="minor">
+            <a:schemeClr val="tx1"/>
+          </a:fontRef>
+        </p:style>
+      </p:cxnSp>
+      <p:cxnSp>
+        <p:nvCxnSpPr>
+          <p:cNvPr id="88" name="直接箭头连接符 87"/>
+          <p:cNvCxnSpPr>
+            <a:stCxn id="86" idx="3"/>
+            <a:endCxn id="77" idx="4"/>
+          </p:cNvCxnSpPr>
+          <p:nvPr/>
+        </p:nvCxnSpPr>
+        <p:spPr>
+          <a:xfrm flipV="1">
+            <a:off x="6234430" y="5052060"/>
+            <a:ext cx="4458335" cy="566420"/>
+          </a:xfrm>
+          <a:prstGeom prst="straightConnector1">
+            <a:avLst/>
+          </a:prstGeom>
+          <a:ln w="28575">
+            <a:solidFill>
+              <a:srgbClr val="FF0000"/>
+            </a:solidFill>
+            <a:tailEnd type="arrow"/>
+          </a:ln>
+        </p:spPr>
+        <p:style>
+          <a:lnRef idx="1">
+            <a:schemeClr val="accent1"/>
+          </a:lnRef>
+          <a:fillRef idx="0">
+            <a:schemeClr val="accent1"/>
+          </a:fillRef>
+          <a:effectRef idx="0">
+            <a:schemeClr val="accent1"/>
+          </a:effectRef>
+          <a:fontRef idx="minor">
+            <a:schemeClr val="tx1"/>
+          </a:fontRef>
+        </p:style>
+      </p:cxnSp>
+      <p:sp>
+        <p:nvSpPr>
+          <p:cNvPr id="89" name="矩形 88"/>
+          <p:cNvSpPr/>
+          <p:nvPr/>
+        </p:nvSpPr>
+        <p:spPr>
+          <a:xfrm>
+            <a:off x="6245860" y="2992755"/>
+            <a:ext cx="1257935" cy="303530"/>
+          </a:xfrm>
+          <a:prstGeom prst="rect">
+            <a:avLst/>
+          </a:prstGeom>
+          <a:solidFill>
+            <a:schemeClr val="bg1">
+              <a:lumMod val="50000"/>
+            </a:schemeClr>
+          </a:solidFill>
+          <a:ln>
+            <a:solidFill>
+              <a:schemeClr val="bg1"/>
+            </a:solidFill>
+          </a:ln>
+        </p:spPr>
+        <p:style>
+          <a:lnRef idx="2">
+            <a:schemeClr val="accent1">
+              <a:shade val="50000"/>
+            </a:schemeClr>
+          </a:lnRef>
+          <a:fillRef idx="1">
+            <a:schemeClr val="accent1"/>
+          </a:fillRef>
+          <a:effectRef idx="0">
+            <a:schemeClr val="accent1"/>
+          </a:effectRef>
+          <a:fontRef idx="minor">
+            <a:schemeClr val="lt1"/>
+          </a:fontRef>
+        </p:style>
+        <p:txBody>
+          <a:bodyPr rtlCol="0" anchor="ctr"/>
+          <a:p>
+            <a:pPr algn="ctr"/>
+            <a:r>
+              <a:rPr lang="zh-CN" altLang="en-US" sz="1200">
+                <a:latin typeface="+mn-ea"/>
+                <a:cs typeface="宋体" panose="02010600030101010101" pitchFamily="2" charset="-122"/>
+                <a:sym typeface="+mn-ea"/>
+              </a:rPr>
+              <a:t>货车（字节数组）</a:t>
+            </a:r>
+            <a:endParaRPr lang="zh-CN" altLang="en-US" sz="1200" b="1">
+              <a:solidFill>
+                <a:schemeClr val="bg1"/>
+              </a:solidFill>
+              <a:latin typeface="+mn-ea"/>
+              <a:cs typeface="宋体" panose="02010600030101010101" pitchFamily="2" charset="-122"/>
+              <a:sym typeface="+mn-ea"/>
+            </a:endParaRPr>
+          </a:p>
+        </p:txBody>
+      </p:sp>
+      <p:sp>
+        <p:nvSpPr>
+          <p:cNvPr id="90" name="矩形 89"/>
+          <p:cNvSpPr/>
+          <p:nvPr/>
+        </p:nvSpPr>
+        <p:spPr>
+          <a:xfrm>
+            <a:off x="6308090" y="5654040"/>
+            <a:ext cx="1257935" cy="303530"/>
+          </a:xfrm>
+          <a:prstGeom prst="rect">
+            <a:avLst/>
+          </a:prstGeom>
+          <a:solidFill>
+            <a:schemeClr val="bg1">
+              <a:lumMod val="50000"/>
+            </a:schemeClr>
+          </a:solidFill>
+          <a:ln>
+            <a:solidFill>
+              <a:schemeClr val="bg1"/>
+            </a:solidFill>
+          </a:ln>
+        </p:spPr>
+        <p:style>
+          <a:lnRef idx="2">
+            <a:schemeClr val="accent1">
+              <a:shade val="50000"/>
+            </a:schemeClr>
+          </a:lnRef>
+          <a:fillRef idx="1">
+            <a:schemeClr val="accent1"/>
+          </a:fillRef>
+          <a:effectRef idx="0">
+            <a:schemeClr val="accent1"/>
+          </a:effectRef>
+          <a:fontRef idx="minor">
+            <a:schemeClr val="lt1"/>
+          </a:fontRef>
+        </p:style>
+        <p:txBody>
+          <a:bodyPr rtlCol="0" anchor="ctr"/>
+          <a:p>
+            <a:pPr algn="ctr"/>
+            <a:r>
+              <a:rPr lang="zh-CN" altLang="en-US" sz="1200">
+                <a:latin typeface="+mn-ea"/>
+                <a:cs typeface="宋体" panose="02010600030101010101" pitchFamily="2" charset="-122"/>
+                <a:sym typeface="+mn-ea"/>
+              </a:rPr>
+              <a:t>货车（字符数组）</a:t>
+            </a:r>
+            <a:endParaRPr lang="zh-CN" altLang="en-US" sz="1200" b="1">
+              <a:solidFill>
+                <a:schemeClr val="bg1"/>
+              </a:solidFill>
+              <a:latin typeface="+mn-ea"/>
+              <a:cs typeface="宋体" panose="02010600030101010101" pitchFamily="2" charset="-122"/>
+              <a:sym typeface="+mn-ea"/>
+            </a:endParaRPr>
+          </a:p>
+        </p:txBody>
+      </p:sp>
+      <p:sp>
+        <p:nvSpPr>
+          <p:cNvPr id="91" name="矩形 90"/>
+          <p:cNvSpPr/>
+          <p:nvPr/>
+        </p:nvSpPr>
+        <p:spPr>
+          <a:xfrm>
+            <a:off x="5104130" y="1830070"/>
+            <a:ext cx="1630680" cy="303530"/>
+          </a:xfrm>
+          <a:prstGeom prst="rect">
+            <a:avLst/>
+          </a:prstGeom>
+          <a:solidFill>
+            <a:schemeClr val="bg1">
+              <a:lumMod val="50000"/>
+            </a:schemeClr>
+          </a:solidFill>
+          <a:ln>
+            <a:solidFill>
+              <a:schemeClr val="bg1"/>
+            </a:solidFill>
+          </a:ln>
+        </p:spPr>
+        <p:style>
+          <a:lnRef idx="2">
+            <a:schemeClr val="accent1">
+              <a:shade val="50000"/>
+            </a:schemeClr>
+          </a:lnRef>
+          <a:fillRef idx="1">
+            <a:schemeClr val="accent1"/>
+          </a:fillRef>
+          <a:effectRef idx="0">
+            <a:schemeClr val="accent1"/>
+          </a:effectRef>
+          <a:fontRef idx="minor">
+            <a:schemeClr val="lt1"/>
+          </a:fontRef>
+        </p:style>
+        <p:txBody>
+          <a:bodyPr rtlCol="0" anchor="ctr"/>
+          <a:p>
+            <a:pPr algn="ctr"/>
+            <a:r>
+              <a:rPr lang="zh-CN" altLang="en-US" sz="1200">
+                <a:latin typeface="+mn-ea"/>
+                <a:cs typeface="宋体" panose="02010600030101010101" pitchFamily="2" charset="-122"/>
+                <a:sym typeface="+mn-ea"/>
+              </a:rPr>
+              <a:t>字节相当于一个原子</a:t>
+            </a:r>
+            <a:endParaRPr lang="zh-CN" altLang="en-US" sz="1200" b="1">
+              <a:solidFill>
+                <a:schemeClr val="bg1"/>
+              </a:solidFill>
+              <a:latin typeface="+mn-ea"/>
+              <a:cs typeface="宋体" panose="02010600030101010101" pitchFamily="2" charset="-122"/>
+              <a:sym typeface="+mn-ea"/>
+            </a:endParaRPr>
+          </a:p>
+        </p:txBody>
+      </p:sp>
+      <p:sp>
+        <p:nvSpPr>
+          <p:cNvPr id="92" name="矩形 91"/>
+          <p:cNvSpPr/>
+          <p:nvPr/>
+        </p:nvSpPr>
+        <p:spPr>
+          <a:xfrm>
+            <a:off x="4733290" y="4733290"/>
+            <a:ext cx="2531110" cy="303530"/>
+          </a:xfrm>
+          <a:prstGeom prst="rect">
+            <a:avLst/>
+          </a:prstGeom>
+          <a:solidFill>
+            <a:schemeClr val="bg1">
+              <a:lumMod val="50000"/>
+            </a:schemeClr>
+          </a:solidFill>
+          <a:ln>
+            <a:solidFill>
+              <a:schemeClr val="bg1"/>
+            </a:solidFill>
+          </a:ln>
+        </p:spPr>
+        <p:style>
+          <a:lnRef idx="2">
+            <a:schemeClr val="accent1">
+              <a:shade val="50000"/>
+            </a:schemeClr>
+          </a:lnRef>
+          <a:fillRef idx="1">
+            <a:schemeClr val="accent1"/>
+          </a:fillRef>
+          <a:effectRef idx="0">
+            <a:schemeClr val="accent1"/>
+          </a:effectRef>
+          <a:fontRef idx="minor">
+            <a:schemeClr val="lt1"/>
+          </a:fontRef>
+        </p:style>
+        <p:txBody>
+          <a:bodyPr rtlCol="0" anchor="ctr"/>
+          <a:p>
+            <a:pPr algn="l">
+              <a:buClrTx/>
+              <a:buSzTx/>
+              <a:buFontTx/>
+            </a:pPr>
+            <a:r>
+              <a:rPr lang="zh-CN" altLang="en-US" sz="1200">
+                <a:solidFill>
+                  <a:schemeClr val="bg1"/>
+                </a:solidFill>
+                <a:sym typeface="+mn-ea"/>
+              </a:rPr>
+              <a:t>字符相当于一个物件（桌椅板凳）</a:t>
+            </a:r>
+            <a:endParaRPr lang="zh-CN" altLang="en-US" sz="1200" b="1">
+              <a:solidFill>
+                <a:schemeClr val="bg1"/>
+              </a:solidFill>
+              <a:latin typeface="+mn-ea"/>
+              <a:cs typeface="宋体" panose="02010600030101010101" pitchFamily="2" charset="-122"/>
+              <a:sym typeface="+mn-ea"/>
+            </a:endParaRPr>
+          </a:p>
+        </p:txBody>
+      </p:sp>
+      <p:sp>
+        <p:nvSpPr>
+          <p:cNvPr id="93" name="文本框 92"/>
+          <p:cNvSpPr txBox="1"/>
+          <p:nvPr/>
+        </p:nvSpPr>
+        <p:spPr>
+          <a:xfrm>
+            <a:off x="4646930" y="691515"/>
+            <a:ext cx="2545080" cy="368300"/>
+          </a:xfrm>
+          <a:prstGeom prst="rect">
+            <a:avLst/>
+          </a:prstGeom>
+          <a:noFill/>
+        </p:spPr>
+        <p:txBody>
+          <a:bodyPr wrap="none" rtlCol="0">
+            <a:spAutoFit/>
+          </a:bodyPr>
+          <a:p>
+            <a:r>
+              <a:rPr lang="zh-CN" altLang="en-US">
+                <a:ln/>
+                <a:solidFill>
+                  <a:schemeClr val="accent1"/>
+                </a:solidFill>
+                <a:effectLst>
+                  <a:outerShdw blurRad="38100" dist="25400" dir="5400000" algn="ctr" rotWithShape="0">
+                    <a:srgbClr val="6E747A">
+                      <a:alpha val="43000"/>
+                    </a:srgbClr>
+                  </a:outerShdw>
+                </a:effectLst>
+              </a:rPr>
+              <a:t>文件复制</a:t>
+            </a:r>
+            <a:r>
+              <a:rPr lang="en-US" altLang="zh-CN">
+                <a:ln/>
+                <a:solidFill>
+                  <a:schemeClr val="accent1"/>
+                </a:solidFill>
+                <a:effectLst>
+                  <a:outerShdw blurRad="38100" dist="25400" dir="5400000" algn="ctr" rotWithShape="0">
+                    <a:srgbClr val="6E747A">
+                      <a:alpha val="43000"/>
+                    </a:srgbClr>
+                  </a:outerShdw>
+                </a:effectLst>
+              </a:rPr>
+              <a:t>(</a:t>
+            </a:r>
+            <a:r>
+              <a:rPr lang="zh-CN" altLang="en-US">
+                <a:ln/>
+                <a:solidFill>
+                  <a:schemeClr val="accent1"/>
+                </a:solidFill>
+                <a:effectLst>
+                  <a:outerShdw blurRad="38100" dist="25400" dir="5400000" algn="ctr" rotWithShape="0">
+                    <a:srgbClr val="6E747A">
+                      <a:alpha val="43000"/>
+                    </a:srgbClr>
+                  </a:outerShdw>
+                </a:effectLst>
+              </a:rPr>
+              <a:t>类似于搬家）</a:t>
+            </a:r>
+            <a:endParaRPr lang="zh-CN" altLang="en-US">
+              <a:ln/>
+              <a:solidFill>
+                <a:schemeClr val="accent1"/>
+              </a:solidFill>
+              <a:effectLst>
+                <a:outerShdw blurRad="38100" dist="25400" dir="5400000" algn="ctr" rotWithShape="0">
+                  <a:srgbClr val="6E747A">
+                    <a:alpha val="43000"/>
+                  </a:srgbClr>
+                </a:outerShdw>
+              </a:effectLst>
+            </a:endParaRPr>
+          </a:p>
+        </p:txBody>
+      </p:sp>
+      <p:sp>
+        <p:nvSpPr>
+          <p:cNvPr id="97" name="椭圆 96"/>
+          <p:cNvSpPr/>
+          <p:nvPr/>
+        </p:nvSpPr>
+        <p:spPr>
+          <a:xfrm>
+            <a:off x="8158480" y="479425"/>
+            <a:ext cx="182245" cy="181610"/>
+          </a:xfrm>
+          <a:prstGeom prst="ellipse">
+            <a:avLst/>
+          </a:prstGeom>
+        </p:spPr>
+        <p:style>
+          <a:lnRef idx="2">
+            <a:schemeClr val="accent1">
+              <a:shade val="50000"/>
+            </a:schemeClr>
+          </a:lnRef>
+          <a:fillRef idx="1">
+            <a:schemeClr val="accent1"/>
+          </a:fillRef>
+          <a:effectRef idx="0">
+            <a:schemeClr val="accent1"/>
+          </a:effectRef>
+          <a:fontRef idx="minor">
+            <a:schemeClr val="lt1"/>
+          </a:fontRef>
+        </p:style>
+        <p:txBody>
+          <a:bodyPr rtlCol="0" anchor="ctr"/>
+          <a:p>
+            <a:pPr algn="ctr"/>
+            <a:endParaRPr lang="zh-CN" altLang="en-US"/>
+          </a:p>
+        </p:txBody>
+      </p:sp>
+      <p:sp>
+        <p:nvSpPr>
+          <p:cNvPr id="98" name="椭圆 97"/>
+          <p:cNvSpPr/>
+          <p:nvPr/>
+        </p:nvSpPr>
+        <p:spPr>
+          <a:xfrm>
+            <a:off x="8595995" y="479425"/>
+            <a:ext cx="182245" cy="181610"/>
+          </a:xfrm>
+          <a:prstGeom prst="ellipse">
+            <a:avLst/>
+          </a:prstGeom>
+        </p:spPr>
+        <p:style>
+          <a:lnRef idx="2">
+            <a:schemeClr val="accent1">
+              <a:shade val="50000"/>
+            </a:schemeClr>
+          </a:lnRef>
+          <a:fillRef idx="1">
+            <a:schemeClr val="accent1"/>
+          </a:fillRef>
+          <a:effectRef idx="0">
+            <a:schemeClr val="accent1"/>
+          </a:effectRef>
+          <a:fontRef idx="minor">
+            <a:schemeClr val="lt1"/>
+          </a:fontRef>
+        </p:style>
+        <p:txBody>
+          <a:bodyPr rtlCol="0" anchor="ctr"/>
+          <a:p>
+            <a:pPr algn="ctr"/>
+            <a:endParaRPr lang="zh-CN" altLang="en-US"/>
+          </a:p>
+        </p:txBody>
+      </p:sp>
+      <p:sp>
+        <p:nvSpPr>
+          <p:cNvPr id="99" name="椭圆 98"/>
+          <p:cNvSpPr/>
+          <p:nvPr/>
+        </p:nvSpPr>
+        <p:spPr>
+          <a:xfrm>
+            <a:off x="8176895" y="781685"/>
+            <a:ext cx="182245" cy="181610"/>
+          </a:xfrm>
+          <a:prstGeom prst="ellipse">
+            <a:avLst/>
+          </a:prstGeom>
+        </p:spPr>
+        <p:style>
+          <a:lnRef idx="2">
+            <a:schemeClr val="accent1">
+              <a:shade val="50000"/>
+            </a:schemeClr>
+          </a:lnRef>
+          <a:fillRef idx="1">
+            <a:schemeClr val="accent1"/>
+          </a:fillRef>
+          <a:effectRef idx="0">
+            <a:schemeClr val="accent1"/>
+          </a:effectRef>
+          <a:fontRef idx="minor">
+            <a:schemeClr val="lt1"/>
+          </a:fontRef>
+        </p:style>
+        <p:txBody>
+          <a:bodyPr rtlCol="0" anchor="ctr"/>
+          <a:p>
+            <a:pPr algn="ctr"/>
+            <a:endParaRPr lang="zh-CN" altLang="en-US"/>
+          </a:p>
+        </p:txBody>
+      </p:sp>
+      <p:sp>
+        <p:nvSpPr>
+          <p:cNvPr id="100" name="矩形 99"/>
+          <p:cNvSpPr/>
+          <p:nvPr/>
+        </p:nvSpPr>
+        <p:spPr>
+          <a:xfrm>
+            <a:off x="8056880" y="427990"/>
+            <a:ext cx="787400" cy="579755"/>
+          </a:xfrm>
+          <a:prstGeom prst="rect">
+            <a:avLst/>
+          </a:prstGeom>
+          <a:noFill/>
+          <a:ln w="28575">
+            <a:solidFill>
+              <a:srgbClr val="FF0000"/>
+            </a:solidFill>
+            <a:prstDash val="solid"/>
+          </a:ln>
+          <a:extLst>
+            <a:ext uri="{909E8E84-426E-40DD-AFC4-6F175D3DCCD1}">
+              <a14:hiddenFill xmlns:a14="http://schemas.microsoft.com/office/drawing/2010/main">
+                <a:solidFill>
+                  <a:schemeClr val="accent1"/>
+                </a:solidFill>
+              </a14:hiddenFill>
+            </a:ext>
+          </a:extLst>
+        </p:spPr>
+        <p:style>
+          <a:lnRef idx="2">
+            <a:schemeClr val="accent1">
+              <a:shade val="50000"/>
+            </a:schemeClr>
+          </a:lnRef>
+          <a:fillRef idx="1">
+            <a:schemeClr val="accent1"/>
+          </a:fillRef>
+          <a:effectRef idx="0">
+            <a:schemeClr val="accent1"/>
+          </a:effectRef>
+          <a:fontRef idx="minor">
+            <a:schemeClr val="lt1"/>
+          </a:fontRef>
+        </p:style>
+        <p:txBody>
+          <a:bodyPr rtlCol="0" anchor="ctr"/>
+          <a:p>
+            <a:pPr algn="ctr"/>
+            <a:endParaRPr lang="zh-CN" altLang="en-US"/>
+          </a:p>
+        </p:txBody>
+      </p:sp>
+      <p:sp>
+        <p:nvSpPr>
+          <p:cNvPr id="101" name="椭圆 100"/>
+          <p:cNvSpPr/>
+          <p:nvPr/>
+        </p:nvSpPr>
+        <p:spPr>
+          <a:xfrm>
+            <a:off x="8595995" y="781685"/>
+            <a:ext cx="182245" cy="181610"/>
+          </a:xfrm>
+          <a:prstGeom prst="ellipse">
+            <a:avLst/>
+          </a:prstGeom>
+        </p:spPr>
+        <p:style>
+          <a:lnRef idx="2">
+            <a:schemeClr val="accent1">
+              <a:shade val="50000"/>
+            </a:schemeClr>
+          </a:lnRef>
+          <a:fillRef idx="1">
+            <a:schemeClr val="accent1"/>
+          </a:fillRef>
+          <a:effectRef idx="0">
+            <a:schemeClr val="accent1"/>
+          </a:effectRef>
+          <a:fontRef idx="minor">
+            <a:schemeClr val="lt1"/>
+          </a:fontRef>
+        </p:style>
+        <p:txBody>
+          <a:bodyPr rtlCol="0" anchor="ctr"/>
+          <a:p>
+            <a:pPr algn="ctr"/>
+            <a:endParaRPr lang="zh-CN" altLang="en-US"/>
+          </a:p>
+        </p:txBody>
+      </p:sp>
+      <p:sp>
+        <p:nvSpPr>
+          <p:cNvPr id="102" name="椭圆 101"/>
+          <p:cNvSpPr/>
+          <p:nvPr/>
+        </p:nvSpPr>
+        <p:spPr>
+          <a:xfrm>
+            <a:off x="8359775" y="624205"/>
+            <a:ext cx="182245" cy="181610"/>
+          </a:xfrm>
+          <a:prstGeom prst="ellipse">
+            <a:avLst/>
+          </a:prstGeom>
+        </p:spPr>
+        <p:style>
+          <a:lnRef idx="2">
+            <a:schemeClr val="accent1">
+              <a:shade val="50000"/>
+            </a:schemeClr>
+          </a:lnRef>
+          <a:fillRef idx="1">
+            <a:schemeClr val="accent1"/>
+          </a:fillRef>
+          <a:effectRef idx="0">
+            <a:schemeClr val="accent1"/>
+          </a:effectRef>
+          <a:fontRef idx="minor">
+            <a:schemeClr val="lt1"/>
+          </a:fontRef>
+        </p:style>
+        <p:txBody>
+          <a:bodyPr rtlCol="0" anchor="ctr"/>
+          <a:p>
+            <a:pPr algn="ctr"/>
+            <a:endParaRPr lang="zh-CN" altLang="en-US"/>
+          </a:p>
+        </p:txBody>
+      </p:sp>
+      <p:sp>
+        <p:nvSpPr>
+          <p:cNvPr id="103" name="矩形 102"/>
+          <p:cNvSpPr/>
+          <p:nvPr/>
+        </p:nvSpPr>
+        <p:spPr>
+          <a:xfrm>
+            <a:off x="6234430" y="3364230"/>
+            <a:ext cx="3164840" cy="303530"/>
+          </a:xfrm>
+          <a:prstGeom prst="rect">
+            <a:avLst/>
+          </a:prstGeom>
+          <a:solidFill>
+            <a:schemeClr val="bg1">
+              <a:lumMod val="50000"/>
+            </a:schemeClr>
+          </a:solidFill>
+          <a:ln>
+            <a:solidFill>
+              <a:schemeClr val="bg1"/>
+            </a:solidFill>
+          </a:ln>
+        </p:spPr>
+        <p:style>
+          <a:lnRef idx="2">
+            <a:schemeClr val="accent1">
+              <a:shade val="50000"/>
+            </a:schemeClr>
+          </a:lnRef>
+          <a:fillRef idx="1">
+            <a:schemeClr val="accent1"/>
+          </a:fillRef>
+          <a:effectRef idx="0">
+            <a:schemeClr val="accent1"/>
+          </a:effectRef>
+          <a:fontRef idx="minor">
+            <a:schemeClr val="lt1"/>
+          </a:fontRef>
+        </p:style>
+        <p:txBody>
+          <a:bodyPr rtlCol="0" anchor="ctr"/>
+          <a:p>
+            <a:pPr algn="ctr"/>
+            <a:r>
+              <a:rPr lang="zh-CN" altLang="en-US" sz="1200">
+                <a:latin typeface="+mn-ea"/>
+                <a:cs typeface="宋体" panose="02010600030101010101" pitchFamily="2" charset="-122"/>
+                <a:sym typeface="+mn-ea"/>
+              </a:rPr>
+              <a:t>字节数组容量为</a:t>
+            </a:r>
+            <a:r>
+              <a:rPr lang="en-US" altLang="zh-CN" sz="1200">
+                <a:latin typeface="+mn-ea"/>
+                <a:cs typeface="宋体" panose="02010600030101010101" pitchFamily="2" charset="-122"/>
+                <a:sym typeface="+mn-ea"/>
+              </a:rPr>
+              <a:t>3</a:t>
+            </a:r>
+            <a:r>
+              <a:rPr lang="zh-CN" altLang="en-US" sz="1200">
+                <a:latin typeface="+mn-ea"/>
+                <a:cs typeface="宋体" panose="02010600030101010101" pitchFamily="2" charset="-122"/>
+                <a:sym typeface="+mn-ea"/>
+              </a:rPr>
+              <a:t>，搬运 </a:t>
+            </a:r>
+            <a:r>
+              <a:rPr lang="en-US" altLang="zh-CN" sz="1200">
+                <a:latin typeface="+mn-ea"/>
+                <a:cs typeface="宋体" panose="02010600030101010101" pitchFamily="2" charset="-122"/>
+                <a:sym typeface="+mn-ea"/>
+              </a:rPr>
+              <a:t>4 </a:t>
+            </a:r>
+            <a:r>
+              <a:rPr lang="zh-CN" altLang="en-US" sz="1200">
+                <a:latin typeface="+mn-ea"/>
+                <a:cs typeface="宋体" panose="02010600030101010101" pitchFamily="2" charset="-122"/>
+                <a:sym typeface="+mn-ea"/>
+              </a:rPr>
+              <a:t>次，刚好搬完</a:t>
+            </a:r>
+            <a:endParaRPr lang="zh-CN" altLang="en-US" sz="1200" b="1">
+              <a:solidFill>
+                <a:schemeClr val="bg1"/>
+              </a:solidFill>
+              <a:latin typeface="+mn-ea"/>
+              <a:cs typeface="宋体" panose="02010600030101010101" pitchFamily="2" charset="-122"/>
+              <a:sym typeface="+mn-ea"/>
+            </a:endParaRPr>
+          </a:p>
+        </p:txBody>
+      </p:sp>
+      <p:sp>
+        <p:nvSpPr>
+          <p:cNvPr id="104" name="矩形 103"/>
+          <p:cNvSpPr/>
+          <p:nvPr/>
+        </p:nvSpPr>
+        <p:spPr>
+          <a:xfrm>
+            <a:off x="8925560" y="427990"/>
+            <a:ext cx="2344420" cy="527685"/>
+          </a:xfrm>
+          <a:prstGeom prst="rect">
+            <a:avLst/>
+          </a:prstGeom>
+          <a:solidFill>
+            <a:schemeClr val="bg1">
+              <a:lumMod val="50000"/>
+            </a:schemeClr>
+          </a:solidFill>
+          <a:ln>
+            <a:solidFill>
+              <a:schemeClr val="bg1"/>
+            </a:solidFill>
+          </a:ln>
+        </p:spPr>
+        <p:style>
+          <a:lnRef idx="2">
+            <a:schemeClr val="accent1">
+              <a:shade val="50000"/>
+            </a:schemeClr>
+          </a:lnRef>
+          <a:fillRef idx="1">
+            <a:schemeClr val="accent1"/>
+          </a:fillRef>
+          <a:effectRef idx="0">
+            <a:schemeClr val="accent1"/>
+          </a:effectRef>
+          <a:fontRef idx="minor">
+            <a:schemeClr val="lt1"/>
+          </a:fontRef>
+        </p:style>
+        <p:txBody>
+          <a:bodyPr rtlCol="0" anchor="ctr"/>
+          <a:p>
+            <a:pPr algn="ctr"/>
+            <a:r>
+              <a:rPr lang="zh-CN" altLang="en-US" sz="1200">
+                <a:latin typeface="+mn-ea"/>
+                <a:cs typeface="宋体" panose="02010600030101010101" pitchFamily="2" charset="-122"/>
+                <a:sym typeface="+mn-ea"/>
+              </a:rPr>
+              <a:t>字节数组容量为</a:t>
+            </a:r>
+            <a:r>
+              <a:rPr lang="en-US" altLang="zh-CN" sz="1200">
+                <a:latin typeface="+mn-ea"/>
+                <a:cs typeface="宋体" panose="02010600030101010101" pitchFamily="2" charset="-122"/>
+                <a:sym typeface="+mn-ea"/>
+              </a:rPr>
+              <a:t>5</a:t>
+            </a:r>
+            <a:r>
+              <a:rPr lang="zh-CN" altLang="en-US" sz="1200">
+                <a:latin typeface="+mn-ea"/>
+                <a:cs typeface="宋体" panose="02010600030101010101" pitchFamily="2" charset="-122"/>
+                <a:sym typeface="+mn-ea"/>
+              </a:rPr>
+              <a:t>，搬运 </a:t>
+            </a:r>
+            <a:r>
+              <a:rPr lang="en-US" altLang="zh-CN" sz="1200">
+                <a:latin typeface="+mn-ea"/>
+                <a:cs typeface="宋体" panose="02010600030101010101" pitchFamily="2" charset="-122"/>
+                <a:sym typeface="+mn-ea"/>
+              </a:rPr>
+              <a:t>3 </a:t>
+            </a:r>
+            <a:r>
+              <a:rPr lang="zh-CN" altLang="en-US" sz="1200">
+                <a:latin typeface="+mn-ea"/>
+                <a:cs typeface="宋体" panose="02010600030101010101" pitchFamily="2" charset="-122"/>
+                <a:sym typeface="+mn-ea"/>
+              </a:rPr>
+              <a:t>次，最后一次只搬运 </a:t>
+            </a:r>
+            <a:r>
+              <a:rPr lang="en-US" altLang="zh-CN" sz="1200">
+                <a:latin typeface="+mn-ea"/>
+                <a:cs typeface="宋体" panose="02010600030101010101" pitchFamily="2" charset="-122"/>
+                <a:sym typeface="+mn-ea"/>
+              </a:rPr>
+              <a:t>2 </a:t>
+            </a:r>
+            <a:r>
+              <a:rPr lang="zh-CN" altLang="en-US" sz="1200">
+                <a:latin typeface="+mn-ea"/>
+                <a:cs typeface="宋体" panose="02010600030101010101" pitchFamily="2" charset="-122"/>
+                <a:sym typeface="+mn-ea"/>
+              </a:rPr>
+              <a:t>个</a:t>
+            </a:r>
+            <a:endParaRPr lang="zh-CN" altLang="en-US" sz="1200" b="1">
+              <a:solidFill>
+                <a:schemeClr val="bg1"/>
+              </a:solidFill>
+              <a:latin typeface="+mn-ea"/>
+              <a:cs typeface="宋体" panose="02010600030101010101" pitchFamily="2" charset="-122"/>
+              <a:sym typeface="+mn-ea"/>
+            </a:endParaRPr>
+          </a:p>
+        </p:txBody>
+      </p:sp>
+      <p:sp>
+        <p:nvSpPr>
+          <p:cNvPr id="106" name="矩形 105"/>
+          <p:cNvSpPr/>
+          <p:nvPr/>
+        </p:nvSpPr>
+        <p:spPr>
+          <a:xfrm>
+            <a:off x="3108325" y="1516380"/>
+            <a:ext cx="1166495" cy="303530"/>
+          </a:xfrm>
+          <a:prstGeom prst="rect">
+            <a:avLst/>
+          </a:prstGeom>
+        </p:spPr>
+        <p:style>
+          <a:lnRef idx="2">
+            <a:schemeClr val="accent3">
+              <a:shade val="50000"/>
+            </a:schemeClr>
+          </a:lnRef>
+          <a:fillRef idx="1">
+            <a:schemeClr val="accent3"/>
+          </a:fillRef>
+          <a:effectRef idx="0">
+            <a:schemeClr val="accent3"/>
+          </a:effectRef>
+          <a:fontRef idx="minor">
+            <a:schemeClr val="lt1"/>
+          </a:fontRef>
+        </p:style>
+        <p:txBody>
+          <a:bodyPr rtlCol="0" anchor="ctr"/>
+          <a:p>
+            <a:pPr algn="ctr"/>
+            <a:r>
+              <a:rPr lang="zh-CN" altLang="en-US" sz="1200">
+                <a:latin typeface="+mn-ea"/>
+                <a:cs typeface="宋体" panose="02010600030101010101" pitchFamily="2" charset="-122"/>
+                <a:sym typeface="+mn-ea"/>
+              </a:rPr>
+              <a:t>单个字节搬运</a:t>
+            </a:r>
+            <a:endParaRPr lang="zh-CN" altLang="en-US" sz="1200" b="1">
+              <a:solidFill>
+                <a:schemeClr val="bg1"/>
+              </a:solidFill>
+              <a:latin typeface="+mn-ea"/>
+              <a:cs typeface="宋体" panose="02010600030101010101" pitchFamily="2" charset="-122"/>
+              <a:sym typeface="+mn-ea"/>
+            </a:endParaRPr>
+          </a:p>
+        </p:txBody>
+      </p:sp>
+      <p:sp>
+        <p:nvSpPr>
+          <p:cNvPr id="107" name="矩形 106"/>
+          <p:cNvSpPr/>
+          <p:nvPr/>
+        </p:nvSpPr>
+        <p:spPr>
+          <a:xfrm>
+            <a:off x="3161665" y="2557780"/>
+            <a:ext cx="1166495" cy="303530"/>
+          </a:xfrm>
+          <a:prstGeom prst="rect">
+            <a:avLst/>
+          </a:prstGeom>
+        </p:spPr>
+        <p:style>
+          <a:lnRef idx="2">
+            <a:schemeClr val="accent3">
+              <a:shade val="50000"/>
+            </a:schemeClr>
+          </a:lnRef>
+          <a:fillRef idx="1">
+            <a:schemeClr val="accent3"/>
+          </a:fillRef>
+          <a:effectRef idx="0">
+            <a:schemeClr val="accent3"/>
+          </a:effectRef>
+          <a:fontRef idx="minor">
+            <a:schemeClr val="lt1"/>
+          </a:fontRef>
+        </p:style>
+        <p:txBody>
+          <a:bodyPr rtlCol="0" anchor="ctr"/>
+          <a:p>
+            <a:pPr algn="ctr"/>
+            <a:r>
+              <a:rPr lang="zh-CN" altLang="en-US" sz="1200">
+                <a:latin typeface="+mn-ea"/>
+                <a:cs typeface="宋体" panose="02010600030101010101" pitchFamily="2" charset="-122"/>
+                <a:sym typeface="+mn-ea"/>
+              </a:rPr>
+              <a:t>批量搬运</a:t>
+            </a:r>
+            <a:endParaRPr lang="zh-CN" altLang="en-US" sz="1200" b="1">
+              <a:solidFill>
+                <a:schemeClr val="bg1"/>
+              </a:solidFill>
+              <a:latin typeface="+mn-ea"/>
+              <a:cs typeface="宋体" panose="02010600030101010101" pitchFamily="2" charset="-122"/>
+              <a:sym typeface="+mn-ea"/>
+            </a:endParaRPr>
+          </a:p>
+        </p:txBody>
+      </p:sp>
+      <p:sp>
+        <p:nvSpPr>
+          <p:cNvPr id="108" name="矩形 107"/>
+          <p:cNvSpPr/>
+          <p:nvPr/>
+        </p:nvSpPr>
+        <p:spPr>
+          <a:xfrm>
+            <a:off x="3161665" y="4197350"/>
+            <a:ext cx="1166495" cy="303530"/>
+          </a:xfrm>
+          <a:prstGeom prst="rect">
+            <a:avLst/>
+          </a:prstGeom>
+        </p:spPr>
+        <p:style>
+          <a:lnRef idx="2">
+            <a:schemeClr val="accent3">
+              <a:shade val="50000"/>
+            </a:schemeClr>
+          </a:lnRef>
+          <a:fillRef idx="1">
+            <a:schemeClr val="accent3"/>
+          </a:fillRef>
+          <a:effectRef idx="0">
+            <a:schemeClr val="accent3"/>
+          </a:effectRef>
+          <a:fontRef idx="minor">
+            <a:schemeClr val="lt1"/>
+          </a:fontRef>
+        </p:style>
+        <p:txBody>
+          <a:bodyPr rtlCol="0" anchor="ctr"/>
+          <a:p>
+            <a:pPr algn="ctr"/>
+            <a:r>
+              <a:rPr lang="zh-CN" altLang="en-US" sz="1200">
+                <a:latin typeface="+mn-ea"/>
+                <a:cs typeface="宋体" panose="02010600030101010101" pitchFamily="2" charset="-122"/>
+                <a:sym typeface="+mn-ea"/>
+              </a:rPr>
+              <a:t>单个字符搬运</a:t>
+            </a:r>
+            <a:endParaRPr lang="zh-CN" altLang="en-US" sz="1200" b="1">
+              <a:solidFill>
+                <a:schemeClr val="bg1"/>
+              </a:solidFill>
+              <a:latin typeface="+mn-ea"/>
+              <a:cs typeface="宋体" panose="02010600030101010101" pitchFamily="2" charset="-122"/>
+              <a:sym typeface="+mn-ea"/>
+            </a:endParaRPr>
+          </a:p>
+        </p:txBody>
+      </p:sp>
+      <p:sp>
+        <p:nvSpPr>
+          <p:cNvPr id="109" name="矩形 108"/>
+          <p:cNvSpPr/>
+          <p:nvPr/>
+        </p:nvSpPr>
+        <p:spPr>
+          <a:xfrm>
+            <a:off x="3161665" y="4875530"/>
+            <a:ext cx="1166495" cy="303530"/>
+          </a:xfrm>
+          <a:prstGeom prst="rect">
+            <a:avLst/>
+          </a:prstGeom>
+        </p:spPr>
+        <p:style>
+          <a:lnRef idx="2">
+            <a:schemeClr val="accent3">
+              <a:shade val="50000"/>
+            </a:schemeClr>
+          </a:lnRef>
+          <a:fillRef idx="1">
+            <a:schemeClr val="accent3"/>
+          </a:fillRef>
+          <a:effectRef idx="0">
+            <a:schemeClr val="accent3"/>
+          </a:effectRef>
+          <a:fontRef idx="minor">
+            <a:schemeClr val="lt1"/>
+          </a:fontRef>
+        </p:style>
+        <p:txBody>
+          <a:bodyPr rtlCol="0" anchor="ctr"/>
+          <a:p>
+            <a:pPr algn="ctr"/>
+            <a:r>
+              <a:rPr lang="zh-CN" altLang="en-US" sz="1200">
+                <a:latin typeface="+mn-ea"/>
+                <a:cs typeface="宋体" panose="02010600030101010101" pitchFamily="2" charset="-122"/>
+                <a:sym typeface="+mn-ea"/>
+              </a:rPr>
+              <a:t>批量搬运</a:t>
+            </a:r>
+            <a:endParaRPr lang="zh-CN" altLang="en-US" sz="1200" b="1">
+              <a:solidFill>
+                <a:schemeClr val="bg1"/>
+              </a:solidFill>
+              <a:latin typeface="+mn-ea"/>
+              <a:cs typeface="宋体" panose="02010600030101010101" pitchFamily="2" charset="-122"/>
+              <a:sym typeface="+mn-ea"/>
+            </a:endParaRPr>
+          </a:p>
+        </p:txBody>
+      </p:sp>
+      <p:sp>
+        <p:nvSpPr>
+          <p:cNvPr id="130" name="文本框 129"/>
+          <p:cNvSpPr txBox="1"/>
+          <p:nvPr/>
+        </p:nvSpPr>
+        <p:spPr>
+          <a:xfrm>
+            <a:off x="8889365" y="963295"/>
+            <a:ext cx="1461135" cy="553085"/>
+          </a:xfrm>
+          <a:prstGeom prst="rect">
+            <a:avLst/>
+          </a:prstGeom>
+          <a:noFill/>
+        </p:spPr>
+        <p:txBody>
+          <a:bodyPr wrap="none" rtlCol="0">
+            <a:spAutoFit/>
+          </a:bodyPr>
+          <a:p>
+            <a:pPr algn="l"/>
+            <a:r>
+              <a:rPr lang="zh-CN" altLang="en-US" sz="1000">
+                <a:latin typeface="+mn-ea"/>
+                <a:cs typeface="+mn-ea"/>
+              </a:rPr>
+              <a:t>第一次实际搬运 </a:t>
+            </a:r>
+            <a:r>
+              <a:rPr lang="en-US" altLang="zh-CN" sz="1000">
+                <a:latin typeface="+mn-ea"/>
+                <a:cs typeface="+mn-ea"/>
+              </a:rPr>
+              <a:t>len=5</a:t>
+            </a:r>
+            <a:endParaRPr lang="en-US" altLang="zh-CN" sz="1000">
+              <a:latin typeface="+mn-ea"/>
+              <a:cs typeface="+mn-ea"/>
+            </a:endParaRPr>
+          </a:p>
+          <a:p>
+            <a:pPr algn="l"/>
+            <a:r>
+              <a:rPr lang="zh-CN" altLang="en-US" sz="1000">
+                <a:latin typeface="+mn-ea"/>
+                <a:cs typeface="+mn-ea"/>
+                <a:sym typeface="+mn-ea"/>
+              </a:rPr>
+              <a:t>第二次实际搬运 </a:t>
+            </a:r>
+            <a:r>
+              <a:rPr lang="en-US" altLang="zh-CN" sz="1000">
+                <a:latin typeface="+mn-ea"/>
+                <a:cs typeface="+mn-ea"/>
+                <a:sym typeface="+mn-ea"/>
+              </a:rPr>
+              <a:t>len=5</a:t>
+            </a:r>
+            <a:endParaRPr lang="en-US" altLang="zh-CN" sz="1000">
+              <a:latin typeface="+mn-ea"/>
+              <a:cs typeface="+mn-ea"/>
+            </a:endParaRPr>
+          </a:p>
+          <a:p>
+            <a:pPr algn="l"/>
+            <a:r>
+              <a:rPr lang="zh-CN" altLang="en-US" sz="1000">
+                <a:latin typeface="+mn-ea"/>
+                <a:cs typeface="+mn-ea"/>
+                <a:sym typeface="+mn-ea"/>
+              </a:rPr>
+              <a:t>第三次实际搬运 </a:t>
+            </a:r>
+            <a:r>
+              <a:rPr lang="en-US" altLang="zh-CN" sz="1000">
+                <a:latin typeface="+mn-ea"/>
+                <a:cs typeface="+mn-ea"/>
+                <a:sym typeface="+mn-ea"/>
+              </a:rPr>
+              <a:t>len=2</a:t>
+            </a:r>
+            <a:endParaRPr lang="en-US" altLang="zh-CN" sz="1000">
+              <a:latin typeface="+mn-ea"/>
+              <a:cs typeface="+mn-ea"/>
+            </a:endParaRPr>
+          </a:p>
+        </p:txBody>
+      </p:sp>
+      <p:sp>
+        <p:nvSpPr>
+          <p:cNvPr id="131" name="立方体 130"/>
+          <p:cNvSpPr/>
+          <p:nvPr/>
+        </p:nvSpPr>
+        <p:spPr>
+          <a:xfrm>
+            <a:off x="4457065" y="3548380"/>
+            <a:ext cx="355600" cy="346075"/>
+          </a:xfrm>
+          <a:prstGeom prst="cube">
+            <a:avLst/>
+          </a:prstGeom>
+        </p:spPr>
+        <p:style>
+          <a:lnRef idx="2">
+            <a:schemeClr val="accent1">
+              <a:shade val="50000"/>
+            </a:schemeClr>
+          </a:lnRef>
+          <a:fillRef idx="1">
+            <a:schemeClr val="accent1"/>
+          </a:fillRef>
+          <a:effectRef idx="0">
+            <a:schemeClr val="accent1"/>
+          </a:effectRef>
+          <a:fontRef idx="minor">
+            <a:schemeClr val="lt1"/>
+          </a:fontRef>
+        </p:style>
+        <p:txBody>
+          <a:bodyPr rtlCol="0" anchor="ctr"/>
+          <a:p>
+            <a:pPr algn="ctr"/>
+            <a:endParaRPr lang="zh-CN" altLang="en-US"/>
+          </a:p>
+        </p:txBody>
+      </p:sp>
+      <p:cxnSp>
+        <p:nvCxnSpPr>
+          <p:cNvPr id="132" name="直接箭头连接符 131"/>
+          <p:cNvCxnSpPr>
+            <a:stCxn id="131" idx="0"/>
+          </p:cNvCxnSpPr>
+          <p:nvPr/>
+        </p:nvCxnSpPr>
+        <p:spPr>
+          <a:xfrm flipV="1">
+            <a:off x="4678045" y="3168650"/>
+            <a:ext cx="588010" cy="379730"/>
+          </a:xfrm>
+          <a:prstGeom prst="straightConnector1">
+            <a:avLst/>
+          </a:prstGeom>
+          <a:ln w="28575">
+            <a:solidFill>
+              <a:srgbClr val="FF0000"/>
+            </a:solidFill>
+            <a:prstDash val="solid"/>
+            <a:tailEnd type="arrow"/>
+          </a:ln>
+        </p:spPr>
+        <p:style>
+          <a:lnRef idx="1">
+            <a:schemeClr val="accent1"/>
+          </a:lnRef>
+          <a:fillRef idx="0">
+            <a:schemeClr val="accent1"/>
+          </a:fillRef>
+          <a:effectRef idx="0">
+            <a:schemeClr val="accent1"/>
+          </a:effectRef>
+          <a:fontRef idx="minor">
+            <a:schemeClr val="tx1"/>
+          </a:fontRef>
+        </p:style>
+      </p:cxnSp>
+      <p:cxnSp>
+        <p:nvCxnSpPr>
+          <p:cNvPr id="134" name="直接箭头连接符 133"/>
+          <p:cNvCxnSpPr/>
+          <p:nvPr/>
+        </p:nvCxnSpPr>
+        <p:spPr>
+          <a:xfrm flipH="1">
+            <a:off x="4812665" y="3336925"/>
+            <a:ext cx="544195" cy="330835"/>
+          </a:xfrm>
+          <a:prstGeom prst="straightConnector1">
+            <a:avLst/>
+          </a:prstGeom>
+          <a:ln w="28575">
+            <a:solidFill>
+              <a:srgbClr val="FF0000"/>
+            </a:solidFill>
+            <a:prstDash val="dash"/>
+            <a:tailEnd type="arrow"/>
+          </a:ln>
+        </p:spPr>
+        <p:style>
+          <a:lnRef idx="1">
+            <a:schemeClr val="accent1"/>
+          </a:lnRef>
+          <a:fillRef idx="0">
+            <a:schemeClr val="accent1"/>
+          </a:fillRef>
+          <a:effectRef idx="0">
+            <a:schemeClr val="accent1"/>
+          </a:effectRef>
+          <a:fontRef idx="minor">
+            <a:schemeClr val="tx1"/>
+          </a:fontRef>
+        </p:style>
+      </p:cxnSp>
+      <p:sp>
+        <p:nvSpPr>
+          <p:cNvPr id="135" name="文本框 134"/>
+          <p:cNvSpPr txBox="1"/>
+          <p:nvPr/>
+        </p:nvSpPr>
+        <p:spPr>
+          <a:xfrm>
+            <a:off x="3704590" y="3147695"/>
+            <a:ext cx="1198880" cy="398780"/>
+          </a:xfrm>
+          <a:prstGeom prst="rect">
+            <a:avLst/>
+          </a:prstGeom>
+          <a:noFill/>
+        </p:spPr>
+        <p:txBody>
+          <a:bodyPr wrap="none" rtlCol="0">
+            <a:spAutoFit/>
+          </a:bodyPr>
+          <a:p>
+            <a:pPr algn="l"/>
+            <a:r>
+              <a:rPr lang="zh-CN" sz="1000">
+                <a:latin typeface="+mn-ea"/>
+                <a:cs typeface="+mn-ea"/>
+              </a:rPr>
+              <a:t>字符可以转换成</a:t>
+            </a:r>
+            <a:endParaRPr lang="zh-CN" sz="1000">
+              <a:latin typeface="+mn-ea"/>
+              <a:cs typeface="+mn-ea"/>
+            </a:endParaRPr>
+          </a:p>
+          <a:p>
+            <a:pPr algn="l"/>
+            <a:r>
+              <a:rPr lang="zh-CN" sz="1000">
+                <a:latin typeface="+mn-ea"/>
+                <a:cs typeface="+mn-ea"/>
+              </a:rPr>
+              <a:t>字节数组写入文件</a:t>
+            </a:r>
+            <a:endParaRPr lang="zh-CN" sz="1000">
+              <a:latin typeface="+mn-ea"/>
+              <a:cs typeface="+mn-ea"/>
+            </a:endParaRPr>
+          </a:p>
+        </p:txBody>
+      </p:sp>
+      <p:sp>
+        <p:nvSpPr>
+          <p:cNvPr id="136" name="文本框 135"/>
+          <p:cNvSpPr txBox="1"/>
+          <p:nvPr/>
+        </p:nvSpPr>
+        <p:spPr>
+          <a:xfrm>
+            <a:off x="4855210" y="3712210"/>
+            <a:ext cx="1452880" cy="398780"/>
+          </a:xfrm>
+          <a:prstGeom prst="rect">
+            <a:avLst/>
+          </a:prstGeom>
+          <a:noFill/>
+        </p:spPr>
+        <p:txBody>
+          <a:bodyPr wrap="none" rtlCol="0">
+            <a:spAutoFit/>
+          </a:bodyPr>
+          <a:p>
+            <a:pPr algn="l"/>
+            <a:r>
+              <a:rPr lang="zh-CN" sz="1000">
+                <a:latin typeface="+mn-ea"/>
+                <a:cs typeface="+mn-ea"/>
+              </a:rPr>
+              <a:t>字节数组不一定能转换</a:t>
+            </a:r>
+            <a:endParaRPr lang="zh-CN" sz="1000">
+              <a:latin typeface="+mn-ea"/>
+              <a:cs typeface="+mn-ea"/>
+            </a:endParaRPr>
+          </a:p>
+          <a:p>
+            <a:pPr algn="l"/>
+            <a:r>
+              <a:rPr lang="zh-CN" sz="1000">
+                <a:latin typeface="+mn-ea"/>
+                <a:cs typeface="+mn-ea"/>
+              </a:rPr>
+              <a:t>成字符强转可能会乱码</a:t>
+            </a:r>
+            <a:endParaRPr lang="zh-CN" sz="1000">
+              <a:latin typeface="+mn-ea"/>
+              <a:cs typeface="+mn-ea"/>
+            </a:endParaRPr>
+          </a:p>
+        </p:txBody>
+      </p:sp>
+      <p:sp>
+        <p:nvSpPr>
+          <p:cNvPr id="137" name="矩形 136"/>
+          <p:cNvSpPr/>
+          <p:nvPr/>
+        </p:nvSpPr>
+        <p:spPr>
+          <a:xfrm>
+            <a:off x="6308090" y="6024245"/>
+            <a:ext cx="3164840" cy="303530"/>
+          </a:xfrm>
+          <a:prstGeom prst="rect">
+            <a:avLst/>
+          </a:prstGeom>
+          <a:solidFill>
+            <a:schemeClr val="bg1">
+              <a:lumMod val="50000"/>
+            </a:schemeClr>
+          </a:solidFill>
+          <a:ln>
+            <a:solidFill>
+              <a:schemeClr val="bg1"/>
+            </a:solidFill>
+          </a:ln>
+        </p:spPr>
+        <p:style>
+          <a:lnRef idx="2">
+            <a:schemeClr val="accent1">
+              <a:shade val="50000"/>
+            </a:schemeClr>
+          </a:lnRef>
+          <a:fillRef idx="1">
+            <a:schemeClr val="accent1"/>
+          </a:fillRef>
+          <a:effectRef idx="0">
+            <a:schemeClr val="accent1"/>
+          </a:effectRef>
+          <a:fontRef idx="minor">
+            <a:schemeClr val="lt1"/>
+          </a:fontRef>
+        </p:style>
+        <p:txBody>
+          <a:bodyPr rtlCol="0" anchor="ctr"/>
+          <a:p>
+            <a:pPr algn="ctr"/>
+            <a:r>
+              <a:rPr lang="zh-CN" altLang="en-US" sz="1200">
+                <a:latin typeface="+mn-ea"/>
+                <a:cs typeface="宋体" panose="02010600030101010101" pitchFamily="2" charset="-122"/>
+                <a:sym typeface="+mn-ea"/>
+              </a:rPr>
+              <a:t>字符数组容量为</a:t>
+            </a:r>
+            <a:r>
+              <a:rPr lang="en-US" altLang="zh-CN" sz="1200">
+                <a:latin typeface="+mn-ea"/>
+                <a:cs typeface="宋体" panose="02010600030101010101" pitchFamily="2" charset="-122"/>
+                <a:sym typeface="+mn-ea"/>
+              </a:rPr>
+              <a:t>2</a:t>
+            </a:r>
+            <a:r>
+              <a:rPr lang="zh-CN" altLang="en-US" sz="1200">
+                <a:latin typeface="+mn-ea"/>
+                <a:cs typeface="宋体" panose="02010600030101010101" pitchFamily="2" charset="-122"/>
+                <a:sym typeface="+mn-ea"/>
+              </a:rPr>
+              <a:t>，</a:t>
+            </a:r>
+            <a:r>
+              <a:rPr lang="zh-CN" altLang="en-US" sz="1200">
+                <a:latin typeface="+mn-ea"/>
+                <a:cs typeface="宋体" panose="02010600030101010101" pitchFamily="2" charset="-122"/>
+                <a:sym typeface="+mn-ea"/>
+              </a:rPr>
+              <a:t>搬运 </a:t>
+            </a:r>
+            <a:r>
+              <a:rPr lang="en-US" altLang="zh-CN" sz="1200">
+                <a:latin typeface="+mn-ea"/>
+                <a:cs typeface="宋体" panose="02010600030101010101" pitchFamily="2" charset="-122"/>
+                <a:sym typeface="+mn-ea"/>
+              </a:rPr>
+              <a:t>4 </a:t>
+            </a:r>
+            <a:r>
+              <a:rPr lang="zh-CN" altLang="en-US" sz="1200">
+                <a:latin typeface="+mn-ea"/>
+                <a:cs typeface="宋体" panose="02010600030101010101" pitchFamily="2" charset="-122"/>
+                <a:sym typeface="+mn-ea"/>
+              </a:rPr>
+              <a:t>次，刚好搬完</a:t>
+            </a:r>
+            <a:endParaRPr lang="zh-CN" altLang="en-US" sz="1200" b="1">
+              <a:solidFill>
+                <a:schemeClr val="bg1"/>
+              </a:solidFill>
+              <a:latin typeface="+mn-ea"/>
+              <a:cs typeface="宋体" panose="02010600030101010101" pitchFamily="2" charset="-122"/>
+              <a:sym typeface="+mn-ea"/>
+            </a:endParaRPr>
           </a:p>
         </p:txBody>
       </p:sp>
@@ -17545,7 +20883,7 @@
         <p:spPr>
           <a:xfrm>
             <a:off x="422910" y="822960"/>
-            <a:ext cx="6720840" cy="2122170"/>
+            <a:ext cx="6720840" cy="2258695"/>
           </a:xfrm>
           <a:prstGeom prst="rect">
             <a:avLst/>
@@ -17695,6 +21033,42 @@
                 <a:sym typeface="+mn-ea"/>
               </a:rPr>
               <a:t>        Writer writer = new FileWriter("D:/io4.txt");</a:t>
+            </a:r>
+            <a:endParaRPr lang="zh-CN" altLang="en-US" sz="1200">
+              <a:solidFill>
+                <a:schemeClr val="tx1"/>
+              </a:solidFill>
+              <a:sym typeface="+mn-ea"/>
+            </a:endParaRPr>
+          </a:p>
+          <a:p>
+            <a:pPr algn="l"/>
+            <a:r>
+              <a:rPr lang="zh-CN" altLang="en-US" sz="1200">
+                <a:solidFill>
+                  <a:schemeClr val="tx1"/>
+                </a:solidFill>
+                <a:sym typeface="+mn-ea"/>
+              </a:rPr>
+              <a:t>        writer.write('a');</a:t>
+            </a:r>
+            <a:endParaRPr lang="zh-CN" altLang="en-US" sz="1200">
+              <a:solidFill>
+                <a:schemeClr val="tx1"/>
+              </a:solidFill>
+              <a:sym typeface="+mn-ea"/>
+            </a:endParaRPr>
+          </a:p>
+          <a:p>
+            <a:pPr algn="l"/>
+            <a:r>
+              <a:rPr lang="zh-CN" altLang="en-US" sz="1200">
+                <a:solidFill>
+                  <a:schemeClr val="tx1"/>
+                </a:solidFill>
+                <a:sym typeface="+mn-ea"/>
+              </a:rPr>
+              <a:t>        writer.write(new char[] {'a', 'b', 'c'});</a:t>
             </a:r>
             <a:endParaRPr lang="zh-CN" altLang="en-US" sz="1200">
               <a:solidFill>
@@ -18062,7 +21436,7 @@
         </p:nvSpPr>
         <p:spPr>
           <a:xfrm>
-            <a:off x="7469505" y="822960"/>
+            <a:off x="7378700" y="822960"/>
             <a:ext cx="4018280" cy="3178175"/>
           </a:xfrm>
           <a:prstGeom prst="rect">
@@ -20586,7 +23960,25 @@
                 </a:solidFill>
                 <a:sym typeface="+mn-ea"/>
               </a:rPr>
-              <a:t>public class Address implements Serializable {</a:t>
+              <a:t>public class Address</a:t>
+            </a:r>
+            <a:r>
+              <a:rPr lang="zh-CN" altLang="en-US" sz="1200" b="1">
+                <a:solidFill>
+                  <a:srgbClr val="FF0000"/>
+                </a:solidFill>
+                <a:sym typeface="+mn-ea"/>
+              </a:rPr>
+              <a:t> implements Serializable </a:t>
+            </a:r>
+            <a:r>
+              <a:rPr lang="zh-CN" altLang="en-US" sz="1200">
+                <a:solidFill>
+                  <a:schemeClr val="tx1"/>
+                </a:solidFill>
+                <a:sym typeface="+mn-ea"/>
+              </a:rPr>
+              <a:t>{</a:t>
             </a:r>
             <a:endParaRPr lang="zh-CN" altLang="en-US" sz="1200">
               <a:solidFill>
@@ -20667,11 +24059,20 @@
                 </a:solidFill>
                 <a:sym typeface="+mn-ea"/>
               </a:rPr>
-              <a:t>    private static final long serialVersionUID = -1193449394540803318L;</a:t>
-            </a:r>
-            <a:endParaRPr lang="zh-CN" altLang="en-US" sz="1200">
-              <a:solidFill>
-                <a:schemeClr val="tx1"/>
+              <a:t>   </a:t>
+            </a:r>
+            <a:r>
+              <a:rPr lang="zh-CN" altLang="en-US" sz="1200" b="1">
+                <a:solidFill>
+                  <a:srgbClr val="FF0000"/>
+                </a:solidFill>
+                <a:sym typeface="+mn-ea"/>
+              </a:rPr>
+              <a:t> private static final long serialVersionUID = -1193449394540803318L;</a:t>
+            </a:r>
+            <a:endParaRPr lang="zh-CN" altLang="en-US" sz="1200" b="1">
+              <a:solidFill>
+                <a:srgbClr val="FF0000"/>
               </a:solidFill>
               <a:sym typeface="+mn-ea"/>
             </a:endParaRPr>
@@ -21400,6 +24801,116 @@
 </file>
 
 <file path=ppt/slides/slide27.xml><?xml version="1.0" encoding="utf-8"?>
+<p:sld xmlns:a="http://schemas.openxmlformats.org/drawingml/2006/main" xmlns:r="http://schemas.openxmlformats.org/officeDocument/2006/relationships" xmlns:p="http://schemas.openxmlformats.org/presentationml/2006/main">
+  <p:cSld>
+    <p:bg>
+      <p:bgPr>
+        <a:blipFill rotWithShape="1">
+          <a:blip r:embed="rId1"/>
+          <a:stretch>
+            <a:fillRect/>
+          </a:stretch>
+        </a:blipFill>
+        <a:effectLst/>
+      </p:bgPr>
+    </p:bg>
+    <p:spTree>
+      <p:nvGrpSpPr>
+        <p:cNvPr id="1" name=""/>
+        <p:cNvGrpSpPr/>
+        <p:nvPr/>
+      </p:nvGrpSpPr>
+      <p:grpSpPr/>
+      <p:pic>
+        <p:nvPicPr>
+          <p:cNvPr id="5" name="图片 4"/>
+          <p:cNvPicPr>
+            <a:picLocks noChangeAspect="1"/>
+          </p:cNvPicPr>
+          <p:nvPr/>
+        </p:nvPicPr>
+        <p:blipFill>
+          <a:blip r:embed="rId2"/>
+          <a:stretch>
+            <a:fillRect/>
+          </a:stretch>
+        </p:blipFill>
+        <p:spPr>
+          <a:xfrm>
+            <a:off x="576580" y="898525"/>
+            <a:ext cx="7950835" cy="5502275"/>
+          </a:xfrm>
+          <a:prstGeom prst="rect">
+            <a:avLst/>
+          </a:prstGeom>
+        </p:spPr>
+      </p:pic>
+      <p:sp>
+        <p:nvSpPr>
+          <p:cNvPr id="6" name="文本框 5"/>
+          <p:cNvSpPr txBox="1"/>
+          <p:nvPr/>
+        </p:nvSpPr>
+        <p:spPr>
+          <a:xfrm>
+            <a:off x="8700770" y="898525"/>
+            <a:ext cx="3034030" cy="1753235"/>
+          </a:xfrm>
+          <a:prstGeom prst="rect">
+            <a:avLst/>
+          </a:prstGeom>
+          <a:noFill/>
+        </p:spPr>
+        <p:txBody>
+          <a:bodyPr wrap="square" rtlCol="0">
+            <a:spAutoFit/>
+          </a:bodyPr>
+          <a:p>
+            <a:pPr algn="l"/>
+            <a:r>
+              <a:rPr lang="en-US" altLang="zh-CN"/>
+              <a:t>IDEA </a:t>
+            </a:r>
+            <a:r>
+              <a:rPr lang="zh-CN" altLang="en-US"/>
+              <a:t>中实体类序列化后</a:t>
+            </a:r>
+            <a:endParaRPr lang="zh-CN" altLang="en-US"/>
+          </a:p>
+          <a:p>
+            <a:pPr algn="l"/>
+            <a:r>
+              <a:rPr lang="zh-CN" altLang="en-US"/>
+              <a:t>生成序列化版本 ID 的方法</a:t>
+            </a:r>
+            <a:endParaRPr lang="zh-CN" altLang="en-US"/>
+          </a:p>
+          <a:p>
+            <a:pPr algn="l"/>
+            <a:endParaRPr lang="zh-CN" altLang="en-US"/>
+          </a:p>
+          <a:p>
+            <a:pPr algn="l"/>
+            <a:r>
+              <a:rPr lang="zh-CN" altLang="en-US"/>
+              <a:t>将光标放到实体类上，按alt+回车就可以出现生成序列版本ID了</a:t>
+            </a:r>
+            <a:endParaRPr lang="zh-CN" altLang="en-US"/>
+          </a:p>
+        </p:txBody>
+      </p:sp>
+    </p:spTree>
+    <p:custDataLst>
+      <p:tags r:id="rId3"/>
+    </p:custDataLst>
+  </p:cSld>
+  <p:clrMapOvr>
+    <a:masterClrMapping/>
+  </p:clrMapOvr>
+</p:sld>
+</file>
+
+<file path=ppt/slides/slide28.xml><?xml version="1.0" encoding="utf-8"?>
 <p:sld xmlns:a="http://schemas.openxmlformats.org/drawingml/2006/main" xmlns:r="http://schemas.openxmlformats.org/officeDocument/2006/relationships" xmlns:p="http://schemas.openxmlformats.org/presentationml/2006/main">
   <p:cSld>
     <p:bg>
@@ -21508,7 +25019,7 @@
 </p:sld>
 </file>
 
-<file path=ppt/slides/slide28.xml><?xml version="1.0" encoding="utf-8"?>
+<file path=ppt/slides/slide29.xml><?xml version="1.0" encoding="utf-8"?>
 <p:sld xmlns:a="http://schemas.openxmlformats.org/drawingml/2006/main" xmlns:r="http://schemas.openxmlformats.org/officeDocument/2006/relationships" xmlns:p="http://schemas.openxmlformats.org/presentationml/2006/main">
   <p:cSld>
     <p:bg>
@@ -22001,7 +25512,98 @@
 </p:sld>
 </file>
 
-<file path=ppt/slides/slide29.xml><?xml version="1.0" encoding="utf-8"?>
+<file path=ppt/slides/slide3.xml><?xml version="1.0" encoding="utf-8"?>
+<p:sld xmlns:a="http://schemas.openxmlformats.org/drawingml/2006/main" xmlns:r="http://schemas.openxmlformats.org/officeDocument/2006/relationships" xmlns:p="http://schemas.openxmlformats.org/presentationml/2006/main">
+  <p:cSld>
+    <p:bg>
+      <p:bgPr>
+        <a:blipFill rotWithShape="1">
+          <a:blip r:embed="rId1"/>
+          <a:stretch>
+            <a:fillRect/>
+          </a:stretch>
+        </a:blipFill>
+        <a:effectLst/>
+      </p:bgPr>
+    </p:bg>
+    <p:spTree>
+      <p:nvGrpSpPr>
+        <p:cNvPr id="1" name=""/>
+        <p:cNvGrpSpPr/>
+        <p:nvPr/>
+      </p:nvGrpSpPr>
+      <p:grpSpPr/>
+      <p:sp>
+        <p:nvSpPr>
+          <p:cNvPr id="2" name="圆角矩形 1"/>
+          <p:cNvSpPr/>
+          <p:nvPr/>
+        </p:nvSpPr>
+        <p:spPr>
+          <a:xfrm>
+            <a:off x="3453765" y="2649855"/>
+            <a:ext cx="5045710" cy="1202055"/>
+          </a:xfrm>
+          <a:prstGeom prst="roundRect">
+            <a:avLst/>
+          </a:prstGeom>
+          <a:solidFill>
+            <a:srgbClr val="F59909"/>
+          </a:solidFill>
+          <a:ln>
+            <a:solidFill>
+              <a:schemeClr val="bg1"/>
+            </a:solidFill>
+          </a:ln>
+        </p:spPr>
+        <p:style>
+          <a:lnRef idx="2">
+            <a:schemeClr val="accent1">
+              <a:shade val="50000"/>
+            </a:schemeClr>
+          </a:lnRef>
+          <a:fillRef idx="1">
+            <a:schemeClr val="accent1"/>
+          </a:fillRef>
+          <a:effectRef idx="0">
+            <a:schemeClr val="accent1"/>
+          </a:effectRef>
+          <a:fontRef idx="minor">
+            <a:schemeClr val="lt1"/>
+          </a:fontRef>
+        </p:style>
+        <p:txBody>
+          <a:bodyPr rtlCol="0" anchor="ctr"/>
+          <a:p>
+            <a:pPr algn="ctr"/>
+            <a:r>
+              <a:rPr lang="en-US" altLang="zh-CN" sz="3200">
+                <a:sym typeface="+mn-ea"/>
+              </a:rPr>
+              <a:t>Java</a:t>
+            </a:r>
+            <a:r>
+              <a:rPr lang="zh-CN" altLang="en-US" sz="3200">
+                <a:sym typeface="+mn-ea"/>
+              </a:rPr>
+              <a:t>文件系统</a:t>
+            </a:r>
+            <a:endParaRPr lang="zh-CN" sz="3200"/>
+          </a:p>
+        </p:txBody>
+      </p:sp>
+    </p:spTree>
+    <p:custDataLst>
+      <p:tags r:id="rId2"/>
+    </p:custDataLst>
+  </p:cSld>
+  <p:clrMapOvr>
+    <a:masterClrMapping/>
+  </p:clrMapOvr>
+</p:sld>
+</file>
+
+<file path=ppt/slides/slide30.xml><?xml version="1.0" encoding="utf-8"?>
 <p:sld xmlns:a="http://schemas.openxmlformats.org/drawingml/2006/main" xmlns:r="http://schemas.openxmlformats.org/officeDocument/2006/relationships" xmlns:p="http://schemas.openxmlformats.org/presentationml/2006/main">
   <p:cSld>
     <p:bg>
@@ -22463,98 +26065,7 @@
 </p:sld>
 </file>
 
-<file path=ppt/slides/slide3.xml><?xml version="1.0" encoding="utf-8"?>
-<p:sld xmlns:a="http://schemas.openxmlformats.org/drawingml/2006/main" xmlns:r="http://schemas.openxmlformats.org/officeDocument/2006/relationships" xmlns:p="http://schemas.openxmlformats.org/presentationml/2006/main">
-  <p:cSld>
-    <p:bg>
-      <p:bgPr>
-        <a:blipFill rotWithShape="1">
-          <a:blip r:embed="rId1"/>
-          <a:stretch>
-            <a:fillRect/>
-          </a:stretch>
-        </a:blipFill>
-        <a:effectLst/>
-      </p:bgPr>
-    </p:bg>
-    <p:spTree>
-      <p:nvGrpSpPr>
-        <p:cNvPr id="1" name=""/>
-        <p:cNvGrpSpPr/>
-        <p:nvPr/>
-      </p:nvGrpSpPr>
-      <p:grpSpPr/>
-      <p:sp>
-        <p:nvSpPr>
-          <p:cNvPr id="2" name="圆角矩形 1"/>
-          <p:cNvSpPr/>
-          <p:nvPr/>
-        </p:nvSpPr>
-        <p:spPr>
-          <a:xfrm>
-            <a:off x="3453765" y="2649855"/>
-            <a:ext cx="5045710" cy="1202055"/>
-          </a:xfrm>
-          <a:prstGeom prst="roundRect">
-            <a:avLst/>
-          </a:prstGeom>
-          <a:solidFill>
-            <a:srgbClr val="F59909"/>
-          </a:solidFill>
-          <a:ln>
-            <a:solidFill>
-              <a:schemeClr val="bg1"/>
-            </a:solidFill>
-          </a:ln>
-        </p:spPr>
-        <p:style>
-          <a:lnRef idx="2">
-            <a:schemeClr val="accent1">
-              <a:shade val="50000"/>
-            </a:schemeClr>
-          </a:lnRef>
-          <a:fillRef idx="1">
-            <a:schemeClr val="accent1"/>
-          </a:fillRef>
-          <a:effectRef idx="0">
-            <a:schemeClr val="accent1"/>
-          </a:effectRef>
-          <a:fontRef idx="minor">
-            <a:schemeClr val="lt1"/>
-          </a:fontRef>
-        </p:style>
-        <p:txBody>
-          <a:bodyPr rtlCol="0" anchor="ctr"/>
-          <a:p>
-            <a:pPr algn="ctr"/>
-            <a:r>
-              <a:rPr lang="en-US" altLang="zh-CN" sz="3200">
-                <a:sym typeface="+mn-ea"/>
-              </a:rPr>
-              <a:t>Java</a:t>
-            </a:r>
-            <a:r>
-              <a:rPr lang="zh-CN" altLang="en-US" sz="3200">
-                <a:sym typeface="+mn-ea"/>
-              </a:rPr>
-              <a:t>文件系统</a:t>
-            </a:r>
-            <a:endParaRPr lang="zh-CN" sz="3200"/>
-          </a:p>
-        </p:txBody>
-      </p:sp>
-    </p:spTree>
-    <p:custDataLst>
-      <p:tags r:id="rId2"/>
-    </p:custDataLst>
-  </p:cSld>
-  <p:clrMapOvr>
-    <a:masterClrMapping/>
-  </p:clrMapOvr>
-</p:sld>
-</file>
-
-<file path=ppt/slides/slide30.xml><?xml version="1.0" encoding="utf-8"?>
+<file path=ppt/slides/slide31.xml><?xml version="1.0" encoding="utf-8"?>
 <p:sld xmlns:a="http://schemas.openxmlformats.org/drawingml/2006/main" xmlns:r="http://schemas.openxmlformats.org/officeDocument/2006/relationships" xmlns:p="http://schemas.openxmlformats.org/presentationml/2006/main">
   <p:cSld>
     <p:bg>
@@ -22769,43 +26280,43 @@
                 </a:solidFill>
                 <a:sym typeface="+mn-ea"/>
               </a:rPr>
-              <a:t>        address.setProvince("安徽省");</a:t>
-            </a:r>
-            <a:endParaRPr lang="zh-CN" altLang="en-US" sz="1200">
-              <a:solidFill>
-                <a:schemeClr val="tx1"/>
-              </a:solidFill>
-              <a:sym typeface="+mn-ea"/>
-            </a:endParaRPr>
-          </a:p>
-          <a:p>
-            <a:pPr algn="l"/>
-            <a:r>
-              <a:rPr lang="zh-CN" altLang="en-US" sz="1200">
-                <a:solidFill>
-                  <a:schemeClr val="tx1"/>
-                </a:solidFill>
-                <a:sym typeface="+mn-ea"/>
-              </a:rPr>
-              <a:t>        address.setCity("合肥市");</a:t>
-            </a:r>
-            <a:endParaRPr lang="zh-CN" altLang="en-US" sz="1200">
-              <a:solidFill>
-                <a:schemeClr val="tx1"/>
-              </a:solidFill>
-              <a:sym typeface="+mn-ea"/>
-            </a:endParaRPr>
-          </a:p>
-          <a:p>
-            <a:pPr algn="l"/>
-            <a:r>
-              <a:rPr lang="zh-CN" altLang="en-US" sz="1200">
-                <a:solidFill>
-                  <a:schemeClr val="tx1"/>
-                </a:solidFill>
-                <a:sym typeface="+mn-ea"/>
-              </a:rPr>
-              <a:t>        address.setCounty("肥西县");</a:t>
+              <a:t>        address.setProvince("广东省");</a:t>
+            </a:r>
+            <a:endParaRPr lang="zh-CN" altLang="en-US" sz="1200">
+              <a:solidFill>
+                <a:schemeClr val="tx1"/>
+              </a:solidFill>
+              <a:sym typeface="+mn-ea"/>
+            </a:endParaRPr>
+          </a:p>
+          <a:p>
+            <a:pPr algn="l"/>
+            <a:r>
+              <a:rPr lang="zh-CN" altLang="en-US" sz="1200">
+                <a:solidFill>
+                  <a:schemeClr val="tx1"/>
+                </a:solidFill>
+                <a:sym typeface="+mn-ea"/>
+              </a:rPr>
+              <a:t>        address.setCity("深圳市");</a:t>
+            </a:r>
+            <a:endParaRPr lang="zh-CN" altLang="en-US" sz="1200">
+              <a:solidFill>
+                <a:schemeClr val="tx1"/>
+              </a:solidFill>
+              <a:sym typeface="+mn-ea"/>
+            </a:endParaRPr>
+          </a:p>
+          <a:p>
+            <a:pPr algn="l"/>
+            <a:r>
+              <a:rPr lang="zh-CN" altLang="en-US" sz="1200">
+                <a:solidFill>
+                  <a:schemeClr val="tx1"/>
+                </a:solidFill>
+                <a:sym typeface="+mn-ea"/>
+              </a:rPr>
+              <a:t>        address.setCounty("南山区");</a:t>
             </a:r>
             <a:endParaRPr lang="zh-CN" altLang="en-US" sz="1200">
               <a:solidFill>
@@ -23334,7 +26845,7 @@
 </p:sld>
 </file>
 
-<file path=ppt/slides/slide31.xml><?xml version="1.0" encoding="utf-8"?>
+<file path=ppt/slides/slide32.xml><?xml version="1.0" encoding="utf-8"?>
 <p:sld xmlns:a="http://schemas.openxmlformats.org/drawingml/2006/main" xmlns:r="http://schemas.openxmlformats.org/officeDocument/2006/relationships" xmlns:p="http://schemas.openxmlformats.org/presentationml/2006/main">
   <p:cSld>
     <p:bg>
@@ -23425,7 +26936,7 @@
 </p:sld>
 </file>
 
-<file path=ppt/slides/slide32.xml><?xml version="1.0" encoding="utf-8"?>
+<file path=ppt/slides/slide33.xml><?xml version="1.0" encoding="utf-8"?>
 <p:sld xmlns:a="http://schemas.openxmlformats.org/drawingml/2006/main" xmlns:r="http://schemas.openxmlformats.org/officeDocument/2006/relationships" xmlns:p="http://schemas.openxmlformats.org/presentationml/2006/main">
   <p:cSld>
     <p:bg>
@@ -24011,7 +27522,7 @@
 </p:sld>
 </file>
 
-<file path=ppt/slides/slide33.xml><?xml version="1.0" encoding="utf-8"?>
+<file path=ppt/slides/slide34.xml><?xml version="1.0" encoding="utf-8"?>
 <p:sld xmlns:a="http://schemas.openxmlformats.org/drawingml/2006/main" xmlns:r="http://schemas.openxmlformats.org/officeDocument/2006/relationships" xmlns:p="http://schemas.openxmlformats.org/presentationml/2006/main">
   <p:cSld>
     <p:bg>
@@ -25226,6 +28737,80 @@
           </a:p>
         </p:txBody>
       </p:sp>
+      <p:sp>
+        <p:nvSpPr>
+          <p:cNvPr id="2" name="文本框 1"/>
+          <p:cNvSpPr txBox="1"/>
+          <p:nvPr/>
+        </p:nvSpPr>
+        <p:spPr>
+          <a:xfrm>
+            <a:off x="2097405" y="5136515"/>
+            <a:ext cx="1325880" cy="368300"/>
+          </a:xfrm>
+          <a:prstGeom prst="rect">
+            <a:avLst/>
+          </a:prstGeom>
+          <a:noFill/>
+        </p:spPr>
+        <p:txBody>
+          <a:bodyPr wrap="none" rtlCol="0">
+            <a:spAutoFit/>
+          </a:bodyPr>
+          <a:p>
+            <a:r>
+              <a:rPr lang="zh-CN" altLang="en-US" b="1">
+                <a:solidFill>
+                  <a:srgbClr val="FF0000"/>
+                </a:solidFill>
+              </a:rPr>
+              <a:t>高性能原因</a:t>
+            </a:r>
+            <a:endParaRPr lang="zh-CN" altLang="en-US" b="1">
+              <a:solidFill>
+                <a:srgbClr val="FF0000"/>
+              </a:solidFill>
+            </a:endParaRPr>
+          </a:p>
+        </p:txBody>
+      </p:sp>
+      <p:sp>
+        <p:nvSpPr>
+          <p:cNvPr id="6" name="文本框 5"/>
+          <p:cNvSpPr txBox="1"/>
+          <p:nvPr/>
+        </p:nvSpPr>
+        <p:spPr>
+          <a:xfrm>
+            <a:off x="6737985" y="5682615"/>
+            <a:ext cx="4297680" cy="368300"/>
+          </a:xfrm>
+          <a:prstGeom prst="rect">
+            <a:avLst/>
+          </a:prstGeom>
+          <a:noFill/>
+        </p:spPr>
+        <p:txBody>
+          <a:bodyPr wrap="none" rtlCol="0">
+            <a:spAutoFit/>
+          </a:bodyPr>
+          <a:p>
+            <a:r>
+              <a:rPr lang="zh-CN" altLang="en-US" b="1">
+                <a:solidFill>
+                  <a:srgbClr val="FF0000"/>
+                </a:solidFill>
+              </a:rPr>
+              <a:t>高级流原因（高级流底层封装了低级流）</a:t>
+            </a:r>
+            <a:endParaRPr lang="zh-CN" altLang="en-US" b="1">
+              <a:solidFill>
+                <a:srgbClr val="FF0000"/>
+              </a:solidFill>
+            </a:endParaRPr>
+          </a:p>
+        </p:txBody>
+      </p:sp>
     </p:spTree>
     <p:custDataLst>
       <p:tags r:id="rId2"/>
@@ -25237,7 +28822,7 @@
 </p:sld>
 </file>
 
-<file path=ppt/slides/slide34.xml><?xml version="1.0" encoding="utf-8"?>
+<file path=ppt/slides/slide35.xml><?xml version="1.0" encoding="utf-8"?>
 <p:sld xmlns:a="http://schemas.openxmlformats.org/drawingml/2006/main" xmlns:r="http://schemas.openxmlformats.org/officeDocument/2006/relationships" xmlns:p="http://schemas.openxmlformats.org/presentationml/2006/main">
   <p:cSld>
     <p:bg>
@@ -26071,7 +29656,7 @@
 </p:sld>
 </file>
 
-<file path=ppt/slides/slide35.xml><?xml version="1.0" encoding="utf-8"?>
+<file path=ppt/slides/slide36.xml><?xml version="1.0" encoding="utf-8"?>
 <p:sld xmlns:a="http://schemas.openxmlformats.org/drawingml/2006/main" xmlns:r="http://schemas.openxmlformats.org/officeDocument/2006/relationships" xmlns:p="http://schemas.openxmlformats.org/presentationml/2006/main">
   <p:cSld>
     <p:bg>
@@ -26162,7 +29747,7 @@
 </p:sld>
 </file>
 
-<file path=ppt/slides/slide36.xml><?xml version="1.0" encoding="utf-8"?>
+<file path=ppt/slides/slide37.xml><?xml version="1.0" encoding="utf-8"?>
 <p:sld xmlns:a="http://schemas.openxmlformats.org/drawingml/2006/main" xmlns:r="http://schemas.openxmlformats.org/officeDocument/2006/relationships" xmlns:p="http://schemas.openxmlformats.org/presentationml/2006/main">
   <p:cSld>
     <p:bg>
@@ -26787,7 +30372,7 @@
 </p:sld>
 </file>
 
-<file path=ppt/slides/slide37.xml><?xml version="1.0" encoding="utf-8"?>
+<file path=ppt/slides/slide38.xml><?xml version="1.0" encoding="utf-8"?>
 <p:sld xmlns:a="http://schemas.openxmlformats.org/drawingml/2006/main" xmlns:r="http://schemas.openxmlformats.org/officeDocument/2006/relationships" xmlns:p="http://schemas.openxmlformats.org/presentationml/2006/main">
   <p:cSld>
     <p:bg>
@@ -27259,7 +30844,7 @@
 </p:sld>
 </file>
 
-<file path=ppt/slides/slide38.xml><?xml version="1.0" encoding="utf-8"?>
+<file path=ppt/slides/slide39.xml><?xml version="1.0" encoding="utf-8"?>
 <p:sld xmlns:a="http://schemas.openxmlformats.org/drawingml/2006/main" xmlns:r="http://schemas.openxmlformats.org/officeDocument/2006/relationships" xmlns:p="http://schemas.openxmlformats.org/presentationml/2006/main">
   <p:cSld>
     <p:bg>
@@ -28225,91 +31810,6 @@
               <a:t>自动行刷新</a:t>
             </a:r>
             <a:endParaRPr lang="zh-CN" altLang="en-US"/>
-          </a:p>
-        </p:txBody>
-      </p:sp>
-    </p:spTree>
-    <p:custDataLst>
-      <p:tags r:id="rId2"/>
-    </p:custDataLst>
-  </p:cSld>
-  <p:clrMapOvr>
-    <a:masterClrMapping/>
-  </p:clrMapOvr>
-</p:sld>
-</file>
-
-<file path=ppt/slides/slide39.xml><?xml version="1.0" encoding="utf-8"?>
-<p:sld xmlns:a="http://schemas.openxmlformats.org/drawingml/2006/main" xmlns:r="http://schemas.openxmlformats.org/officeDocument/2006/relationships" xmlns:p="http://schemas.openxmlformats.org/presentationml/2006/main">
-  <p:cSld>
-    <p:bg>
-      <p:bgPr>
-        <a:blipFill rotWithShape="1">
-          <a:blip r:embed="rId1"/>
-          <a:stretch>
-            <a:fillRect/>
-          </a:stretch>
-        </a:blipFill>
-        <a:effectLst/>
-      </p:bgPr>
-    </p:bg>
-    <p:spTree>
-      <p:nvGrpSpPr>
-        <p:cNvPr id="1" name=""/>
-        <p:cNvGrpSpPr/>
-        <p:nvPr/>
-      </p:nvGrpSpPr>
-      <p:grpSpPr/>
-      <p:sp>
-        <p:nvSpPr>
-          <p:cNvPr id="2" name="圆角矩形 1"/>
-          <p:cNvSpPr/>
-          <p:nvPr/>
-        </p:nvSpPr>
-        <p:spPr>
-          <a:xfrm>
-            <a:off x="3095625" y="2828290"/>
-            <a:ext cx="6000750" cy="1202055"/>
-          </a:xfrm>
-          <a:prstGeom prst="roundRect">
-            <a:avLst/>
-          </a:prstGeom>
-          <a:solidFill>
-            <a:srgbClr val="F59909"/>
-          </a:solidFill>
-          <a:ln>
-            <a:solidFill>
-              <a:schemeClr val="bg1"/>
-            </a:solidFill>
-          </a:ln>
-        </p:spPr>
-        <p:style>
-          <a:lnRef idx="2">
-            <a:schemeClr val="accent1">
-              <a:shade val="50000"/>
-            </a:schemeClr>
-          </a:lnRef>
-          <a:fillRef idx="1">
-            <a:schemeClr val="accent1"/>
-          </a:fillRef>
-          <a:effectRef idx="0">
-            <a:schemeClr val="accent1"/>
-          </a:effectRef>
-          <a:fontRef idx="minor">
-            <a:schemeClr val="lt1"/>
-          </a:fontRef>
-        </p:style>
-        <p:txBody>
-          <a:bodyPr rtlCol="0" anchor="ctr"/>
-          <a:p>
-            <a:pPr algn="ctr"/>
-            <a:r>
-              <a:rPr lang="zh-CN" sz="3200">
-                <a:sym typeface="+mn-ea"/>
-              </a:rPr>
-              <a:t>RandomAccessFile 类</a:t>
-            </a:r>
-            <a:endParaRPr lang="zh-CN" sz="3200"/>
           </a:p>
         </p:txBody>
       </p:sp>
@@ -29224,6 +32724,91 @@
       <p:grpSpPr/>
       <p:sp>
         <p:nvSpPr>
+          <p:cNvPr id="2" name="圆角矩形 1"/>
+          <p:cNvSpPr/>
+          <p:nvPr/>
+        </p:nvSpPr>
+        <p:spPr>
+          <a:xfrm>
+            <a:off x="3095625" y="2828290"/>
+            <a:ext cx="6000750" cy="1202055"/>
+          </a:xfrm>
+          <a:prstGeom prst="roundRect">
+            <a:avLst/>
+          </a:prstGeom>
+          <a:solidFill>
+            <a:srgbClr val="F59909"/>
+          </a:solidFill>
+          <a:ln>
+            <a:solidFill>
+              <a:schemeClr val="bg1"/>
+            </a:solidFill>
+          </a:ln>
+        </p:spPr>
+        <p:style>
+          <a:lnRef idx="2">
+            <a:schemeClr val="accent1">
+              <a:shade val="50000"/>
+            </a:schemeClr>
+          </a:lnRef>
+          <a:fillRef idx="1">
+            <a:schemeClr val="accent1"/>
+          </a:fillRef>
+          <a:effectRef idx="0">
+            <a:schemeClr val="accent1"/>
+          </a:effectRef>
+          <a:fontRef idx="minor">
+            <a:schemeClr val="lt1"/>
+          </a:fontRef>
+        </p:style>
+        <p:txBody>
+          <a:bodyPr rtlCol="0" anchor="ctr"/>
+          <a:p>
+            <a:pPr algn="ctr"/>
+            <a:r>
+              <a:rPr lang="zh-CN" sz="3200">
+                <a:sym typeface="+mn-ea"/>
+              </a:rPr>
+              <a:t>RandomAccessFile 类</a:t>
+            </a:r>
+            <a:endParaRPr lang="zh-CN" sz="3200"/>
+          </a:p>
+        </p:txBody>
+      </p:sp>
+    </p:spTree>
+    <p:custDataLst>
+      <p:tags r:id="rId2"/>
+    </p:custDataLst>
+  </p:cSld>
+  <p:clrMapOvr>
+    <a:masterClrMapping/>
+  </p:clrMapOvr>
+</p:sld>
+</file>
+
+<file path=ppt/slides/slide41.xml><?xml version="1.0" encoding="utf-8"?>
+<p:sld xmlns:a="http://schemas.openxmlformats.org/drawingml/2006/main" xmlns:r="http://schemas.openxmlformats.org/officeDocument/2006/relationships" xmlns:p="http://schemas.openxmlformats.org/presentationml/2006/main">
+  <p:cSld>
+    <p:bg>
+      <p:bgPr>
+        <a:blipFill rotWithShape="1">
+          <a:blip r:embed="rId1"/>
+          <a:stretch>
+            <a:fillRect/>
+          </a:stretch>
+        </a:blipFill>
+        <a:effectLst/>
+      </p:bgPr>
+    </p:bg>
+    <p:spTree>
+      <p:nvGrpSpPr>
+        <p:cNvPr id="1" name=""/>
+        <p:cNvGrpSpPr/>
+        <p:nvPr/>
+      </p:nvGrpSpPr>
+      <p:grpSpPr/>
+      <p:sp>
+        <p:nvSpPr>
           <p:cNvPr id="2" name="文本框 1"/>
           <p:cNvSpPr txBox="1"/>
           <p:nvPr/>
@@ -29774,6 +33359,84 @@
           </a:p>
         </p:txBody>
       </p:sp>
+      <p:sp>
+        <p:nvSpPr>
+          <p:cNvPr id="11" name="云形标注 10"/>
+          <p:cNvSpPr/>
+          <p:nvPr/>
+        </p:nvSpPr>
+        <p:spPr>
+          <a:xfrm>
+            <a:off x="9247505" y="3687445"/>
+            <a:ext cx="2258695" cy="1302385"/>
+          </a:xfrm>
+          <a:prstGeom prst="cloudCallout">
+            <a:avLst>
+              <a:gd name="adj1" fmla="val -48256"/>
+              <a:gd name="adj2" fmla="val 91101"/>
+            </a:avLst>
+          </a:prstGeom>
+          <a:solidFill>
+            <a:srgbClr val="DBEEDF"/>
+          </a:solidFill>
+          <a:ln>
+            <a:solidFill>
+              <a:srgbClr val="DBEEDF"/>
+            </a:solidFill>
+          </a:ln>
+        </p:spPr>
+        <p:style>
+          <a:lnRef idx="2">
+            <a:schemeClr val="accent1">
+              <a:shade val="50000"/>
+            </a:schemeClr>
+          </a:lnRef>
+          <a:fillRef idx="1">
+            <a:schemeClr val="accent1"/>
+          </a:fillRef>
+          <a:effectRef idx="0">
+            <a:schemeClr val="accent1"/>
+          </a:effectRef>
+          <a:fontRef idx="minor">
+            <a:schemeClr val="lt1"/>
+          </a:fontRef>
+        </p:style>
+        <p:txBody>
+          <a:bodyPr rtlCol="0" anchor="ctr"/>
+          <a:p>
+            <a:pPr algn="ctr"/>
+            <a:r>
+              <a:rPr lang="zh-CN" altLang="en-US">
+                <a:solidFill>
+                  <a:srgbClr val="F7AF3F"/>
+                </a:solidFill>
+              </a:rPr>
+              <a:t>能力拓展</a:t>
+            </a:r>
+            <a:endParaRPr lang="zh-CN" altLang="en-US">
+              <a:solidFill>
+                <a:srgbClr val="F7AF3F"/>
+              </a:solidFill>
+            </a:endParaRPr>
+          </a:p>
+          <a:p>
+            <a:pPr algn="ctr"/>
+            <a:r>
+              <a:rPr lang="zh-CN" altLang="en-US">
+                <a:solidFill>
+                  <a:srgbClr val="F7AF3F"/>
+                </a:solidFill>
+              </a:rPr>
+              <a:t>（课后自学）</a:t>
+            </a:r>
+            <a:endParaRPr lang="zh-CN" altLang="en-US">
+              <a:solidFill>
+                <a:srgbClr val="F7AF3F"/>
+              </a:solidFill>
+            </a:endParaRPr>
+          </a:p>
+        </p:txBody>
+      </p:sp>
     </p:spTree>
     <p:custDataLst>
       <p:tags r:id="rId2"/>
@@ -29785,7 +33448,7 @@
 </p:sld>
 </file>
 
-<file path=ppt/slides/slide41.xml><?xml version="1.0" encoding="utf-8"?>
+<file path=ppt/slides/slide42.xml><?xml version="1.0" encoding="utf-8"?>
 <p:sld xmlns:a="http://schemas.openxmlformats.org/drawingml/2006/main" xmlns:r="http://schemas.openxmlformats.org/officeDocument/2006/relationships" xmlns:p="http://schemas.openxmlformats.org/presentationml/2006/main">
   <p:cSld>
     <p:bg>
@@ -30971,7 +34634,7 @@
 </p:sld>
 </file>
 
-<file path=ppt/slides/slide42.xml><?xml version="1.0" encoding="utf-8"?>
+<file path=ppt/slides/slide43.xml><?xml version="1.0" encoding="utf-8"?>
 <p:sld xmlns:a="http://schemas.openxmlformats.org/drawingml/2006/main" xmlns:r="http://schemas.openxmlformats.org/officeDocument/2006/relationships" xmlns:p="http://schemas.openxmlformats.org/presentationml/2006/main">
   <p:cSld>
     <p:bg>
@@ -31539,7 +35202,7 @@
 </p:sld>
 </file>
 
-<file path=ppt/slides/slide43.xml><?xml version="1.0" encoding="utf-8"?>
+<file path=ppt/slides/slide44.xml><?xml version="1.0" encoding="utf-8"?>
 <p:sld xmlns:a="http://schemas.openxmlformats.org/drawingml/2006/main" xmlns:r="http://schemas.openxmlformats.org/officeDocument/2006/relationships" xmlns:p="http://schemas.openxmlformats.org/presentationml/2006/main">
   <p:cSld>
     <p:bg>
@@ -32269,7 +35932,7 @@
 </p:sld>
 </file>
 
-<file path=ppt/slides/slide44.xml><?xml version="1.0" encoding="utf-8"?>
+<file path=ppt/slides/slide45.xml><?xml version="1.0" encoding="utf-8"?>
 <p:sld xmlns:a="http://schemas.openxmlformats.org/drawingml/2006/main" xmlns:r="http://schemas.openxmlformats.org/officeDocument/2006/relationships" xmlns:p="http://schemas.openxmlformats.org/presentationml/2006/main">
   <p:cSld>
     <p:bg>
@@ -33026,7 +36689,7 @@
 </p:sld>
 </file>
 
-<file path=ppt/slides/slide45.xml><?xml version="1.0" encoding="utf-8"?>
+<file path=ppt/slides/slide46.xml><?xml version="1.0" encoding="utf-8"?>
 <p:sld xmlns:a="http://schemas.openxmlformats.org/drawingml/2006/main" xmlns:r="http://schemas.openxmlformats.org/officeDocument/2006/relationships" xmlns:p="http://schemas.openxmlformats.org/presentationml/2006/main">
   <p:cSld>
     <p:bg>
@@ -33111,7 +36774,7 @@
 </p:sld>
 </file>
 
-<file path=ppt/slides/slide46.xml><?xml version="1.0" encoding="utf-8"?>
+<file path=ppt/slides/slide47.xml><?xml version="1.0" encoding="utf-8"?>
 <p:sld xmlns:a="http://schemas.openxmlformats.org/drawingml/2006/main" xmlns:r="http://schemas.openxmlformats.org/officeDocument/2006/relationships" xmlns:p="http://schemas.openxmlformats.org/presentationml/2006/main">
   <p:cSld>
     <p:bg>
@@ -33406,18 +37069,26 @@
       </p:sp>
       <p:sp>
         <p:nvSpPr>
-          <p:cNvPr id="3" name="矩形 2"/>
+          <p:cNvPr id="7" name="矩形 6"/>
           <p:cNvSpPr/>
           <p:nvPr/>
         </p:nvSpPr>
         <p:spPr>
           <a:xfrm>
-            <a:off x="8180070" y="2432685"/>
-            <a:ext cx="1655445" cy="366395"/>
+            <a:off x="280670" y="3227070"/>
+            <a:ext cx="3636010" cy="2890520"/>
           </a:xfrm>
           <a:prstGeom prst="rect">
             <a:avLst/>
           </a:prstGeom>
+          <a:solidFill>
+            <a:schemeClr val="bg1"/>
+          </a:solidFill>
+          <a:ln w="28575">
+            <a:solidFill>
+              <a:srgbClr val="F59909"/>
+            </a:solidFill>
+          </a:ln>
         </p:spPr>
         <p:style>
           <a:lnRef idx="2">
@@ -33438,24 +37109,245 @@
         <p:txBody>
           <a:bodyPr rtlCol="0" anchor="ctr"/>
           <a:p>
-            <a:pPr algn="ctr"/>
-            <a:r>
-              <a:rPr lang="zh-CN" altLang="en-US" sz="1200" dirty="0" smtClean="0">
-                <a:solidFill>
-                  <a:schemeClr val="bg1"/>
-                </a:solidFill>
-                <a:latin typeface="+mn-ea"/>
-                <a:cs typeface="+mn-ea"/>
-                <a:sym typeface="+mn-ea"/>
-              </a:rPr>
-              <a:t>自上而下顺序关闭</a:t>
-            </a:r>
-            <a:endParaRPr lang="zh-CN" altLang="en-US" sz="1200" dirty="0" smtClean="0">
-              <a:solidFill>
-                <a:schemeClr val="bg1"/>
-              </a:solidFill>
-              <a:latin typeface="+mn-ea"/>
-              <a:cs typeface="+mn-ea"/>
+            <a:pPr algn="l"/>
+            <a:r>
+              <a:rPr lang="zh-CN" altLang="en-US" sz="1200">
+                <a:solidFill>
+                  <a:schemeClr val="tx1"/>
+                </a:solidFill>
+                <a:sym typeface="+mn-ea"/>
+              </a:rPr>
+              <a:t>public class IOUtil {</a:t>
+            </a:r>
+            <a:endParaRPr lang="zh-CN" altLang="en-US" sz="1200">
+              <a:solidFill>
+                <a:schemeClr val="tx1"/>
+              </a:solidFill>
+              <a:sym typeface="+mn-ea"/>
+            </a:endParaRPr>
+          </a:p>
+          <a:p>
+            <a:pPr algn="l"/>
+            <a:endParaRPr lang="zh-CN" altLang="en-US" sz="1200">
+              <a:solidFill>
+                <a:schemeClr val="tx1"/>
+              </a:solidFill>
+              <a:sym typeface="+mn-ea"/>
+            </a:endParaRPr>
+          </a:p>
+          <a:p>
+            <a:pPr algn="l"/>
+            <a:r>
+              <a:rPr lang="zh-CN" altLang="en-US" sz="1200">
+                <a:solidFill>
+                  <a:schemeClr val="tx1"/>
+                </a:solidFill>
+                <a:sym typeface="+mn-ea"/>
+              </a:rPr>
+              <a:t>    public static void close(Closeable... closeables) {</a:t>
+            </a:r>
+            <a:endParaRPr lang="zh-CN" altLang="en-US" sz="1200">
+              <a:solidFill>
+                <a:schemeClr val="tx1"/>
+              </a:solidFill>
+              <a:sym typeface="+mn-ea"/>
+            </a:endParaRPr>
+          </a:p>
+          <a:p>
+            <a:pPr algn="l"/>
+            <a:r>
+              <a:rPr lang="zh-CN" altLang="en-US" sz="1200">
+                <a:solidFill>
+                  <a:schemeClr val="tx1"/>
+                </a:solidFill>
+                <a:sym typeface="+mn-ea"/>
+              </a:rPr>
+              <a:t>        for (Closeable closeable : closeables) {</a:t>
+            </a:r>
+            <a:endParaRPr lang="zh-CN" altLang="en-US" sz="1200">
+              <a:solidFill>
+                <a:schemeClr val="tx1"/>
+              </a:solidFill>
+              <a:sym typeface="+mn-ea"/>
+            </a:endParaRPr>
+          </a:p>
+          <a:p>
+            <a:pPr algn="l"/>
+            <a:r>
+              <a:rPr lang="zh-CN" altLang="en-US" sz="1200">
+                <a:solidFill>
+                  <a:schemeClr val="tx1"/>
+                </a:solidFill>
+                <a:sym typeface="+mn-ea"/>
+              </a:rPr>
+              <a:t>            if (closeable != null) {</a:t>
+            </a:r>
+            <a:endParaRPr lang="zh-CN" altLang="en-US" sz="1200">
+              <a:solidFill>
+                <a:schemeClr val="tx1"/>
+              </a:solidFill>
+              <a:sym typeface="+mn-ea"/>
+            </a:endParaRPr>
+          </a:p>
+          <a:p>
+            <a:pPr algn="l"/>
+            <a:r>
+              <a:rPr lang="zh-CN" altLang="en-US" sz="1200">
+                <a:solidFill>
+                  <a:schemeClr val="tx1"/>
+                </a:solidFill>
+                <a:sym typeface="+mn-ea"/>
+              </a:rPr>
+              <a:t>                try {</a:t>
+            </a:r>
+            <a:endParaRPr lang="zh-CN" altLang="en-US" sz="1200">
+              <a:solidFill>
+                <a:schemeClr val="tx1"/>
+              </a:solidFill>
+              <a:sym typeface="+mn-ea"/>
+            </a:endParaRPr>
+          </a:p>
+          <a:p>
+            <a:pPr algn="l"/>
+            <a:r>
+              <a:rPr lang="zh-CN" altLang="en-US" sz="1200">
+                <a:solidFill>
+                  <a:schemeClr val="tx1"/>
+                </a:solidFill>
+                <a:sym typeface="+mn-ea"/>
+              </a:rPr>
+              <a:t>                    closeable.close();</a:t>
+            </a:r>
+            <a:endParaRPr lang="zh-CN" altLang="en-US" sz="1200">
+              <a:solidFill>
+                <a:schemeClr val="tx1"/>
+              </a:solidFill>
+              <a:sym typeface="+mn-ea"/>
+            </a:endParaRPr>
+          </a:p>
+          <a:p>
+            <a:pPr algn="l"/>
+            <a:r>
+              <a:rPr lang="zh-CN" altLang="en-US" sz="1200">
+                <a:solidFill>
+                  <a:schemeClr val="tx1"/>
+                </a:solidFill>
+                <a:sym typeface="+mn-ea"/>
+              </a:rPr>
+              <a:t>                } catch (IOException e) {</a:t>
+            </a:r>
+            <a:endParaRPr lang="zh-CN" altLang="en-US" sz="1200">
+              <a:solidFill>
+                <a:schemeClr val="tx1"/>
+              </a:solidFill>
+              <a:sym typeface="+mn-ea"/>
+            </a:endParaRPr>
+          </a:p>
+          <a:p>
+            <a:pPr algn="l"/>
+            <a:r>
+              <a:rPr lang="zh-CN" altLang="en-US" sz="1200">
+                <a:solidFill>
+                  <a:schemeClr val="tx1"/>
+                </a:solidFill>
+                <a:sym typeface="+mn-ea"/>
+              </a:rPr>
+              <a:t>                    e.printStackTrace();</a:t>
+            </a:r>
+            <a:endParaRPr lang="zh-CN" altLang="en-US" sz="1200">
+              <a:solidFill>
+                <a:schemeClr val="tx1"/>
+              </a:solidFill>
+              <a:sym typeface="+mn-ea"/>
+            </a:endParaRPr>
+          </a:p>
+          <a:p>
+            <a:pPr algn="l"/>
+            <a:r>
+              <a:rPr lang="zh-CN" altLang="en-US" sz="1200">
+                <a:solidFill>
+                  <a:schemeClr val="tx1"/>
+                </a:solidFill>
+                <a:sym typeface="+mn-ea"/>
+              </a:rPr>
+              <a:t>                }</a:t>
+            </a:r>
+            <a:endParaRPr lang="zh-CN" altLang="en-US" sz="1200">
+              <a:solidFill>
+                <a:schemeClr val="tx1"/>
+              </a:solidFill>
+              <a:sym typeface="+mn-ea"/>
+            </a:endParaRPr>
+          </a:p>
+          <a:p>
+            <a:pPr algn="l"/>
+            <a:r>
+              <a:rPr lang="zh-CN" altLang="en-US" sz="1200">
+                <a:solidFill>
+                  <a:schemeClr val="tx1"/>
+                </a:solidFill>
+                <a:sym typeface="+mn-ea"/>
+              </a:rPr>
+              <a:t>            }</a:t>
+            </a:r>
+            <a:endParaRPr lang="zh-CN" altLang="en-US" sz="1200">
+              <a:solidFill>
+                <a:schemeClr val="tx1"/>
+              </a:solidFill>
+              <a:sym typeface="+mn-ea"/>
+            </a:endParaRPr>
+          </a:p>
+          <a:p>
+            <a:pPr algn="l"/>
+            <a:r>
+              <a:rPr lang="zh-CN" altLang="en-US" sz="1200">
+                <a:solidFill>
+                  <a:schemeClr val="tx1"/>
+                </a:solidFill>
+                <a:sym typeface="+mn-ea"/>
+              </a:rPr>
+              <a:t>        }</a:t>
+            </a:r>
+            <a:endParaRPr lang="zh-CN" altLang="en-US" sz="1200">
+              <a:solidFill>
+                <a:schemeClr val="tx1"/>
+              </a:solidFill>
+              <a:sym typeface="+mn-ea"/>
+            </a:endParaRPr>
+          </a:p>
+          <a:p>
+            <a:pPr algn="l"/>
+            <a:r>
+              <a:rPr lang="zh-CN" altLang="en-US" sz="1200">
+                <a:solidFill>
+                  <a:schemeClr val="tx1"/>
+                </a:solidFill>
+                <a:sym typeface="+mn-ea"/>
+              </a:rPr>
+              <a:t>    }</a:t>
+            </a:r>
+            <a:endParaRPr lang="zh-CN" altLang="en-US" sz="1200">
+              <a:solidFill>
+                <a:schemeClr val="tx1"/>
+              </a:solidFill>
+              <a:sym typeface="+mn-ea"/>
+            </a:endParaRPr>
+          </a:p>
+          <a:p>
+            <a:pPr algn="l"/>
+            <a:r>
+              <a:rPr lang="zh-CN" altLang="en-US" sz="1200">
+                <a:solidFill>
+                  <a:schemeClr val="tx1"/>
+                </a:solidFill>
+                <a:sym typeface="+mn-ea"/>
+              </a:rPr>
+              <a:t>}</a:t>
+            </a:r>
+            <a:endParaRPr lang="zh-CN" altLang="en-US" sz="1200">
+              <a:solidFill>
+                <a:schemeClr val="tx1"/>
+              </a:solidFill>
               <a:sym typeface="+mn-ea"/>
             </a:endParaRPr>
           </a:p>
@@ -33472,7 +37364,7 @@
 </p:sld>
 </file>
 
-<file path=ppt/slides/slide47.xml><?xml version="1.0" encoding="utf-8"?>
+<file path=ppt/slides/slide48.xml><?xml version="1.0" encoding="utf-8"?>
 <p:sld xmlns:a="http://schemas.openxmlformats.org/drawingml/2006/main" xmlns:r="http://schemas.openxmlformats.org/officeDocument/2006/relationships" xmlns:p="http://schemas.openxmlformats.org/presentationml/2006/main">
   <p:cSld>
     <p:bg>
@@ -34123,299 +38015,13 @@
       </p:sp>
       <p:sp>
         <p:nvSpPr>
-          <p:cNvPr id="7" name="矩形 6"/>
-          <p:cNvSpPr/>
-          <p:nvPr/>
-        </p:nvSpPr>
-        <p:spPr>
-          <a:xfrm>
-            <a:off x="2626360" y="111760"/>
-            <a:ext cx="3636010" cy="2890520"/>
-          </a:xfrm>
-          <a:prstGeom prst="rect">
-            <a:avLst/>
-          </a:prstGeom>
-          <a:solidFill>
-            <a:schemeClr val="bg1"/>
-          </a:solidFill>
-          <a:ln w="28575">
-            <a:solidFill>
-              <a:srgbClr val="F59909"/>
-            </a:solidFill>
-          </a:ln>
-        </p:spPr>
-        <p:style>
-          <a:lnRef idx="2">
-            <a:schemeClr val="accent1">
-              <a:shade val="50000"/>
-            </a:schemeClr>
-          </a:lnRef>
-          <a:fillRef idx="1">
-            <a:schemeClr val="accent1"/>
-          </a:fillRef>
-          <a:effectRef idx="0">
-            <a:schemeClr val="accent1"/>
-          </a:effectRef>
-          <a:fontRef idx="minor">
-            <a:schemeClr val="lt1"/>
-          </a:fontRef>
-        </p:style>
-        <p:txBody>
-          <a:bodyPr rtlCol="0" anchor="ctr"/>
-          <a:p>
-            <a:pPr algn="l"/>
-            <a:r>
-              <a:rPr lang="zh-CN" altLang="en-US" sz="1200">
-                <a:solidFill>
-                  <a:schemeClr val="tx1"/>
-                </a:solidFill>
-                <a:sym typeface="+mn-ea"/>
-              </a:rPr>
-              <a:t>public class IOUtil {</a:t>
-            </a:r>
-            <a:endParaRPr lang="zh-CN" altLang="en-US" sz="1200">
-              <a:solidFill>
-                <a:schemeClr val="tx1"/>
-              </a:solidFill>
-              <a:sym typeface="+mn-ea"/>
-            </a:endParaRPr>
-          </a:p>
-          <a:p>
-            <a:pPr algn="l"/>
-            <a:endParaRPr lang="zh-CN" altLang="en-US" sz="1200">
-              <a:solidFill>
-                <a:schemeClr val="tx1"/>
-              </a:solidFill>
-              <a:sym typeface="+mn-ea"/>
-            </a:endParaRPr>
-          </a:p>
-          <a:p>
-            <a:pPr algn="l"/>
-            <a:r>
-              <a:rPr lang="zh-CN" altLang="en-US" sz="1200">
-                <a:solidFill>
-                  <a:schemeClr val="tx1"/>
-                </a:solidFill>
-                <a:sym typeface="+mn-ea"/>
-              </a:rPr>
-              <a:t>    public static void close(Closeable... closeables) {</a:t>
-            </a:r>
-            <a:endParaRPr lang="zh-CN" altLang="en-US" sz="1200">
-              <a:solidFill>
-                <a:schemeClr val="tx1"/>
-              </a:solidFill>
-              <a:sym typeface="+mn-ea"/>
-            </a:endParaRPr>
-          </a:p>
-          <a:p>
-            <a:pPr algn="l"/>
-            <a:r>
-              <a:rPr lang="zh-CN" altLang="en-US" sz="1200">
-                <a:solidFill>
-                  <a:schemeClr val="tx1"/>
-                </a:solidFill>
-                <a:sym typeface="+mn-ea"/>
-              </a:rPr>
-              <a:t>        for (Closeable closeable : closeables) {</a:t>
-            </a:r>
-            <a:endParaRPr lang="zh-CN" altLang="en-US" sz="1200">
-              <a:solidFill>
-                <a:schemeClr val="tx1"/>
-              </a:solidFill>
-              <a:sym typeface="+mn-ea"/>
-            </a:endParaRPr>
-          </a:p>
-          <a:p>
-            <a:pPr algn="l"/>
-            <a:r>
-              <a:rPr lang="zh-CN" altLang="en-US" sz="1200">
-                <a:solidFill>
-                  <a:schemeClr val="tx1"/>
-                </a:solidFill>
-                <a:sym typeface="+mn-ea"/>
-              </a:rPr>
-              <a:t>            if (closeable != null) {</a:t>
-            </a:r>
-            <a:endParaRPr lang="zh-CN" altLang="en-US" sz="1200">
-              <a:solidFill>
-                <a:schemeClr val="tx1"/>
-              </a:solidFill>
-              <a:sym typeface="+mn-ea"/>
-            </a:endParaRPr>
-          </a:p>
-          <a:p>
-            <a:pPr algn="l"/>
-            <a:r>
-              <a:rPr lang="zh-CN" altLang="en-US" sz="1200">
-                <a:solidFill>
-                  <a:schemeClr val="tx1"/>
-                </a:solidFill>
-                <a:sym typeface="+mn-ea"/>
-              </a:rPr>
-              <a:t>                try {</a:t>
-            </a:r>
-            <a:endParaRPr lang="zh-CN" altLang="en-US" sz="1200">
-              <a:solidFill>
-                <a:schemeClr val="tx1"/>
-              </a:solidFill>
-              <a:sym typeface="+mn-ea"/>
-            </a:endParaRPr>
-          </a:p>
-          <a:p>
-            <a:pPr algn="l"/>
-            <a:r>
-              <a:rPr lang="zh-CN" altLang="en-US" sz="1200">
-                <a:solidFill>
-                  <a:schemeClr val="tx1"/>
-                </a:solidFill>
-                <a:sym typeface="+mn-ea"/>
-              </a:rPr>
-              <a:t>                    closeable.close();</a:t>
-            </a:r>
-            <a:endParaRPr lang="zh-CN" altLang="en-US" sz="1200">
-              <a:solidFill>
-                <a:schemeClr val="tx1"/>
-              </a:solidFill>
-              <a:sym typeface="+mn-ea"/>
-            </a:endParaRPr>
-          </a:p>
-          <a:p>
-            <a:pPr algn="l"/>
-            <a:r>
-              <a:rPr lang="zh-CN" altLang="en-US" sz="1200">
-                <a:solidFill>
-                  <a:schemeClr val="tx1"/>
-                </a:solidFill>
-                <a:sym typeface="+mn-ea"/>
-              </a:rPr>
-              <a:t>                } catch (IOException e) {</a:t>
-            </a:r>
-            <a:endParaRPr lang="zh-CN" altLang="en-US" sz="1200">
-              <a:solidFill>
-                <a:schemeClr val="tx1"/>
-              </a:solidFill>
-              <a:sym typeface="+mn-ea"/>
-            </a:endParaRPr>
-          </a:p>
-          <a:p>
-            <a:pPr algn="l"/>
-            <a:r>
-              <a:rPr lang="zh-CN" altLang="en-US" sz="1200">
-                <a:solidFill>
-                  <a:schemeClr val="tx1"/>
-                </a:solidFill>
-                <a:sym typeface="+mn-ea"/>
-              </a:rPr>
-              <a:t>                    e.printStackTrace();</a:t>
-            </a:r>
-            <a:endParaRPr lang="zh-CN" altLang="en-US" sz="1200">
-              <a:solidFill>
-                <a:schemeClr val="tx1"/>
-              </a:solidFill>
-              <a:sym typeface="+mn-ea"/>
-            </a:endParaRPr>
-          </a:p>
-          <a:p>
-            <a:pPr algn="l"/>
-            <a:r>
-              <a:rPr lang="zh-CN" altLang="en-US" sz="1200">
-                <a:solidFill>
-                  <a:schemeClr val="tx1"/>
-                </a:solidFill>
-                <a:sym typeface="+mn-ea"/>
-              </a:rPr>
-              <a:t>                }</a:t>
-            </a:r>
-            <a:endParaRPr lang="zh-CN" altLang="en-US" sz="1200">
-              <a:solidFill>
-                <a:schemeClr val="tx1"/>
-              </a:solidFill>
-              <a:sym typeface="+mn-ea"/>
-            </a:endParaRPr>
-          </a:p>
-          <a:p>
-            <a:pPr algn="l"/>
-            <a:r>
-              <a:rPr lang="zh-CN" altLang="en-US" sz="1200">
-                <a:solidFill>
-                  <a:schemeClr val="tx1"/>
-                </a:solidFill>
-                <a:sym typeface="+mn-ea"/>
-              </a:rPr>
-              <a:t>            }</a:t>
-            </a:r>
-            <a:endParaRPr lang="zh-CN" altLang="en-US" sz="1200">
-              <a:solidFill>
-                <a:schemeClr val="tx1"/>
-              </a:solidFill>
-              <a:sym typeface="+mn-ea"/>
-            </a:endParaRPr>
-          </a:p>
-          <a:p>
-            <a:pPr algn="l"/>
-            <a:r>
-              <a:rPr lang="zh-CN" altLang="en-US" sz="1200">
-                <a:solidFill>
-                  <a:schemeClr val="tx1"/>
-                </a:solidFill>
-                <a:sym typeface="+mn-ea"/>
-              </a:rPr>
-              <a:t>        }</a:t>
-            </a:r>
-            <a:endParaRPr lang="zh-CN" altLang="en-US" sz="1200">
-              <a:solidFill>
-                <a:schemeClr val="tx1"/>
-              </a:solidFill>
-              <a:sym typeface="+mn-ea"/>
-            </a:endParaRPr>
-          </a:p>
-          <a:p>
-            <a:pPr algn="l"/>
-            <a:r>
-              <a:rPr lang="zh-CN" altLang="en-US" sz="1200">
-                <a:solidFill>
-                  <a:schemeClr val="tx1"/>
-                </a:solidFill>
-                <a:sym typeface="+mn-ea"/>
-              </a:rPr>
-              <a:t>    }</a:t>
-            </a:r>
-            <a:endParaRPr lang="zh-CN" altLang="en-US" sz="1200">
-              <a:solidFill>
-                <a:schemeClr val="tx1"/>
-              </a:solidFill>
-              <a:sym typeface="+mn-ea"/>
-            </a:endParaRPr>
-          </a:p>
-          <a:p>
-            <a:pPr algn="l"/>
-            <a:r>
-              <a:rPr lang="zh-CN" altLang="en-US" sz="1200">
-                <a:solidFill>
-                  <a:schemeClr val="tx1"/>
-                </a:solidFill>
-                <a:sym typeface="+mn-ea"/>
-              </a:rPr>
-              <a:t>}</a:t>
-            </a:r>
-            <a:endParaRPr lang="zh-CN" altLang="en-US" sz="1200">
-              <a:solidFill>
-                <a:schemeClr val="tx1"/>
-              </a:solidFill>
-              <a:sym typeface="+mn-ea"/>
-            </a:endParaRPr>
-          </a:p>
-        </p:txBody>
-      </p:sp>
-      <p:sp>
-        <p:nvSpPr>
           <p:cNvPr id="9" name="矩形 8"/>
           <p:cNvSpPr/>
           <p:nvPr/>
         </p:nvSpPr>
         <p:spPr>
           <a:xfrm>
-            <a:off x="147955" y="2026285"/>
+            <a:off x="147955" y="111760"/>
             <a:ext cx="6114415" cy="4708525"/>
           </a:xfrm>
           <a:prstGeom prst="rect">
@@ -34556,7 +38162,7 @@
                 </a:solidFill>
                 <a:sym typeface="+mn-ea"/>
               </a:rPr>
-              <a:t>        if (dirPath == null || dirPath.trim() == "") {</a:t>
+              <a:t>        if (dirPath == null || "".equals(dirPath.trim().trim())) {</a:t>
             </a:r>
             <a:endParaRPr lang="zh-CN" altLang="en-US" sz="1200">
               <a:solidFill>
@@ -34603,6 +38209,51 @@
           </a:p>
           <a:p>
             <a:pPr algn="l"/>
+            <a:r>
+              <a:rPr lang="zh-CN" altLang="en-US" sz="1200">
+                <a:solidFill>
+                  <a:schemeClr val="tx1"/>
+                </a:solidFill>
+                <a:sym typeface="+mn-ea"/>
+              </a:rPr>
+              <a:t>        if (destDirPath == null || "".equals(destDirPath.trim().trim())) {</a:t>
+            </a:r>
+            <a:endParaRPr lang="zh-CN" altLang="en-US" sz="1200">
+              <a:solidFill>
+                <a:schemeClr val="tx1"/>
+              </a:solidFill>
+              <a:sym typeface="+mn-ea"/>
+            </a:endParaRPr>
+          </a:p>
+          <a:p>
+            <a:pPr algn="l"/>
+            <a:r>
+              <a:rPr lang="zh-CN" altLang="en-US" sz="1200">
+                <a:solidFill>
+                  <a:schemeClr val="tx1"/>
+                </a:solidFill>
+                <a:sym typeface="+mn-ea"/>
+              </a:rPr>
+              <a:t>            return;</a:t>
+            </a:r>
+            <a:endParaRPr lang="zh-CN" altLang="en-US" sz="1200">
+              <a:solidFill>
+                <a:schemeClr val="tx1"/>
+              </a:solidFill>
+              <a:sym typeface="+mn-ea"/>
+            </a:endParaRPr>
+          </a:p>
+          <a:p>
+            <a:pPr algn="l"/>
+            <a:r>
+              <a:rPr lang="zh-CN" altLang="en-US" sz="1200">
+                <a:solidFill>
+                  <a:schemeClr val="tx1"/>
+                </a:solidFill>
+                <a:sym typeface="+mn-ea"/>
+              </a:rPr>
+              <a:t>        }</a:t>
+            </a:r>
             <a:endParaRPr lang="zh-CN" altLang="en-US" sz="1200">
               <a:solidFill>
                 <a:schemeClr val="tx1"/>
@@ -34675,15 +38326,6 @@
               </a:rPr>
               <a:t>        }</a:t>
             </a:r>
-            <a:endParaRPr lang="zh-CN" altLang="en-US" sz="1200">
-              <a:solidFill>
-                <a:schemeClr val="tx1"/>
-              </a:solidFill>
-              <a:sym typeface="+mn-ea"/>
-            </a:endParaRPr>
-          </a:p>
-          <a:p>
-            <a:pPr algn="l"/>
             <a:endParaRPr lang="zh-CN" altLang="en-US" sz="1200">
               <a:solidFill>
                 <a:schemeClr val="tx1"/>
@@ -34863,7 +38505,7 @@
         </p:nvSpPr>
         <p:spPr>
           <a:xfrm>
-            <a:off x="744220" y="6353810"/>
+            <a:off x="578485" y="4977130"/>
             <a:ext cx="5528310" cy="391160"/>
           </a:xfrm>
           <a:prstGeom prst="rect">
@@ -34899,9 +38541,8 @@
           <a:p>
             <a:pPr algn="ctr"/>
             <a:r>
-              <a:rPr lang="zh-CN" altLang="en-US" b="1">
-                <a:latin typeface="宋体" panose="02010600030101010101" pitchFamily="2" charset="-122"/>
-                <a:ea typeface="宋体" panose="02010600030101010101" pitchFamily="2" charset="-122"/>
+              <a:rPr lang="zh-CN" altLang="en-US">
+                <a:latin typeface="+mn-ea"/>
                 <a:cs typeface="宋体" panose="02010600030101010101" pitchFamily="2" charset="-122"/>
                 <a:sym typeface="+mn-ea"/>
               </a:rPr>
@@ -34911,6 +38552,7 @@
               <a:solidFill>
                 <a:schemeClr val="bg1"/>
               </a:solidFill>
+              <a:latin typeface="+mn-ea"/>
               <a:sym typeface="+mn-ea"/>
             </a:endParaRPr>
           </a:p>
@@ -34927,7 +38569,7 @@
 </p:sld>
 </file>
 
-<file path=ppt/slides/slide48.xml><?xml version="1.0" encoding="utf-8"?>
+<file path=ppt/slides/slide49.xml><?xml version="1.0" encoding="utf-8"?>
 <p:sld xmlns:a="http://schemas.openxmlformats.org/drawingml/2006/main" xmlns:r="http://schemas.openxmlformats.org/officeDocument/2006/relationships" xmlns:p="http://schemas.openxmlformats.org/presentationml/2006/main">
   <p:cSld>
     <p:bg>
@@ -37258,256 +40900,6 @@
           </a:p>
         </p:txBody>
       </p:sp>
-      <p:sp>
-        <p:nvSpPr>
-          <p:cNvPr id="4" name="矩形 3"/>
-          <p:cNvSpPr/>
-          <p:nvPr/>
-        </p:nvSpPr>
-        <p:spPr>
-          <a:xfrm>
-            <a:off x="8037830" y="809625"/>
-            <a:ext cx="3783330" cy="2363470"/>
-          </a:xfrm>
-          <a:prstGeom prst="rect">
-            <a:avLst/>
-          </a:prstGeom>
-          <a:solidFill>
-            <a:schemeClr val="bg1"/>
-          </a:solidFill>
-          <a:ln w="28575">
-            <a:solidFill>
-              <a:srgbClr val="F59909"/>
-            </a:solidFill>
-          </a:ln>
-        </p:spPr>
-        <p:style>
-          <a:lnRef idx="2">
-            <a:schemeClr val="accent1">
-              <a:shade val="50000"/>
-            </a:schemeClr>
-          </a:lnRef>
-          <a:fillRef idx="1">
-            <a:schemeClr val="accent1"/>
-          </a:fillRef>
-          <a:effectRef idx="0">
-            <a:schemeClr val="accent1"/>
-          </a:effectRef>
-          <a:fontRef idx="minor">
-            <a:schemeClr val="lt1"/>
-          </a:fontRef>
-        </p:style>
-        <p:txBody>
-          <a:bodyPr rtlCol="0" anchor="ctr"/>
-          <a:p>
-            <a:pPr algn="l"/>
-            <a:r>
-              <a:rPr lang="zh-CN" altLang="en-US" sz="1200">
-                <a:solidFill>
-                  <a:schemeClr val="tx1"/>
-                </a:solidFill>
-                <a:sym typeface="+mn-ea"/>
-              </a:rPr>
-              <a:t>    /**</a:t>
-            </a:r>
-            <a:endParaRPr lang="zh-CN" altLang="en-US" sz="1200">
-              <a:solidFill>
-                <a:schemeClr val="tx1"/>
-              </a:solidFill>
-              <a:sym typeface="+mn-ea"/>
-            </a:endParaRPr>
-          </a:p>
-          <a:p>
-            <a:pPr algn="l"/>
-            <a:r>
-              <a:rPr lang="zh-CN" altLang="en-US" sz="1200">
-                <a:solidFill>
-                  <a:schemeClr val="tx1"/>
-                </a:solidFill>
-                <a:sym typeface="+mn-ea"/>
-              </a:rPr>
-              <a:t>     * File 静态属性、静态方法测试</a:t>
-            </a:r>
-            <a:endParaRPr lang="zh-CN" altLang="en-US" sz="1200">
-              <a:solidFill>
-                <a:schemeClr val="tx1"/>
-              </a:solidFill>
-              <a:sym typeface="+mn-ea"/>
-            </a:endParaRPr>
-          </a:p>
-          <a:p>
-            <a:pPr algn="l"/>
-            <a:r>
-              <a:rPr lang="zh-CN" altLang="en-US" sz="1200">
-                <a:solidFill>
-                  <a:schemeClr val="tx1"/>
-                </a:solidFill>
-                <a:sym typeface="+mn-ea"/>
-              </a:rPr>
-              <a:t>     */</a:t>
-            </a:r>
-            <a:endParaRPr lang="zh-CN" altLang="en-US" sz="1200">
-              <a:solidFill>
-                <a:schemeClr val="tx1"/>
-              </a:solidFill>
-              <a:sym typeface="+mn-ea"/>
-            </a:endParaRPr>
-          </a:p>
-          <a:p>
-            <a:pPr algn="l"/>
-            <a:r>
-              <a:rPr lang="zh-CN" altLang="en-US" sz="1200">
-                <a:solidFill>
-                  <a:schemeClr val="tx1"/>
-                </a:solidFill>
-                <a:sym typeface="+mn-ea"/>
-              </a:rPr>
-              <a:t>    @Test</a:t>
-            </a:r>
-            <a:endParaRPr lang="zh-CN" altLang="en-US" sz="1200">
-              <a:solidFill>
-                <a:schemeClr val="tx1"/>
-              </a:solidFill>
-              <a:sym typeface="+mn-ea"/>
-            </a:endParaRPr>
-          </a:p>
-          <a:p>
-            <a:pPr algn="l"/>
-            <a:r>
-              <a:rPr lang="zh-CN" altLang="en-US" sz="1200">
-                <a:solidFill>
-                  <a:schemeClr val="tx1"/>
-                </a:solidFill>
-                <a:sym typeface="+mn-ea"/>
-              </a:rPr>
-              <a:t>    public void testListRoots() {</a:t>
-            </a:r>
-            <a:endParaRPr lang="zh-CN" altLang="en-US" sz="1200">
-              <a:solidFill>
-                <a:schemeClr val="tx1"/>
-              </a:solidFill>
-              <a:sym typeface="+mn-ea"/>
-            </a:endParaRPr>
-          </a:p>
-          <a:p>
-            <a:pPr algn="l"/>
-            <a:r>
-              <a:rPr lang="zh-CN" altLang="en-US" sz="1200">
-                <a:solidFill>
-                  <a:schemeClr val="tx1"/>
-                </a:solidFill>
-                <a:sym typeface="+mn-ea"/>
-              </a:rPr>
-              <a:t>        System.out.println(File.separator);</a:t>
-            </a:r>
-            <a:endParaRPr lang="zh-CN" altLang="en-US" sz="1200">
-              <a:solidFill>
-                <a:schemeClr val="tx1"/>
-              </a:solidFill>
-              <a:sym typeface="+mn-ea"/>
-            </a:endParaRPr>
-          </a:p>
-          <a:p>
-            <a:pPr algn="l"/>
-            <a:endParaRPr lang="zh-CN" altLang="en-US" sz="1200">
-              <a:solidFill>
-                <a:schemeClr val="tx1"/>
-              </a:solidFill>
-              <a:sym typeface="+mn-ea"/>
-            </a:endParaRPr>
-          </a:p>
-          <a:p>
-            <a:pPr algn="l"/>
-            <a:r>
-              <a:rPr lang="zh-CN" altLang="en-US" sz="1200">
-                <a:solidFill>
-                  <a:schemeClr val="tx1"/>
-                </a:solidFill>
-                <a:sym typeface="+mn-ea"/>
-              </a:rPr>
-              <a:t>        File[] rootFiles = File.listRoots();</a:t>
-            </a:r>
-            <a:endParaRPr lang="zh-CN" altLang="en-US" sz="1200">
-              <a:solidFill>
-                <a:schemeClr val="tx1"/>
-              </a:solidFill>
-              <a:sym typeface="+mn-ea"/>
-            </a:endParaRPr>
-          </a:p>
-          <a:p>
-            <a:pPr algn="l"/>
-            <a:r>
-              <a:rPr lang="zh-CN" altLang="en-US" sz="1200">
-                <a:solidFill>
-                  <a:schemeClr val="tx1"/>
-                </a:solidFill>
-                <a:sym typeface="+mn-ea"/>
-              </a:rPr>
-              <a:t>        for (File file : rootFiles) {</a:t>
-            </a:r>
-            <a:endParaRPr lang="zh-CN" altLang="en-US" sz="1200">
-              <a:solidFill>
-                <a:schemeClr val="tx1"/>
-              </a:solidFill>
-              <a:sym typeface="+mn-ea"/>
-            </a:endParaRPr>
-          </a:p>
-          <a:p>
-            <a:pPr algn="l"/>
-            <a:r>
-              <a:rPr lang="zh-CN" altLang="en-US" sz="1200">
-                <a:solidFill>
-                  <a:schemeClr val="tx1"/>
-                </a:solidFill>
-                <a:sym typeface="+mn-ea"/>
-              </a:rPr>
-              <a:t>            System.out.println(file.getAbsolutePath());</a:t>
-            </a:r>
-            <a:endParaRPr lang="zh-CN" altLang="en-US" sz="1200">
-              <a:solidFill>
-                <a:schemeClr val="tx1"/>
-              </a:solidFill>
-              <a:sym typeface="+mn-ea"/>
-            </a:endParaRPr>
-          </a:p>
-          <a:p>
-            <a:pPr algn="l"/>
-            <a:r>
-              <a:rPr lang="zh-CN" altLang="en-US" sz="1200">
-                <a:solidFill>
-                  <a:schemeClr val="tx1"/>
-                </a:solidFill>
-                <a:sym typeface="+mn-ea"/>
-              </a:rPr>
-              <a:t>        }</a:t>
-            </a:r>
-            <a:endParaRPr lang="zh-CN" altLang="en-US" sz="1200">
-              <a:solidFill>
-                <a:schemeClr val="tx1"/>
-              </a:solidFill>
-              <a:sym typeface="+mn-ea"/>
-            </a:endParaRPr>
-          </a:p>
-          <a:p>
-            <a:pPr algn="l"/>
-            <a:r>
-              <a:rPr lang="zh-CN" altLang="en-US" sz="1200">
-                <a:solidFill>
-                  <a:schemeClr val="tx1"/>
-                </a:solidFill>
-                <a:sym typeface="+mn-ea"/>
-              </a:rPr>
-              <a:t>    }</a:t>
-            </a:r>
-            <a:endParaRPr lang="zh-CN" altLang="en-US" sz="1200">
-              <a:solidFill>
-                <a:schemeClr val="tx1"/>
-              </a:solidFill>
-              <a:sym typeface="+mn-ea"/>
-            </a:endParaRPr>
-          </a:p>
-        </p:txBody>
-      </p:sp>
     </p:spTree>
     <p:custDataLst>
       <p:tags r:id="rId2"/>
@@ -37841,7 +41233,7 @@
         <p:spPr>
           <a:xfrm>
             <a:off x="4721860" y="809625"/>
-            <a:ext cx="4221480" cy="4993640"/>
+            <a:ext cx="4221480" cy="2953385"/>
           </a:xfrm>
           <a:prstGeom prst="rect">
             <a:avLst/>
@@ -37900,517 +41292,6 @@
                 </a:solidFill>
                 <a:sym typeface="+mn-ea"/>
               </a:rPr>
-              <a:t>     * 创建文件：正确方式</a:t>
-            </a:r>
-            <a:endParaRPr lang="zh-CN" altLang="en-US" sz="1200">
-              <a:solidFill>
-                <a:schemeClr val="tx1"/>
-              </a:solidFill>
-              <a:sym typeface="+mn-ea"/>
-            </a:endParaRPr>
-          </a:p>
-          <a:p>
-            <a:pPr algn="l"/>
-            <a:r>
-              <a:rPr lang="zh-CN" altLang="en-US" sz="1200">
-                <a:solidFill>
-                  <a:schemeClr val="tx1"/>
-                </a:solidFill>
-                <a:sym typeface="+mn-ea"/>
-              </a:rPr>
-              <a:t>     * @throws IOException</a:t>
-            </a:r>
-            <a:endParaRPr lang="zh-CN" altLang="en-US" sz="1200">
-              <a:solidFill>
-                <a:schemeClr val="tx1"/>
-              </a:solidFill>
-              <a:sym typeface="+mn-ea"/>
-            </a:endParaRPr>
-          </a:p>
-          <a:p>
-            <a:pPr algn="l"/>
-            <a:r>
-              <a:rPr lang="zh-CN" altLang="en-US" sz="1200">
-                <a:solidFill>
-                  <a:schemeClr val="tx1"/>
-                </a:solidFill>
-                <a:sym typeface="+mn-ea"/>
-              </a:rPr>
-              <a:t>     */</a:t>
-            </a:r>
-            <a:endParaRPr lang="zh-CN" altLang="en-US" sz="1200">
-              <a:solidFill>
-                <a:schemeClr val="tx1"/>
-              </a:solidFill>
-              <a:sym typeface="+mn-ea"/>
-            </a:endParaRPr>
-          </a:p>
-          <a:p>
-            <a:pPr algn="l"/>
-            <a:r>
-              <a:rPr lang="zh-CN" altLang="en-US" sz="1200">
-                <a:solidFill>
-                  <a:schemeClr val="tx1"/>
-                </a:solidFill>
-                <a:sym typeface="+mn-ea"/>
-              </a:rPr>
-              <a:t>    @Test</a:t>
-            </a:r>
-            <a:endParaRPr lang="zh-CN" altLang="en-US" sz="1200">
-              <a:solidFill>
-                <a:schemeClr val="tx1"/>
-              </a:solidFill>
-              <a:sym typeface="+mn-ea"/>
-            </a:endParaRPr>
-          </a:p>
-          <a:p>
-            <a:pPr algn="l"/>
-            <a:r>
-              <a:rPr lang="zh-CN" altLang="en-US" sz="1200">
-                <a:solidFill>
-                  <a:schemeClr val="tx1"/>
-                </a:solidFill>
-                <a:sym typeface="+mn-ea"/>
-              </a:rPr>
-              <a:t>    public void testCreateFile2 () throws IOException {</a:t>
-            </a:r>
-            <a:endParaRPr lang="zh-CN" altLang="en-US" sz="1200">
-              <a:solidFill>
-                <a:schemeClr val="tx1"/>
-              </a:solidFill>
-              <a:sym typeface="+mn-ea"/>
-            </a:endParaRPr>
-          </a:p>
-          <a:p>
-            <a:pPr algn="l"/>
-            <a:r>
-              <a:rPr lang="zh-CN" altLang="en-US" sz="1200">
-                <a:solidFill>
-                  <a:schemeClr val="tx1"/>
-                </a:solidFill>
-                <a:sym typeface="+mn-ea"/>
-              </a:rPr>
-              <a:t>        File file = new File("D:/java/linkknown/helloworld.txt");</a:t>
-            </a:r>
-            <a:endParaRPr lang="zh-CN" altLang="en-US" sz="1200">
-              <a:solidFill>
-                <a:schemeClr val="tx1"/>
-              </a:solidFill>
-              <a:sym typeface="+mn-ea"/>
-            </a:endParaRPr>
-          </a:p>
-          <a:p>
-            <a:pPr algn="l"/>
-            <a:r>
-              <a:rPr lang="zh-CN" altLang="en-US" sz="1200">
-                <a:solidFill>
-                  <a:schemeClr val="tx1"/>
-                </a:solidFill>
-                <a:sym typeface="+mn-ea"/>
-              </a:rPr>
-              <a:t>        if (!file.exists()) {</a:t>
-            </a:r>
-            <a:endParaRPr lang="zh-CN" altLang="en-US" sz="1200">
-              <a:solidFill>
-                <a:schemeClr val="tx1"/>
-              </a:solidFill>
-              <a:sym typeface="+mn-ea"/>
-            </a:endParaRPr>
-          </a:p>
-          <a:p>
-            <a:pPr algn="l"/>
-            <a:r>
-              <a:rPr lang="zh-CN" altLang="en-US" sz="1200">
-                <a:solidFill>
-                  <a:schemeClr val="tx1"/>
-                </a:solidFill>
-                <a:sym typeface="+mn-ea"/>
-              </a:rPr>
-              <a:t>            // 递归创建父目录</a:t>
-            </a:r>
-            <a:endParaRPr lang="zh-CN" altLang="en-US" sz="1200">
-              <a:solidFill>
-                <a:schemeClr val="tx1"/>
-              </a:solidFill>
-              <a:sym typeface="+mn-ea"/>
-            </a:endParaRPr>
-          </a:p>
-          <a:p>
-            <a:pPr algn="l"/>
-            <a:r>
-              <a:rPr lang="zh-CN" altLang="en-US" sz="1200">
-                <a:solidFill>
-                  <a:schemeClr val="tx1"/>
-                </a:solidFill>
-                <a:sym typeface="+mn-ea"/>
-              </a:rPr>
-              <a:t>            mkdirs(file.getParentFile());</a:t>
-            </a:r>
-            <a:endParaRPr lang="zh-CN" altLang="en-US" sz="1200">
-              <a:solidFill>
-                <a:schemeClr val="tx1"/>
-              </a:solidFill>
-              <a:sym typeface="+mn-ea"/>
-            </a:endParaRPr>
-          </a:p>
-          <a:p>
-            <a:pPr algn="l"/>
-            <a:r>
-              <a:rPr lang="zh-CN" altLang="en-US" sz="1200">
-                <a:solidFill>
-                  <a:schemeClr val="tx1"/>
-                </a:solidFill>
-                <a:sym typeface="+mn-ea"/>
-              </a:rPr>
-              <a:t>            // 创建当前文件</a:t>
-            </a:r>
-            <a:endParaRPr lang="zh-CN" altLang="en-US" sz="1200">
-              <a:solidFill>
-                <a:schemeClr val="tx1"/>
-              </a:solidFill>
-              <a:sym typeface="+mn-ea"/>
-            </a:endParaRPr>
-          </a:p>
-          <a:p>
-            <a:pPr algn="l"/>
-            <a:r>
-              <a:rPr lang="zh-CN" altLang="en-US" sz="1200">
-                <a:solidFill>
-                  <a:schemeClr val="tx1"/>
-                </a:solidFill>
-                <a:sym typeface="+mn-ea"/>
-              </a:rPr>
-              <a:t>            file.createNewFile();</a:t>
-            </a:r>
-            <a:endParaRPr lang="zh-CN" altLang="en-US" sz="1200">
-              <a:solidFill>
-                <a:schemeClr val="tx1"/>
-              </a:solidFill>
-              <a:sym typeface="+mn-ea"/>
-            </a:endParaRPr>
-          </a:p>
-          <a:p>
-            <a:pPr algn="l"/>
-            <a:r>
-              <a:rPr lang="zh-CN" altLang="en-US" sz="1200">
-                <a:solidFill>
-                  <a:schemeClr val="tx1"/>
-                </a:solidFill>
-                <a:sym typeface="+mn-ea"/>
-              </a:rPr>
-              <a:t>        }</a:t>
-            </a:r>
-            <a:endParaRPr lang="zh-CN" altLang="en-US" sz="1200">
-              <a:solidFill>
-                <a:schemeClr val="tx1"/>
-              </a:solidFill>
-              <a:sym typeface="+mn-ea"/>
-            </a:endParaRPr>
-          </a:p>
-          <a:p>
-            <a:pPr algn="l"/>
-            <a:r>
-              <a:rPr lang="zh-CN" altLang="en-US" sz="1200">
-                <a:solidFill>
-                  <a:schemeClr val="tx1"/>
-                </a:solidFill>
-                <a:sym typeface="+mn-ea"/>
-              </a:rPr>
-              <a:t>    }</a:t>
-            </a:r>
-            <a:endParaRPr lang="zh-CN" altLang="en-US" sz="1200">
-              <a:solidFill>
-                <a:schemeClr val="tx1"/>
-              </a:solidFill>
-              <a:sym typeface="+mn-ea"/>
-            </a:endParaRPr>
-          </a:p>
-          <a:p>
-            <a:pPr algn="l"/>
-            <a:r>
-              <a:rPr lang="zh-CN" altLang="en-US" sz="1200">
-                <a:solidFill>
-                  <a:schemeClr val="tx1"/>
-                </a:solidFill>
-                <a:sym typeface="+mn-ea"/>
-              </a:rPr>
-              <a:t>    </a:t>
-            </a:r>
-            <a:endParaRPr lang="zh-CN" altLang="en-US" sz="1200">
-              <a:solidFill>
-                <a:schemeClr val="tx1"/>
-              </a:solidFill>
-              <a:sym typeface="+mn-ea"/>
-            </a:endParaRPr>
-          </a:p>
-          <a:p>
-            <a:pPr algn="l"/>
-            <a:r>
-              <a:rPr lang="zh-CN" altLang="en-US" sz="1200">
-                <a:solidFill>
-                  <a:schemeClr val="tx1"/>
-                </a:solidFill>
-                <a:sym typeface="+mn-ea"/>
-              </a:rPr>
-              <a:t>    /**</a:t>
-            </a:r>
-            <a:endParaRPr lang="zh-CN" altLang="en-US" sz="1200">
-              <a:solidFill>
-                <a:schemeClr val="tx1"/>
-              </a:solidFill>
-              <a:sym typeface="+mn-ea"/>
-            </a:endParaRPr>
-          </a:p>
-          <a:p>
-            <a:pPr algn="l"/>
-            <a:r>
-              <a:rPr lang="zh-CN" altLang="en-US" sz="1200">
-                <a:solidFill>
-                  <a:schemeClr val="tx1"/>
-                </a:solidFill>
-                <a:sym typeface="+mn-ea"/>
-              </a:rPr>
-              <a:t>     * 递归的重要前提是能跳出去</a:t>
-            </a:r>
-            <a:endParaRPr lang="zh-CN" altLang="en-US" sz="1200">
-              <a:solidFill>
-                <a:schemeClr val="tx1"/>
-              </a:solidFill>
-              <a:sym typeface="+mn-ea"/>
-            </a:endParaRPr>
-          </a:p>
-          <a:p>
-            <a:pPr algn="l"/>
-            <a:r>
-              <a:rPr lang="zh-CN" altLang="en-US" sz="1200">
-                <a:solidFill>
-                  <a:schemeClr val="tx1"/>
-                </a:solidFill>
-                <a:sym typeface="+mn-ea"/>
-              </a:rPr>
-              <a:t>     * @param file</a:t>
-            </a:r>
-            <a:endParaRPr lang="zh-CN" altLang="en-US" sz="1200">
-              <a:solidFill>
-                <a:schemeClr val="tx1"/>
-              </a:solidFill>
-              <a:sym typeface="+mn-ea"/>
-            </a:endParaRPr>
-          </a:p>
-          <a:p>
-            <a:pPr algn="l"/>
-            <a:r>
-              <a:rPr lang="zh-CN" altLang="en-US" sz="1200">
-                <a:solidFill>
-                  <a:schemeClr val="tx1"/>
-                </a:solidFill>
-                <a:sym typeface="+mn-ea"/>
-              </a:rPr>
-              <a:t>     */</a:t>
-            </a:r>
-            <a:endParaRPr lang="zh-CN" altLang="en-US" sz="1200">
-              <a:solidFill>
-                <a:schemeClr val="tx1"/>
-              </a:solidFill>
-              <a:sym typeface="+mn-ea"/>
-            </a:endParaRPr>
-          </a:p>
-          <a:p>
-            <a:pPr algn="l"/>
-            <a:r>
-              <a:rPr lang="zh-CN" altLang="en-US" sz="1200">
-                <a:solidFill>
-                  <a:schemeClr val="tx1"/>
-                </a:solidFill>
-                <a:sym typeface="+mn-ea"/>
-              </a:rPr>
-              <a:t>    public static void mkdirs(File file) {</a:t>
-            </a:r>
-            <a:endParaRPr lang="zh-CN" altLang="en-US" sz="1200">
-              <a:solidFill>
-                <a:schemeClr val="tx1"/>
-              </a:solidFill>
-              <a:sym typeface="+mn-ea"/>
-            </a:endParaRPr>
-          </a:p>
-          <a:p>
-            <a:pPr algn="l"/>
-            <a:r>
-              <a:rPr lang="zh-CN" altLang="en-US" sz="1200">
-                <a:solidFill>
-                  <a:schemeClr val="tx1"/>
-                </a:solidFill>
-                <a:sym typeface="+mn-ea"/>
-              </a:rPr>
-              <a:t>        if (!file.exists()) {</a:t>
-            </a:r>
-            <a:endParaRPr lang="zh-CN" altLang="en-US" sz="1200">
-              <a:solidFill>
-                <a:schemeClr val="tx1"/>
-              </a:solidFill>
-              <a:sym typeface="+mn-ea"/>
-            </a:endParaRPr>
-          </a:p>
-          <a:p>
-            <a:pPr algn="l"/>
-            <a:r>
-              <a:rPr lang="zh-CN" altLang="en-US" sz="1200">
-                <a:solidFill>
-                  <a:schemeClr val="tx1"/>
-                </a:solidFill>
-                <a:sym typeface="+mn-ea"/>
-              </a:rPr>
-              <a:t>            mkdirs(file.getParentFile());</a:t>
-            </a:r>
-            <a:endParaRPr lang="zh-CN" altLang="en-US" sz="1200">
-              <a:solidFill>
-                <a:schemeClr val="tx1"/>
-              </a:solidFill>
-              <a:sym typeface="+mn-ea"/>
-            </a:endParaRPr>
-          </a:p>
-          <a:p>
-            <a:pPr algn="l"/>
-            <a:r>
-              <a:rPr lang="zh-CN" altLang="en-US" sz="1200">
-                <a:solidFill>
-                  <a:schemeClr val="tx1"/>
-                </a:solidFill>
-                <a:sym typeface="+mn-ea"/>
-              </a:rPr>
-              <a:t>            </a:t>
-            </a:r>
-            <a:endParaRPr lang="zh-CN" altLang="en-US" sz="1200">
-              <a:solidFill>
-                <a:schemeClr val="tx1"/>
-              </a:solidFill>
-              <a:sym typeface="+mn-ea"/>
-            </a:endParaRPr>
-          </a:p>
-          <a:p>
-            <a:pPr algn="l"/>
-            <a:r>
-              <a:rPr lang="zh-CN" altLang="en-US" sz="1200">
-                <a:solidFill>
-                  <a:schemeClr val="tx1"/>
-                </a:solidFill>
-                <a:sym typeface="+mn-ea"/>
-              </a:rPr>
-              <a:t>            file.mkdir();</a:t>
-            </a:r>
-            <a:endParaRPr lang="zh-CN" altLang="en-US" sz="1200">
-              <a:solidFill>
-                <a:schemeClr val="tx1"/>
-              </a:solidFill>
-              <a:sym typeface="+mn-ea"/>
-            </a:endParaRPr>
-          </a:p>
-          <a:p>
-            <a:pPr algn="l"/>
-            <a:r>
-              <a:rPr lang="zh-CN" altLang="en-US" sz="1200">
-                <a:solidFill>
-                  <a:schemeClr val="tx1"/>
-                </a:solidFill>
-                <a:sym typeface="+mn-ea"/>
-              </a:rPr>
-              <a:t>        } </a:t>
-            </a:r>
-            <a:endParaRPr lang="zh-CN" altLang="en-US" sz="1200">
-              <a:solidFill>
-                <a:schemeClr val="tx1"/>
-              </a:solidFill>
-              <a:sym typeface="+mn-ea"/>
-            </a:endParaRPr>
-          </a:p>
-          <a:p>
-            <a:pPr algn="l"/>
-            <a:r>
-              <a:rPr lang="zh-CN" altLang="en-US" sz="1200">
-                <a:solidFill>
-                  <a:schemeClr val="tx1"/>
-                </a:solidFill>
-                <a:sym typeface="+mn-ea"/>
-              </a:rPr>
-              <a:t>    }</a:t>
-            </a:r>
-            <a:endParaRPr lang="zh-CN" altLang="en-US" sz="1200">
-              <a:solidFill>
-                <a:schemeClr val="tx1"/>
-              </a:solidFill>
-              <a:sym typeface="+mn-ea"/>
-            </a:endParaRPr>
-          </a:p>
-        </p:txBody>
-      </p:sp>
-      <p:sp>
-        <p:nvSpPr>
-          <p:cNvPr id="5" name="矩形 4"/>
-          <p:cNvSpPr/>
-          <p:nvPr/>
-        </p:nvSpPr>
-        <p:spPr>
-          <a:xfrm>
-            <a:off x="7741285" y="3504565"/>
-            <a:ext cx="4221480" cy="2917190"/>
-          </a:xfrm>
-          <a:prstGeom prst="rect">
-            <a:avLst/>
-          </a:prstGeom>
-          <a:solidFill>
-            <a:schemeClr val="bg1"/>
-          </a:solidFill>
-          <a:ln w="28575">
-            <a:solidFill>
-              <a:srgbClr val="F59909"/>
-            </a:solidFill>
-          </a:ln>
-        </p:spPr>
-        <p:style>
-          <a:lnRef idx="2">
-            <a:schemeClr val="accent1">
-              <a:shade val="50000"/>
-            </a:schemeClr>
-          </a:lnRef>
-          <a:fillRef idx="1">
-            <a:schemeClr val="accent1"/>
-          </a:fillRef>
-          <a:effectRef idx="0">
-            <a:schemeClr val="accent1"/>
-          </a:effectRef>
-          <a:fontRef idx="minor">
-            <a:schemeClr val="lt1"/>
-          </a:fontRef>
-        </p:style>
-        <p:txBody>
-          <a:bodyPr rtlCol="0" anchor="ctr"/>
-          <a:p>
-            <a:pPr algn="l"/>
-            <a:r>
-              <a:rPr lang="zh-CN" altLang="en-US" sz="1200">
-                <a:solidFill>
-                  <a:schemeClr val="tx1"/>
-                </a:solidFill>
-                <a:sym typeface="+mn-ea"/>
-              </a:rPr>
-              <a:t>    /**</a:t>
-            </a:r>
-            <a:endParaRPr lang="zh-CN" altLang="en-US" sz="1200">
-              <a:solidFill>
-                <a:schemeClr val="tx1"/>
-              </a:solidFill>
-              <a:sym typeface="+mn-ea"/>
-            </a:endParaRPr>
-          </a:p>
-          <a:p>
-            <a:pPr algn="l"/>
-            <a:r>
-              <a:rPr lang="zh-CN" altLang="en-US" sz="1200">
-                <a:solidFill>
-                  <a:schemeClr val="tx1"/>
-                </a:solidFill>
-                <a:sym typeface="+mn-ea"/>
-              </a:rPr>
               <a:t>     * 改进</a:t>
             </a:r>
             <a:endParaRPr lang="zh-CN" altLang="en-US" sz="1200">
@@ -38664,7 +41545,7 @@
         </p:nvSpPr>
         <p:spPr>
           <a:xfrm>
-            <a:off x="5509260" y="5965190"/>
+            <a:off x="4721860" y="3924935"/>
             <a:ext cx="2077085" cy="456565"/>
           </a:xfrm>
           <a:prstGeom prst="rect">
@@ -38701,7 +41582,7 @@
             <a:pPr algn="ctr"/>
             <a:r>
               <a:rPr lang="zh-CN"/>
-              <a:t>使用递归</a:t>
+              <a:t>创建目录</a:t>
             </a:r>
             <a:endParaRPr lang="zh-CN"/>
           </a:p>
@@ -40374,6 +43255,15 @@
 </file>
 
 <file path=ppt/tags/tag125.xml><?xml version="1.0" encoding="utf-8"?>
+<p:tagLst xmlns:p="http://schemas.openxmlformats.org/presentationml/2006/main">
+  <p:tag name="KSO_WM_BEAUTIFY_FLAG" val="#wm#"/>
+  <p:tag name="KSO_WM_TEMPLATE_CATEGORY" val="custom"/>
+  <p:tag name="KSO_WM_TEMPLATE_INDEX" val="20203858"/>
+  <p:tag name="KSO_WM_SPECIAL_SOURCE" val="bdnull"/>
+</p:tagLst>
+</file>
+
+<file path=ppt/tags/tag126.xml><?xml version="1.0" encoding="utf-8"?>
 <p:tagLst xmlns:p="http://schemas.openxmlformats.org/presentationml/2006/main">
   <p:tag name="KSO_WM_BEAUTIFY_FLAG" val="#wm#"/>
   <p:tag name="KSO_WM_TEMPLATE_CATEGORY" val="custom"/>
